--- a/final-katuyou215/観光.pptx
+++ b/final-katuyou215/観光.pptx
@@ -2,7 +2,7 @@
 <file path=ppt/presentation.xml><?xml version="1.0" encoding="utf-8"?>
 <p:presentation xmlns:a="http://schemas.openxmlformats.org/drawingml/2006/main" xmlns:r="http://schemas.openxmlformats.org/officeDocument/2006/relationships" xmlns:p="http://schemas.openxmlformats.org/presentationml/2006/main" saveSubsetFonts="1">
   <p:sldMasterIdLst>
-    <p:sldMasterId id="2147483648" r:id="rId1"/>
+    <p:sldMasterId id="2147483660" r:id="rId1"/>
   </p:sldMasterIdLst>
   <p:sldIdLst>
     <p:sldId id="256" r:id="rId2"/>
@@ -108,6 +108,11 @@
       </a:defRPr>
     </a:lvl9pPr>
   </p:defaultTextStyle>
+  <p:extLst>
+    <p:ext uri="{EFAFB233-063F-42B5-8137-9DF3F51BA10A}">
+      <p15:sldGuideLst xmlns:p15="http://schemas.microsoft.com/office/powerpoint/2012/main"/>
+    </p:ext>
+  </p:extLst>
 </p:presentation>
 </file>
 
@@ -130,7 +135,7 @@
       </p:grpSpPr>
       <p:sp>
         <p:nvSpPr>
-          <p:cNvPr id="2" name="タイトル 1"/>
+          <p:cNvPr id="2" name="Title 1"/>
           <p:cNvSpPr>
             <a:spLocks noGrp="1"/>
           </p:cNvSpPr>
@@ -140,29 +145,31 @@
         </p:nvSpPr>
         <p:spPr>
           <a:xfrm>
-            <a:off x="1524000" y="1122363"/>
-            <a:ext cx="9144000" cy="2387600"/>
+            <a:off x="2589213" y="2514600"/>
+            <a:ext cx="8915399" cy="2262781"/>
           </a:xfrm>
         </p:spPr>
         <p:txBody>
-          <a:bodyPr anchor="b"/>
+          <a:bodyPr anchor="b">
+            <a:normAutofit/>
+          </a:bodyPr>
           <a:lstStyle>
-            <a:lvl1pPr algn="ctr">
-              <a:defRPr sz="6000"/>
+            <a:lvl1pPr>
+              <a:defRPr sz="5400"/>
             </a:lvl1pPr>
           </a:lstStyle>
           <a:p>
             <a:r>
-              <a:rPr kumimoji="1" lang="ja-JP" altLang="en-US" smtClean="0"/>
+              <a:rPr lang="ja-JP" altLang="en-US" smtClean="0"/>
               <a:t>マスター タイトルの書式設定</a:t>
             </a:r>
-            <a:endParaRPr kumimoji="1" lang="ja-JP" altLang="en-US"/>
-          </a:p>
-        </p:txBody>
-      </p:sp>
-      <p:sp>
-        <p:nvSpPr>
-          <p:cNvPr id="3" name="サブタイトル 2"/>
+            <a:endParaRPr lang="en-US" dirty="0"/>
+          </a:p>
+        </p:txBody>
+      </p:sp>
+      <p:sp>
+        <p:nvSpPr>
+          <p:cNvPr id="3" name="Subtitle 2"/>
           <p:cNvSpPr>
             <a:spLocks noGrp="1"/>
           </p:cNvSpPr>
@@ -172,62 +179,117 @@
         </p:nvSpPr>
         <p:spPr>
           <a:xfrm>
-            <a:off x="1524000" y="3602038"/>
-            <a:ext cx="9144000" cy="1655762"/>
+            <a:off x="2589213" y="4777379"/>
+            <a:ext cx="8915399" cy="1126283"/>
           </a:xfrm>
         </p:spPr>
         <p:txBody>
-          <a:bodyPr/>
+          <a:bodyPr anchor="t"/>
           <a:lstStyle>
-            <a:lvl1pPr marL="0" indent="0" algn="ctr">
-              <a:buNone/>
-              <a:defRPr sz="2400"/>
+            <a:lvl1pPr marL="0" indent="0" algn="l">
+              <a:buNone/>
+              <a:defRPr>
+                <a:solidFill>
+                  <a:schemeClr val="tx1">
+                    <a:lumMod val="65000"/>
+                    <a:lumOff val="35000"/>
+                  </a:schemeClr>
+                </a:solidFill>
+              </a:defRPr>
             </a:lvl1pPr>
             <a:lvl2pPr marL="457200" indent="0" algn="ctr">
               <a:buNone/>
-              <a:defRPr sz="2000"/>
+              <a:defRPr>
+                <a:solidFill>
+                  <a:schemeClr val="tx1">
+                    <a:tint val="75000"/>
+                  </a:schemeClr>
+                </a:solidFill>
+              </a:defRPr>
             </a:lvl2pPr>
             <a:lvl3pPr marL="914400" indent="0" algn="ctr">
               <a:buNone/>
-              <a:defRPr sz="1800"/>
+              <a:defRPr>
+                <a:solidFill>
+                  <a:schemeClr val="tx1">
+                    <a:tint val="75000"/>
+                  </a:schemeClr>
+                </a:solidFill>
+              </a:defRPr>
             </a:lvl3pPr>
             <a:lvl4pPr marL="1371600" indent="0" algn="ctr">
               <a:buNone/>
-              <a:defRPr sz="1600"/>
+              <a:defRPr>
+                <a:solidFill>
+                  <a:schemeClr val="tx1">
+                    <a:tint val="75000"/>
+                  </a:schemeClr>
+                </a:solidFill>
+              </a:defRPr>
             </a:lvl4pPr>
             <a:lvl5pPr marL="1828800" indent="0" algn="ctr">
               <a:buNone/>
-              <a:defRPr sz="1600"/>
+              <a:defRPr>
+                <a:solidFill>
+                  <a:schemeClr val="tx1">
+                    <a:tint val="75000"/>
+                  </a:schemeClr>
+                </a:solidFill>
+              </a:defRPr>
             </a:lvl5pPr>
             <a:lvl6pPr marL="2286000" indent="0" algn="ctr">
               <a:buNone/>
-              <a:defRPr sz="1600"/>
+              <a:defRPr>
+                <a:solidFill>
+                  <a:schemeClr val="tx1">
+                    <a:tint val="75000"/>
+                  </a:schemeClr>
+                </a:solidFill>
+              </a:defRPr>
             </a:lvl6pPr>
             <a:lvl7pPr marL="2743200" indent="0" algn="ctr">
               <a:buNone/>
-              <a:defRPr sz="1600"/>
+              <a:defRPr>
+                <a:solidFill>
+                  <a:schemeClr val="tx1">
+                    <a:tint val="75000"/>
+                  </a:schemeClr>
+                </a:solidFill>
+              </a:defRPr>
             </a:lvl7pPr>
             <a:lvl8pPr marL="3200400" indent="0" algn="ctr">
               <a:buNone/>
-              <a:defRPr sz="1600"/>
+              <a:defRPr>
+                <a:solidFill>
+                  <a:schemeClr val="tx1">
+                    <a:tint val="75000"/>
+                  </a:schemeClr>
+                </a:solidFill>
+              </a:defRPr>
             </a:lvl8pPr>
             <a:lvl9pPr marL="3657600" indent="0" algn="ctr">
               <a:buNone/>
-              <a:defRPr sz="1600"/>
+              <a:defRPr>
+                <a:solidFill>
+                  <a:schemeClr val="tx1">
+                    <a:tint val="75000"/>
+                  </a:schemeClr>
+                </a:solidFill>
+              </a:defRPr>
             </a:lvl9pPr>
           </a:lstStyle>
           <a:p>
             <a:r>
-              <a:rPr kumimoji="1" lang="ja-JP" altLang="en-US" smtClean="0"/>
+              <a:rPr lang="ja-JP" altLang="en-US" smtClean="0"/>
               <a:t>マスター サブタイトルの書式設定</a:t>
             </a:r>
-            <a:endParaRPr kumimoji="1" lang="ja-JP" altLang="en-US"/>
-          </a:p>
-        </p:txBody>
-      </p:sp>
-      <p:sp>
-        <p:nvSpPr>
-          <p:cNvPr id="4" name="日付プレースホルダー 3"/>
+            <a:endParaRPr lang="en-US" dirty="0"/>
+          </a:p>
+        </p:txBody>
+      </p:sp>
+      <p:sp>
+        <p:nvSpPr>
+          <p:cNvPr id="4" name="Date Placeholder 3"/>
           <p:cNvSpPr>
             <a:spLocks noGrp="1"/>
           </p:cNvSpPr>
@@ -242,7 +304,7 @@
           <a:p>
             <a:fld id="{DD28D536-2A54-40F7-88B2-40A02AE714D2}" type="datetimeFigureOut">
               <a:rPr kumimoji="1" lang="ja-JP" altLang="en-US" smtClean="0"/>
-              <a:t>2015/12/23</a:t>
+              <a:t>2016/1/5</a:t>
             </a:fld>
             <a:endParaRPr kumimoji="1" lang="ja-JP" altLang="en-US"/>
           </a:p>
@@ -250,7 +312,7 @@
       </p:sp>
       <p:sp>
         <p:nvSpPr>
-          <p:cNvPr id="5" name="フッター プレースホルダー 4"/>
+          <p:cNvPr id="5" name="Footer Placeholder 4"/>
           <p:cNvSpPr>
             <a:spLocks noGrp="1"/>
           </p:cNvSpPr>
@@ -269,7 +331,89 @@
       </p:sp>
       <p:sp>
         <p:nvSpPr>
-          <p:cNvPr id="6" name="スライド番号プレースホルダー 5"/>
+          <p:cNvPr id="7" name="Freeform 6"/>
+          <p:cNvSpPr/>
+          <p:nvPr/>
+        </p:nvSpPr>
+        <p:spPr bwMode="auto">
+          <a:xfrm>
+            <a:off x="0" y="4323810"/>
+            <a:ext cx="1744652" cy="778589"/>
+          </a:xfrm>
+          <a:custGeom>
+            <a:avLst/>
+            <a:gdLst/>
+            <a:ahLst/>
+            <a:cxnLst/>
+            <a:rect l="0" t="0" r="r" b="b"/>
+            <a:pathLst>
+              <a:path w="372" h="166">
+                <a:moveTo>
+                  <a:pt x="287" y="166"/>
+                </a:moveTo>
+                <a:cubicBezTo>
+                  <a:pt x="290" y="166"/>
+                  <a:pt x="292" y="165"/>
+                  <a:pt x="293" y="164"/>
+                </a:cubicBezTo>
+                <a:cubicBezTo>
+                  <a:pt x="293" y="163"/>
+                  <a:pt x="294" y="163"/>
+                  <a:pt x="294" y="163"/>
+                </a:cubicBezTo>
+                <a:cubicBezTo>
+                  <a:pt x="370" y="87"/>
+                  <a:pt x="370" y="87"/>
+                  <a:pt x="370" y="87"/>
+                </a:cubicBezTo>
+                <a:cubicBezTo>
+                  <a:pt x="372" y="85"/>
+                  <a:pt x="372" y="81"/>
+                  <a:pt x="370" y="78"/>
+                </a:cubicBezTo>
+                <a:cubicBezTo>
+                  <a:pt x="294" y="3"/>
+                  <a:pt x="294" y="3"/>
+                  <a:pt x="294" y="3"/>
+                </a:cubicBezTo>
+                <a:cubicBezTo>
+                  <a:pt x="294" y="2"/>
+                  <a:pt x="293" y="2"/>
+                  <a:pt x="293" y="2"/>
+                </a:cubicBezTo>
+                <a:cubicBezTo>
+                  <a:pt x="292" y="1"/>
+                  <a:pt x="290" y="0"/>
+                  <a:pt x="287" y="0"/>
+                </a:cubicBezTo>
+                <a:cubicBezTo>
+                  <a:pt x="0" y="0"/>
+                  <a:pt x="0" y="0"/>
+                  <a:pt x="0" y="0"/>
+                </a:cubicBezTo>
+                <a:cubicBezTo>
+                  <a:pt x="0" y="166"/>
+                  <a:pt x="0" y="166"/>
+                  <a:pt x="0" y="166"/>
+                </a:cubicBezTo>
+                <a:lnTo>
+                  <a:pt x="287" y="166"/>
+                </a:lnTo>
+                <a:close/>
+              </a:path>
+            </a:pathLst>
+          </a:custGeom>
+          <a:solidFill>
+            <a:schemeClr val="accent1"/>
+          </a:solidFill>
+          <a:ln>
+            <a:noFill/>
+          </a:ln>
+        </p:spPr>
+      </p:sp>
+      <p:sp>
+        <p:nvSpPr>
+          <p:cNvPr id="6" name="Slide Number Placeholder 5"/>
           <p:cNvSpPr>
             <a:spLocks noGrp="1"/>
           </p:cNvSpPr>
@@ -277,7 +421,12 @@
             <p:ph type="sldNum" sz="quarter" idx="12"/>
           </p:nvPr>
         </p:nvSpPr>
-        <p:spPr/>
+        <p:spPr>
+          <a:xfrm>
+            <a:off x="531812" y="4529540"/>
+            <a:ext cx="779767" cy="365125"/>
+          </a:xfrm>
+        </p:spPr>
         <p:txBody>
           <a:bodyPr/>
           <a:lstStyle/>
@@ -293,7 +442,7 @@
     </p:spTree>
     <p:extLst>
       <p:ext uri="{BB962C8B-B14F-4D97-AF65-F5344CB8AC3E}">
-        <p14:creationId xmlns:p14="http://schemas.microsoft.com/office/powerpoint/2010/main" val="1029622020"/>
+        <p14:creationId xmlns:p14="http://schemas.microsoft.com/office/powerpoint/2010/main" val="1026571419"/>
       </p:ext>
     </p:extLst>
   </p:cSld>
@@ -304,6 +453,1797 @@
 </file>
 
 <file path=ppt/slideLayouts/slideLayout10.xml><?xml version="1.0" encoding="utf-8"?>
+<p:sldLayout xmlns:a="http://schemas.openxmlformats.org/drawingml/2006/main" xmlns:r="http://schemas.openxmlformats.org/officeDocument/2006/relationships" xmlns:p="http://schemas.openxmlformats.org/presentationml/2006/main" preserve="1">
+  <p:cSld name="タイトルとキャプション">
+    <p:spTree>
+      <p:nvGrpSpPr>
+        <p:cNvPr id="1" name=""/>
+        <p:cNvGrpSpPr/>
+        <p:nvPr/>
+      </p:nvGrpSpPr>
+      <p:grpSpPr>
+        <a:xfrm>
+          <a:off x="0" y="0"/>
+          <a:ext cx="0" cy="0"/>
+          <a:chOff x="0" y="0"/>
+          <a:chExt cx="0" cy="0"/>
+        </a:xfrm>
+      </p:grpSpPr>
+      <p:sp>
+        <p:nvSpPr>
+          <p:cNvPr id="2" name="Title 1"/>
+          <p:cNvSpPr>
+            <a:spLocks noGrp="1"/>
+          </p:cNvSpPr>
+          <p:nvPr>
+            <p:ph type="title"/>
+          </p:nvPr>
+        </p:nvSpPr>
+        <p:spPr>
+          <a:xfrm>
+            <a:off x="2589212" y="609600"/>
+            <a:ext cx="8915399" cy="3117040"/>
+          </a:xfrm>
+        </p:spPr>
+        <p:txBody>
+          <a:bodyPr anchor="ctr">
+            <a:normAutofit/>
+          </a:bodyPr>
+          <a:lstStyle>
+            <a:lvl1pPr algn="l">
+              <a:defRPr sz="4800" b="0" cap="none"/>
+            </a:lvl1pPr>
+          </a:lstStyle>
+          <a:p>
+            <a:r>
+              <a:rPr lang="ja-JP" altLang="en-US" smtClean="0"/>
+              <a:t>マスター タイトルの書式設定</a:t>
+            </a:r>
+            <a:endParaRPr lang="en-US" dirty="0"/>
+          </a:p>
+        </p:txBody>
+      </p:sp>
+      <p:sp>
+        <p:nvSpPr>
+          <p:cNvPr id="3" name="Text Placeholder 2"/>
+          <p:cNvSpPr>
+            <a:spLocks noGrp="1"/>
+          </p:cNvSpPr>
+          <p:nvPr>
+            <p:ph type="body" idx="1"/>
+          </p:nvPr>
+        </p:nvSpPr>
+        <p:spPr>
+          <a:xfrm>
+            <a:off x="2589212" y="4354046"/>
+            <a:ext cx="8915399" cy="1555864"/>
+          </a:xfrm>
+        </p:spPr>
+        <p:txBody>
+          <a:bodyPr anchor="ctr">
+            <a:normAutofit/>
+          </a:bodyPr>
+          <a:lstStyle>
+            <a:lvl1pPr marL="0" indent="0" algn="l">
+              <a:buNone/>
+              <a:defRPr sz="1800">
+                <a:solidFill>
+                  <a:schemeClr val="tx1">
+                    <a:lumMod val="65000"/>
+                    <a:lumOff val="35000"/>
+                  </a:schemeClr>
+                </a:solidFill>
+              </a:defRPr>
+            </a:lvl1pPr>
+            <a:lvl2pPr marL="457200" indent="0">
+              <a:buNone/>
+              <a:defRPr sz="1800">
+                <a:solidFill>
+                  <a:schemeClr val="tx1">
+                    <a:tint val="75000"/>
+                  </a:schemeClr>
+                </a:solidFill>
+              </a:defRPr>
+            </a:lvl2pPr>
+            <a:lvl3pPr marL="914400" indent="0">
+              <a:buNone/>
+              <a:defRPr sz="1600">
+                <a:solidFill>
+                  <a:schemeClr val="tx1">
+                    <a:tint val="75000"/>
+                  </a:schemeClr>
+                </a:solidFill>
+              </a:defRPr>
+            </a:lvl3pPr>
+            <a:lvl4pPr marL="1371600" indent="0">
+              <a:buNone/>
+              <a:defRPr sz="1400">
+                <a:solidFill>
+                  <a:schemeClr val="tx1">
+                    <a:tint val="75000"/>
+                  </a:schemeClr>
+                </a:solidFill>
+              </a:defRPr>
+            </a:lvl4pPr>
+            <a:lvl5pPr marL="1828800" indent="0">
+              <a:buNone/>
+              <a:defRPr sz="1400">
+                <a:solidFill>
+                  <a:schemeClr val="tx1">
+                    <a:tint val="75000"/>
+                  </a:schemeClr>
+                </a:solidFill>
+              </a:defRPr>
+            </a:lvl5pPr>
+            <a:lvl6pPr marL="2286000" indent="0">
+              <a:buNone/>
+              <a:defRPr sz="1400">
+                <a:solidFill>
+                  <a:schemeClr val="tx1">
+                    <a:tint val="75000"/>
+                  </a:schemeClr>
+                </a:solidFill>
+              </a:defRPr>
+            </a:lvl6pPr>
+            <a:lvl7pPr marL="2743200" indent="0">
+              <a:buNone/>
+              <a:defRPr sz="1400">
+                <a:solidFill>
+                  <a:schemeClr val="tx1">
+                    <a:tint val="75000"/>
+                  </a:schemeClr>
+                </a:solidFill>
+              </a:defRPr>
+            </a:lvl7pPr>
+            <a:lvl8pPr marL="3200400" indent="0">
+              <a:buNone/>
+              <a:defRPr sz="1400">
+                <a:solidFill>
+                  <a:schemeClr val="tx1">
+                    <a:tint val="75000"/>
+                  </a:schemeClr>
+                </a:solidFill>
+              </a:defRPr>
+            </a:lvl8pPr>
+            <a:lvl9pPr marL="3657600" indent="0">
+              <a:buNone/>
+              <a:defRPr sz="1400">
+                <a:solidFill>
+                  <a:schemeClr val="tx1">
+                    <a:tint val="75000"/>
+                  </a:schemeClr>
+                </a:solidFill>
+              </a:defRPr>
+            </a:lvl9pPr>
+          </a:lstStyle>
+          <a:p>
+            <a:pPr lvl="0"/>
+            <a:r>
+              <a:rPr lang="ja-JP" altLang="en-US" smtClean="0"/>
+              <a:t>マスター テキストの書式設定</a:t>
+            </a:r>
+          </a:p>
+        </p:txBody>
+      </p:sp>
+      <p:sp>
+        <p:nvSpPr>
+          <p:cNvPr id="4" name="Date Placeholder 3"/>
+          <p:cNvSpPr>
+            <a:spLocks noGrp="1"/>
+          </p:cNvSpPr>
+          <p:nvPr>
+            <p:ph type="dt" sz="half" idx="10"/>
+          </p:nvPr>
+        </p:nvSpPr>
+        <p:spPr/>
+        <p:txBody>
+          <a:bodyPr/>
+          <a:lstStyle/>
+          <a:p>
+            <a:fld id="{DD28D536-2A54-40F7-88B2-40A02AE714D2}" type="datetimeFigureOut">
+              <a:rPr kumimoji="1" lang="ja-JP" altLang="en-US" smtClean="0"/>
+              <a:t>2016/1/5</a:t>
+            </a:fld>
+            <a:endParaRPr kumimoji="1" lang="ja-JP" altLang="en-US"/>
+          </a:p>
+        </p:txBody>
+      </p:sp>
+      <p:sp>
+        <p:nvSpPr>
+          <p:cNvPr id="5" name="Footer Placeholder 4"/>
+          <p:cNvSpPr>
+            <a:spLocks noGrp="1"/>
+          </p:cNvSpPr>
+          <p:nvPr>
+            <p:ph type="ftr" sz="quarter" idx="11"/>
+          </p:nvPr>
+        </p:nvSpPr>
+        <p:spPr/>
+        <p:txBody>
+          <a:bodyPr/>
+          <a:lstStyle/>
+          <a:p>
+            <a:endParaRPr kumimoji="1" lang="ja-JP" altLang="en-US"/>
+          </a:p>
+        </p:txBody>
+      </p:sp>
+      <p:sp>
+        <p:nvSpPr>
+          <p:cNvPr id="9" name="Freeform 11"/>
+          <p:cNvSpPr/>
+          <p:nvPr/>
+        </p:nvSpPr>
+        <p:spPr bwMode="auto">
+          <a:xfrm flipV="1">
+            <a:off x="-4189" y="3178175"/>
+            <a:ext cx="1588527" cy="507297"/>
+          </a:xfrm>
+          <a:custGeom>
+            <a:avLst/>
+            <a:gdLst/>
+            <a:ahLst/>
+            <a:cxnLst/>
+            <a:rect l="l" t="t" r="r" b="b"/>
+            <a:pathLst>
+              <a:path w="9248" h="10000">
+                <a:moveTo>
+                  <a:pt x="9248" y="4701"/>
+                </a:moveTo>
+                <a:lnTo>
+                  <a:pt x="7915" y="188"/>
+                </a:lnTo>
+                <a:cubicBezTo>
+                  <a:pt x="7906" y="156"/>
+                  <a:pt x="7895" y="126"/>
+                  <a:pt x="7886" y="94"/>
+                </a:cubicBezTo>
+                <a:cubicBezTo>
+                  <a:pt x="7859" y="0"/>
+                  <a:pt x="7831" y="0"/>
+                  <a:pt x="7803" y="0"/>
+                </a:cubicBezTo>
+                <a:lnTo>
+                  <a:pt x="7275" y="0"/>
+                </a:lnTo>
+                <a:lnTo>
+                  <a:pt x="0" y="70"/>
+                </a:lnTo>
+                <a:cubicBezTo>
+                  <a:pt x="8" y="3380"/>
+                  <a:pt x="17" y="6690"/>
+                  <a:pt x="25" y="10000"/>
+                </a:cubicBezTo>
+                <a:lnTo>
+                  <a:pt x="7275" y="9966"/>
+                </a:lnTo>
+                <a:lnTo>
+                  <a:pt x="7803" y="9966"/>
+                </a:lnTo>
+                <a:cubicBezTo>
+                  <a:pt x="7831" y="9966"/>
+                  <a:pt x="7859" y="9872"/>
+                  <a:pt x="7886" y="9872"/>
+                </a:cubicBezTo>
+                <a:cubicBezTo>
+                  <a:pt x="7886" y="9778"/>
+                  <a:pt x="7915" y="9778"/>
+                  <a:pt x="7915" y="9778"/>
+                </a:cubicBezTo>
+                <a:lnTo>
+                  <a:pt x="9248" y="5265"/>
+                </a:lnTo>
+                <a:cubicBezTo>
+                  <a:pt x="9303" y="5077"/>
+                  <a:pt x="9303" y="4889"/>
+                  <a:pt x="9248" y="4701"/>
+                </a:cubicBezTo>
+                <a:close/>
+              </a:path>
+            </a:pathLst>
+          </a:custGeom>
+          <a:solidFill>
+            <a:schemeClr val="accent1"/>
+          </a:solidFill>
+          <a:ln>
+            <a:noFill/>
+          </a:ln>
+        </p:spPr>
+      </p:sp>
+      <p:sp>
+        <p:nvSpPr>
+          <p:cNvPr id="6" name="Slide Number Placeholder 5"/>
+          <p:cNvSpPr>
+            <a:spLocks noGrp="1"/>
+          </p:cNvSpPr>
+          <p:nvPr>
+            <p:ph type="sldNum" sz="quarter" idx="12"/>
+          </p:nvPr>
+        </p:nvSpPr>
+        <p:spPr>
+          <a:xfrm>
+            <a:off x="531812" y="3244139"/>
+            <a:ext cx="779767" cy="365125"/>
+          </a:xfrm>
+        </p:spPr>
+        <p:txBody>
+          <a:bodyPr/>
+          <a:lstStyle/>
+          <a:p>
+            <a:fld id="{66E2395F-1E2B-4E6A-B993-3B9A5BCDC08C}" type="slidenum">
+              <a:rPr kumimoji="1" lang="ja-JP" altLang="en-US" smtClean="0"/>
+              <a:t>‹#›</a:t>
+            </a:fld>
+            <a:endParaRPr kumimoji="1" lang="ja-JP" altLang="en-US"/>
+          </a:p>
+        </p:txBody>
+      </p:sp>
+    </p:spTree>
+    <p:extLst>
+      <p:ext uri="{BB962C8B-B14F-4D97-AF65-F5344CB8AC3E}">
+        <p14:creationId xmlns:p14="http://schemas.microsoft.com/office/powerpoint/2010/main" val="1811812648"/>
+      </p:ext>
+    </p:extLst>
+  </p:cSld>
+  <p:clrMapOvr>
+    <a:masterClrMapping/>
+  </p:clrMapOvr>
+</p:sldLayout>
+</file>
+
+<file path=ppt/slideLayouts/slideLayout11.xml><?xml version="1.0" encoding="utf-8"?>
+<p:sldLayout xmlns:a="http://schemas.openxmlformats.org/drawingml/2006/main" xmlns:r="http://schemas.openxmlformats.org/officeDocument/2006/relationships" xmlns:p="http://schemas.openxmlformats.org/presentationml/2006/main" preserve="1">
+  <p:cSld name="引用 (キャプション付き)">
+    <p:spTree>
+      <p:nvGrpSpPr>
+        <p:cNvPr id="1" name=""/>
+        <p:cNvGrpSpPr/>
+        <p:nvPr/>
+      </p:nvGrpSpPr>
+      <p:grpSpPr>
+        <a:xfrm>
+          <a:off x="0" y="0"/>
+          <a:ext cx="0" cy="0"/>
+          <a:chOff x="0" y="0"/>
+          <a:chExt cx="0" cy="0"/>
+        </a:xfrm>
+      </p:grpSpPr>
+      <p:sp>
+        <p:nvSpPr>
+          <p:cNvPr id="2" name="Title 1"/>
+          <p:cNvSpPr>
+            <a:spLocks noGrp="1"/>
+          </p:cNvSpPr>
+          <p:nvPr>
+            <p:ph type="title"/>
+          </p:nvPr>
+        </p:nvSpPr>
+        <p:spPr>
+          <a:xfrm>
+            <a:off x="2849949" y="609600"/>
+            <a:ext cx="8393926" cy="2895600"/>
+          </a:xfrm>
+        </p:spPr>
+        <p:txBody>
+          <a:bodyPr anchor="ctr">
+            <a:normAutofit/>
+          </a:bodyPr>
+          <a:lstStyle>
+            <a:lvl1pPr algn="l">
+              <a:defRPr sz="4800" b="0" cap="none"/>
+            </a:lvl1pPr>
+          </a:lstStyle>
+          <a:p>
+            <a:r>
+              <a:rPr lang="ja-JP" altLang="en-US" smtClean="0"/>
+              <a:t>マスター タイトルの書式設定</a:t>
+            </a:r>
+            <a:endParaRPr lang="en-US" dirty="0"/>
+          </a:p>
+        </p:txBody>
+      </p:sp>
+      <p:sp>
+        <p:nvSpPr>
+          <p:cNvPr id="13" name="Text Placeholder 9"/>
+          <p:cNvSpPr>
+            <a:spLocks noGrp="1"/>
+          </p:cNvSpPr>
+          <p:nvPr>
+            <p:ph type="body" sz="quarter" idx="13"/>
+          </p:nvPr>
+        </p:nvSpPr>
+        <p:spPr>
+          <a:xfrm>
+            <a:off x="3275012" y="3505200"/>
+            <a:ext cx="7536554" cy="381000"/>
+          </a:xfrm>
+        </p:spPr>
+        <p:txBody>
+          <a:bodyPr anchor="ctr">
+            <a:noAutofit/>
+          </a:bodyPr>
+          <a:lstStyle>
+            <a:lvl1pPr marL="0" indent="0">
+              <a:buFontTx/>
+              <a:buNone/>
+              <a:defRPr sz="1600">
+                <a:solidFill>
+                  <a:schemeClr val="tx1">
+                    <a:lumMod val="50000"/>
+                    <a:lumOff val="50000"/>
+                  </a:schemeClr>
+                </a:solidFill>
+              </a:defRPr>
+            </a:lvl1pPr>
+            <a:lvl2pPr marL="457200" indent="0">
+              <a:buFontTx/>
+              <a:buNone/>
+              <a:defRPr/>
+            </a:lvl2pPr>
+            <a:lvl3pPr marL="914400" indent="0">
+              <a:buFontTx/>
+              <a:buNone/>
+              <a:defRPr/>
+            </a:lvl3pPr>
+            <a:lvl4pPr marL="1371600" indent="0">
+              <a:buFontTx/>
+              <a:buNone/>
+              <a:defRPr/>
+            </a:lvl4pPr>
+            <a:lvl5pPr marL="1828800" indent="0">
+              <a:buFontTx/>
+              <a:buNone/>
+              <a:defRPr/>
+            </a:lvl5pPr>
+          </a:lstStyle>
+          <a:p>
+            <a:pPr lvl="0"/>
+            <a:r>
+              <a:rPr lang="ja-JP" altLang="en-US" smtClean="0"/>
+              <a:t>マスター テキストの書式設定</a:t>
+            </a:r>
+          </a:p>
+        </p:txBody>
+      </p:sp>
+      <p:sp>
+        <p:nvSpPr>
+          <p:cNvPr id="3" name="Text Placeholder 2"/>
+          <p:cNvSpPr>
+            <a:spLocks noGrp="1"/>
+          </p:cNvSpPr>
+          <p:nvPr>
+            <p:ph type="body" idx="1"/>
+          </p:nvPr>
+        </p:nvSpPr>
+        <p:spPr>
+          <a:xfrm>
+            <a:off x="2589212" y="4354046"/>
+            <a:ext cx="8915399" cy="1555864"/>
+          </a:xfrm>
+        </p:spPr>
+        <p:txBody>
+          <a:bodyPr anchor="ctr">
+            <a:normAutofit/>
+          </a:bodyPr>
+          <a:lstStyle>
+            <a:lvl1pPr marL="0" indent="0" algn="l">
+              <a:buNone/>
+              <a:defRPr sz="1800">
+                <a:solidFill>
+                  <a:schemeClr val="tx1">
+                    <a:lumMod val="65000"/>
+                    <a:lumOff val="35000"/>
+                  </a:schemeClr>
+                </a:solidFill>
+              </a:defRPr>
+            </a:lvl1pPr>
+            <a:lvl2pPr marL="457200" indent="0">
+              <a:buNone/>
+              <a:defRPr sz="1800">
+                <a:solidFill>
+                  <a:schemeClr val="tx1">
+                    <a:tint val="75000"/>
+                  </a:schemeClr>
+                </a:solidFill>
+              </a:defRPr>
+            </a:lvl2pPr>
+            <a:lvl3pPr marL="914400" indent="0">
+              <a:buNone/>
+              <a:defRPr sz="1600">
+                <a:solidFill>
+                  <a:schemeClr val="tx1">
+                    <a:tint val="75000"/>
+                  </a:schemeClr>
+                </a:solidFill>
+              </a:defRPr>
+            </a:lvl3pPr>
+            <a:lvl4pPr marL="1371600" indent="0">
+              <a:buNone/>
+              <a:defRPr sz="1400">
+                <a:solidFill>
+                  <a:schemeClr val="tx1">
+                    <a:tint val="75000"/>
+                  </a:schemeClr>
+                </a:solidFill>
+              </a:defRPr>
+            </a:lvl4pPr>
+            <a:lvl5pPr marL="1828800" indent="0">
+              <a:buNone/>
+              <a:defRPr sz="1400">
+                <a:solidFill>
+                  <a:schemeClr val="tx1">
+                    <a:tint val="75000"/>
+                  </a:schemeClr>
+                </a:solidFill>
+              </a:defRPr>
+            </a:lvl5pPr>
+            <a:lvl6pPr marL="2286000" indent="0">
+              <a:buNone/>
+              <a:defRPr sz="1400">
+                <a:solidFill>
+                  <a:schemeClr val="tx1">
+                    <a:tint val="75000"/>
+                  </a:schemeClr>
+                </a:solidFill>
+              </a:defRPr>
+            </a:lvl6pPr>
+            <a:lvl7pPr marL="2743200" indent="0">
+              <a:buNone/>
+              <a:defRPr sz="1400">
+                <a:solidFill>
+                  <a:schemeClr val="tx1">
+                    <a:tint val="75000"/>
+                  </a:schemeClr>
+                </a:solidFill>
+              </a:defRPr>
+            </a:lvl7pPr>
+            <a:lvl8pPr marL="3200400" indent="0">
+              <a:buNone/>
+              <a:defRPr sz="1400">
+                <a:solidFill>
+                  <a:schemeClr val="tx1">
+                    <a:tint val="75000"/>
+                  </a:schemeClr>
+                </a:solidFill>
+              </a:defRPr>
+            </a:lvl8pPr>
+            <a:lvl9pPr marL="3657600" indent="0">
+              <a:buNone/>
+              <a:defRPr sz="1400">
+                <a:solidFill>
+                  <a:schemeClr val="tx1">
+                    <a:tint val="75000"/>
+                  </a:schemeClr>
+                </a:solidFill>
+              </a:defRPr>
+            </a:lvl9pPr>
+          </a:lstStyle>
+          <a:p>
+            <a:pPr lvl="0"/>
+            <a:r>
+              <a:rPr lang="ja-JP" altLang="en-US" smtClean="0"/>
+              <a:t>マスター テキストの書式設定</a:t>
+            </a:r>
+          </a:p>
+        </p:txBody>
+      </p:sp>
+      <p:sp>
+        <p:nvSpPr>
+          <p:cNvPr id="4" name="Date Placeholder 3"/>
+          <p:cNvSpPr>
+            <a:spLocks noGrp="1"/>
+          </p:cNvSpPr>
+          <p:nvPr>
+            <p:ph type="dt" sz="half" idx="10"/>
+          </p:nvPr>
+        </p:nvSpPr>
+        <p:spPr/>
+        <p:txBody>
+          <a:bodyPr/>
+          <a:lstStyle/>
+          <a:p>
+            <a:fld id="{DD28D536-2A54-40F7-88B2-40A02AE714D2}" type="datetimeFigureOut">
+              <a:rPr kumimoji="1" lang="ja-JP" altLang="en-US" smtClean="0"/>
+              <a:t>2016/1/5</a:t>
+            </a:fld>
+            <a:endParaRPr kumimoji="1" lang="ja-JP" altLang="en-US"/>
+          </a:p>
+        </p:txBody>
+      </p:sp>
+      <p:sp>
+        <p:nvSpPr>
+          <p:cNvPr id="5" name="Footer Placeholder 4"/>
+          <p:cNvSpPr>
+            <a:spLocks noGrp="1"/>
+          </p:cNvSpPr>
+          <p:nvPr>
+            <p:ph type="ftr" sz="quarter" idx="11"/>
+          </p:nvPr>
+        </p:nvSpPr>
+        <p:spPr/>
+        <p:txBody>
+          <a:bodyPr/>
+          <a:lstStyle/>
+          <a:p>
+            <a:endParaRPr kumimoji="1" lang="ja-JP" altLang="en-US"/>
+          </a:p>
+        </p:txBody>
+      </p:sp>
+      <p:sp>
+        <p:nvSpPr>
+          <p:cNvPr id="11" name="Freeform 11"/>
+          <p:cNvSpPr/>
+          <p:nvPr/>
+        </p:nvSpPr>
+        <p:spPr bwMode="auto">
+          <a:xfrm flipV="1">
+            <a:off x="-4189" y="3178175"/>
+            <a:ext cx="1588527" cy="507297"/>
+          </a:xfrm>
+          <a:custGeom>
+            <a:avLst/>
+            <a:gdLst/>
+            <a:ahLst/>
+            <a:cxnLst/>
+            <a:rect l="l" t="t" r="r" b="b"/>
+            <a:pathLst>
+              <a:path w="9248" h="10000">
+                <a:moveTo>
+                  <a:pt x="9248" y="4701"/>
+                </a:moveTo>
+                <a:lnTo>
+                  <a:pt x="7915" y="188"/>
+                </a:lnTo>
+                <a:cubicBezTo>
+                  <a:pt x="7906" y="156"/>
+                  <a:pt x="7895" y="126"/>
+                  <a:pt x="7886" y="94"/>
+                </a:cubicBezTo>
+                <a:cubicBezTo>
+                  <a:pt x="7859" y="0"/>
+                  <a:pt x="7831" y="0"/>
+                  <a:pt x="7803" y="0"/>
+                </a:cubicBezTo>
+                <a:lnTo>
+                  <a:pt x="7275" y="0"/>
+                </a:lnTo>
+                <a:lnTo>
+                  <a:pt x="0" y="70"/>
+                </a:lnTo>
+                <a:cubicBezTo>
+                  <a:pt x="8" y="3380"/>
+                  <a:pt x="17" y="6690"/>
+                  <a:pt x="25" y="10000"/>
+                </a:cubicBezTo>
+                <a:lnTo>
+                  <a:pt x="7275" y="9966"/>
+                </a:lnTo>
+                <a:lnTo>
+                  <a:pt x="7803" y="9966"/>
+                </a:lnTo>
+                <a:cubicBezTo>
+                  <a:pt x="7831" y="9966"/>
+                  <a:pt x="7859" y="9872"/>
+                  <a:pt x="7886" y="9872"/>
+                </a:cubicBezTo>
+                <a:cubicBezTo>
+                  <a:pt x="7886" y="9778"/>
+                  <a:pt x="7915" y="9778"/>
+                  <a:pt x="7915" y="9778"/>
+                </a:cubicBezTo>
+                <a:lnTo>
+                  <a:pt x="9248" y="5265"/>
+                </a:lnTo>
+                <a:cubicBezTo>
+                  <a:pt x="9303" y="5077"/>
+                  <a:pt x="9303" y="4889"/>
+                  <a:pt x="9248" y="4701"/>
+                </a:cubicBezTo>
+                <a:close/>
+              </a:path>
+            </a:pathLst>
+          </a:custGeom>
+          <a:solidFill>
+            <a:schemeClr val="accent1"/>
+          </a:solidFill>
+          <a:ln>
+            <a:noFill/>
+          </a:ln>
+        </p:spPr>
+      </p:sp>
+      <p:sp>
+        <p:nvSpPr>
+          <p:cNvPr id="6" name="Slide Number Placeholder 5"/>
+          <p:cNvSpPr>
+            <a:spLocks noGrp="1"/>
+          </p:cNvSpPr>
+          <p:nvPr>
+            <p:ph type="sldNum" sz="quarter" idx="12"/>
+          </p:nvPr>
+        </p:nvSpPr>
+        <p:spPr>
+          <a:xfrm>
+            <a:off x="531812" y="3244139"/>
+            <a:ext cx="779767" cy="365125"/>
+          </a:xfrm>
+        </p:spPr>
+        <p:txBody>
+          <a:bodyPr/>
+          <a:lstStyle/>
+          <a:p>
+            <a:fld id="{66E2395F-1E2B-4E6A-B993-3B9A5BCDC08C}" type="slidenum">
+              <a:rPr kumimoji="1" lang="ja-JP" altLang="en-US" smtClean="0"/>
+              <a:t>‹#›</a:t>
+            </a:fld>
+            <a:endParaRPr kumimoji="1" lang="ja-JP" altLang="en-US"/>
+          </a:p>
+        </p:txBody>
+      </p:sp>
+      <p:sp>
+        <p:nvSpPr>
+          <p:cNvPr id="14" name="TextBox 13"/>
+          <p:cNvSpPr txBox="1"/>
+          <p:nvPr/>
+        </p:nvSpPr>
+        <p:spPr>
+          <a:xfrm>
+            <a:off x="2467652" y="648005"/>
+            <a:ext cx="609600" cy="584776"/>
+          </a:xfrm>
+          <a:prstGeom prst="rect">
+            <a:avLst/>
+          </a:prstGeom>
+        </p:spPr>
+        <p:txBody>
+          <a:bodyPr vert="horz" lIns="91440" tIns="45720" rIns="91440" bIns="45720" rtlCol="0" anchor="ctr">
+            <a:noAutofit/>
+          </a:bodyPr>
+          <a:lstStyle/>
+          <a:p>
+            <a:pPr lvl="0"/>
+            <a:r>
+              <a:rPr lang="en-US" sz="8000" baseline="0" dirty="0">
+                <a:ln w="3175" cmpd="sng">
+                  <a:noFill/>
+                </a:ln>
+                <a:solidFill>
+                  <a:schemeClr val="accent1"/>
+                </a:solidFill>
+                <a:effectLst/>
+                <a:latin typeface="Arial"/>
+              </a:rPr>
+              <a:t>“</a:t>
+            </a:r>
+          </a:p>
+        </p:txBody>
+      </p:sp>
+      <p:sp>
+        <p:nvSpPr>
+          <p:cNvPr id="15" name="TextBox 14"/>
+          <p:cNvSpPr txBox="1"/>
+          <p:nvPr/>
+        </p:nvSpPr>
+        <p:spPr>
+          <a:xfrm>
+            <a:off x="11114852" y="2905306"/>
+            <a:ext cx="609600" cy="584776"/>
+          </a:xfrm>
+          <a:prstGeom prst="rect">
+            <a:avLst/>
+          </a:prstGeom>
+        </p:spPr>
+        <p:txBody>
+          <a:bodyPr vert="horz" lIns="91440" tIns="45720" rIns="91440" bIns="45720" rtlCol="0" anchor="ctr">
+            <a:noAutofit/>
+          </a:bodyPr>
+          <a:lstStyle/>
+          <a:p>
+            <a:pPr lvl="0"/>
+            <a:r>
+              <a:rPr lang="en-US" sz="8000" baseline="0" dirty="0">
+                <a:ln w="3175" cmpd="sng">
+                  <a:noFill/>
+                </a:ln>
+                <a:solidFill>
+                  <a:schemeClr val="accent1"/>
+                </a:solidFill>
+                <a:effectLst/>
+                <a:latin typeface="Arial"/>
+              </a:rPr>
+              <a:t>”</a:t>
+            </a:r>
+          </a:p>
+        </p:txBody>
+      </p:sp>
+    </p:spTree>
+    <p:extLst>
+      <p:ext uri="{BB962C8B-B14F-4D97-AF65-F5344CB8AC3E}">
+        <p14:creationId xmlns:p14="http://schemas.microsoft.com/office/powerpoint/2010/main" val="2008254667"/>
+      </p:ext>
+    </p:extLst>
+  </p:cSld>
+  <p:clrMapOvr>
+    <a:masterClrMapping/>
+  </p:clrMapOvr>
+</p:sldLayout>
+</file>
+
+<file path=ppt/slideLayouts/slideLayout12.xml><?xml version="1.0" encoding="utf-8"?>
+<p:sldLayout xmlns:a="http://schemas.openxmlformats.org/drawingml/2006/main" xmlns:r="http://schemas.openxmlformats.org/officeDocument/2006/relationships" xmlns:p="http://schemas.openxmlformats.org/presentationml/2006/main" preserve="1">
+  <p:cSld name="名札">
+    <p:spTree>
+      <p:nvGrpSpPr>
+        <p:cNvPr id="1" name=""/>
+        <p:cNvGrpSpPr/>
+        <p:nvPr/>
+      </p:nvGrpSpPr>
+      <p:grpSpPr>
+        <a:xfrm>
+          <a:off x="0" y="0"/>
+          <a:ext cx="0" cy="0"/>
+          <a:chOff x="0" y="0"/>
+          <a:chExt cx="0" cy="0"/>
+        </a:xfrm>
+      </p:grpSpPr>
+      <p:sp>
+        <p:nvSpPr>
+          <p:cNvPr id="2" name="Title 1"/>
+          <p:cNvSpPr>
+            <a:spLocks noGrp="1"/>
+          </p:cNvSpPr>
+          <p:nvPr>
+            <p:ph type="title"/>
+          </p:nvPr>
+        </p:nvSpPr>
+        <p:spPr>
+          <a:xfrm>
+            <a:off x="2589213" y="2438400"/>
+            <a:ext cx="8915400" cy="2724845"/>
+          </a:xfrm>
+        </p:spPr>
+        <p:txBody>
+          <a:bodyPr anchor="b">
+            <a:normAutofit/>
+          </a:bodyPr>
+          <a:lstStyle>
+            <a:lvl1pPr algn="l">
+              <a:defRPr sz="4800" b="0"/>
+            </a:lvl1pPr>
+          </a:lstStyle>
+          <a:p>
+            <a:r>
+              <a:rPr lang="ja-JP" altLang="en-US" smtClean="0"/>
+              <a:t>マスター タイトルの書式設定</a:t>
+            </a:r>
+            <a:endParaRPr lang="en-US" dirty="0"/>
+          </a:p>
+        </p:txBody>
+      </p:sp>
+      <p:sp>
+        <p:nvSpPr>
+          <p:cNvPr id="4" name="Text Placeholder 3"/>
+          <p:cNvSpPr>
+            <a:spLocks noGrp="1"/>
+          </p:cNvSpPr>
+          <p:nvPr>
+            <p:ph type="body" sz="half" idx="2"/>
+          </p:nvPr>
+        </p:nvSpPr>
+        <p:spPr>
+          <a:xfrm>
+            <a:off x="2589213" y="5181600"/>
+            <a:ext cx="8915400" cy="729622"/>
+          </a:xfrm>
+        </p:spPr>
+        <p:txBody>
+          <a:bodyPr vert="horz" lIns="91440" tIns="45720" rIns="91440" bIns="45720" rtlCol="0" anchor="t">
+            <a:normAutofit/>
+          </a:bodyPr>
+          <a:lstStyle>
+            <a:lvl1pPr>
+              <a:buNone/>
+              <a:defRPr lang="en-US">
+                <a:solidFill>
+                  <a:schemeClr val="tx1">
+                    <a:lumMod val="65000"/>
+                    <a:lumOff val="35000"/>
+                  </a:schemeClr>
+                </a:solidFill>
+              </a:defRPr>
+            </a:lvl1pPr>
+          </a:lstStyle>
+          <a:p>
+            <a:pPr marL="0" lvl="0" indent="0">
+              <a:buNone/>
+            </a:pPr>
+            <a:r>
+              <a:rPr lang="ja-JP" altLang="en-US" smtClean="0"/>
+              <a:t>マスター テキストの書式設定</a:t>
+            </a:r>
+          </a:p>
+        </p:txBody>
+      </p:sp>
+      <p:sp>
+        <p:nvSpPr>
+          <p:cNvPr id="5" name="Date Placeholder 4"/>
+          <p:cNvSpPr>
+            <a:spLocks noGrp="1"/>
+          </p:cNvSpPr>
+          <p:nvPr>
+            <p:ph type="dt" sz="half" idx="10"/>
+          </p:nvPr>
+        </p:nvSpPr>
+        <p:spPr/>
+        <p:txBody>
+          <a:bodyPr/>
+          <a:lstStyle/>
+          <a:p>
+            <a:fld id="{DD28D536-2A54-40F7-88B2-40A02AE714D2}" type="datetimeFigureOut">
+              <a:rPr kumimoji="1" lang="ja-JP" altLang="en-US" smtClean="0"/>
+              <a:t>2016/1/5</a:t>
+            </a:fld>
+            <a:endParaRPr kumimoji="1" lang="ja-JP" altLang="en-US"/>
+          </a:p>
+        </p:txBody>
+      </p:sp>
+      <p:sp>
+        <p:nvSpPr>
+          <p:cNvPr id="6" name="Footer Placeholder 5"/>
+          <p:cNvSpPr>
+            <a:spLocks noGrp="1"/>
+          </p:cNvSpPr>
+          <p:nvPr>
+            <p:ph type="ftr" sz="quarter" idx="11"/>
+          </p:nvPr>
+        </p:nvSpPr>
+        <p:spPr/>
+        <p:txBody>
+          <a:bodyPr/>
+          <a:lstStyle/>
+          <a:p>
+            <a:endParaRPr kumimoji="1" lang="ja-JP" altLang="en-US"/>
+          </a:p>
+        </p:txBody>
+      </p:sp>
+      <p:sp>
+        <p:nvSpPr>
+          <p:cNvPr id="9" name="Freeform 11"/>
+          <p:cNvSpPr/>
+          <p:nvPr/>
+        </p:nvSpPr>
+        <p:spPr bwMode="auto">
+          <a:xfrm flipV="1">
+            <a:off x="-4189" y="4911725"/>
+            <a:ext cx="1588527" cy="507297"/>
+          </a:xfrm>
+          <a:custGeom>
+            <a:avLst/>
+            <a:gdLst/>
+            <a:ahLst/>
+            <a:cxnLst/>
+            <a:rect l="l" t="t" r="r" b="b"/>
+            <a:pathLst>
+              <a:path w="9248" h="10000">
+                <a:moveTo>
+                  <a:pt x="9248" y="4701"/>
+                </a:moveTo>
+                <a:lnTo>
+                  <a:pt x="7915" y="188"/>
+                </a:lnTo>
+                <a:cubicBezTo>
+                  <a:pt x="7906" y="156"/>
+                  <a:pt x="7895" y="126"/>
+                  <a:pt x="7886" y="94"/>
+                </a:cubicBezTo>
+                <a:cubicBezTo>
+                  <a:pt x="7859" y="0"/>
+                  <a:pt x="7831" y="0"/>
+                  <a:pt x="7803" y="0"/>
+                </a:cubicBezTo>
+                <a:lnTo>
+                  <a:pt x="7275" y="0"/>
+                </a:lnTo>
+                <a:lnTo>
+                  <a:pt x="0" y="70"/>
+                </a:lnTo>
+                <a:cubicBezTo>
+                  <a:pt x="8" y="3380"/>
+                  <a:pt x="17" y="6690"/>
+                  <a:pt x="25" y="10000"/>
+                </a:cubicBezTo>
+                <a:lnTo>
+                  <a:pt x="7275" y="9966"/>
+                </a:lnTo>
+                <a:lnTo>
+                  <a:pt x="7803" y="9966"/>
+                </a:lnTo>
+                <a:cubicBezTo>
+                  <a:pt x="7831" y="9966"/>
+                  <a:pt x="7859" y="9872"/>
+                  <a:pt x="7886" y="9872"/>
+                </a:cubicBezTo>
+                <a:cubicBezTo>
+                  <a:pt x="7886" y="9778"/>
+                  <a:pt x="7915" y="9778"/>
+                  <a:pt x="7915" y="9778"/>
+                </a:cubicBezTo>
+                <a:lnTo>
+                  <a:pt x="9248" y="5265"/>
+                </a:lnTo>
+                <a:cubicBezTo>
+                  <a:pt x="9303" y="5077"/>
+                  <a:pt x="9303" y="4889"/>
+                  <a:pt x="9248" y="4701"/>
+                </a:cubicBezTo>
+                <a:close/>
+              </a:path>
+            </a:pathLst>
+          </a:custGeom>
+          <a:solidFill>
+            <a:schemeClr val="accent1"/>
+          </a:solidFill>
+          <a:ln>
+            <a:noFill/>
+          </a:ln>
+        </p:spPr>
+      </p:sp>
+      <p:sp>
+        <p:nvSpPr>
+          <p:cNvPr id="7" name="Slide Number Placeholder 6"/>
+          <p:cNvSpPr>
+            <a:spLocks noGrp="1"/>
+          </p:cNvSpPr>
+          <p:nvPr>
+            <p:ph type="sldNum" sz="quarter" idx="12"/>
+          </p:nvPr>
+        </p:nvSpPr>
+        <p:spPr>
+          <a:xfrm>
+            <a:off x="531812" y="4983087"/>
+            <a:ext cx="779767" cy="365125"/>
+          </a:xfrm>
+        </p:spPr>
+        <p:txBody>
+          <a:bodyPr/>
+          <a:lstStyle/>
+          <a:p>
+            <a:fld id="{66E2395F-1E2B-4E6A-B993-3B9A5BCDC08C}" type="slidenum">
+              <a:rPr kumimoji="1" lang="ja-JP" altLang="en-US" smtClean="0"/>
+              <a:t>‹#›</a:t>
+            </a:fld>
+            <a:endParaRPr kumimoji="1" lang="ja-JP" altLang="en-US"/>
+          </a:p>
+        </p:txBody>
+      </p:sp>
+    </p:spTree>
+    <p:extLst>
+      <p:ext uri="{BB962C8B-B14F-4D97-AF65-F5344CB8AC3E}">
+        <p14:creationId xmlns:p14="http://schemas.microsoft.com/office/powerpoint/2010/main" val="1162008133"/>
+      </p:ext>
+    </p:extLst>
+  </p:cSld>
+  <p:clrMapOvr>
+    <a:masterClrMapping/>
+  </p:clrMapOvr>
+</p:sldLayout>
+</file>
+
+<file path=ppt/slideLayouts/slideLayout13.xml><?xml version="1.0" encoding="utf-8"?>
+<p:sldLayout xmlns:a="http://schemas.openxmlformats.org/drawingml/2006/main" xmlns:r="http://schemas.openxmlformats.org/officeDocument/2006/relationships" xmlns:p="http://schemas.openxmlformats.org/presentationml/2006/main" preserve="1">
+  <p:cSld name="引用付きの名札">
+    <p:spTree>
+      <p:nvGrpSpPr>
+        <p:cNvPr id="1" name=""/>
+        <p:cNvGrpSpPr/>
+        <p:nvPr/>
+      </p:nvGrpSpPr>
+      <p:grpSpPr>
+        <a:xfrm>
+          <a:off x="0" y="0"/>
+          <a:ext cx="0" cy="0"/>
+          <a:chOff x="0" y="0"/>
+          <a:chExt cx="0" cy="0"/>
+        </a:xfrm>
+      </p:grpSpPr>
+      <p:sp>
+        <p:nvSpPr>
+          <p:cNvPr id="12" name="Title 1"/>
+          <p:cNvSpPr>
+            <a:spLocks noGrp="1"/>
+          </p:cNvSpPr>
+          <p:nvPr>
+            <p:ph type="title"/>
+          </p:nvPr>
+        </p:nvSpPr>
+        <p:spPr>
+          <a:xfrm>
+            <a:off x="2849949" y="609600"/>
+            <a:ext cx="8393926" cy="2895600"/>
+          </a:xfrm>
+        </p:spPr>
+        <p:txBody>
+          <a:bodyPr anchor="ctr">
+            <a:normAutofit/>
+          </a:bodyPr>
+          <a:lstStyle>
+            <a:lvl1pPr algn="l">
+              <a:defRPr sz="4800" b="0" cap="none"/>
+            </a:lvl1pPr>
+          </a:lstStyle>
+          <a:p>
+            <a:r>
+              <a:rPr lang="ja-JP" altLang="en-US" smtClean="0"/>
+              <a:t>マスター タイトルの書式設定</a:t>
+            </a:r>
+            <a:endParaRPr lang="en-US" dirty="0"/>
+          </a:p>
+        </p:txBody>
+      </p:sp>
+      <p:sp>
+        <p:nvSpPr>
+          <p:cNvPr id="21" name="Text Placeholder 9"/>
+          <p:cNvSpPr>
+            <a:spLocks noGrp="1"/>
+          </p:cNvSpPr>
+          <p:nvPr>
+            <p:ph type="body" sz="quarter" idx="13"/>
+          </p:nvPr>
+        </p:nvSpPr>
+        <p:spPr>
+          <a:xfrm>
+            <a:off x="2589212" y="4343400"/>
+            <a:ext cx="8915400" cy="838200"/>
+          </a:xfrm>
+        </p:spPr>
+        <p:txBody>
+          <a:bodyPr anchor="b">
+            <a:noAutofit/>
+          </a:bodyPr>
+          <a:lstStyle>
+            <a:lvl1pPr marL="0" indent="0">
+              <a:buFontTx/>
+              <a:buNone/>
+              <a:defRPr sz="2400">
+                <a:solidFill>
+                  <a:schemeClr val="accent1"/>
+                </a:solidFill>
+              </a:defRPr>
+            </a:lvl1pPr>
+            <a:lvl2pPr marL="457200" indent="0">
+              <a:buFontTx/>
+              <a:buNone/>
+              <a:defRPr/>
+            </a:lvl2pPr>
+            <a:lvl3pPr marL="914400" indent="0">
+              <a:buFontTx/>
+              <a:buNone/>
+              <a:defRPr/>
+            </a:lvl3pPr>
+            <a:lvl4pPr marL="1371600" indent="0">
+              <a:buFontTx/>
+              <a:buNone/>
+              <a:defRPr/>
+            </a:lvl4pPr>
+            <a:lvl5pPr marL="1828800" indent="0">
+              <a:buFontTx/>
+              <a:buNone/>
+              <a:defRPr/>
+            </a:lvl5pPr>
+          </a:lstStyle>
+          <a:p>
+            <a:pPr lvl="0"/>
+            <a:r>
+              <a:rPr lang="ja-JP" altLang="en-US" smtClean="0"/>
+              <a:t>マスター テキストの書式設定</a:t>
+            </a:r>
+          </a:p>
+        </p:txBody>
+      </p:sp>
+      <p:sp>
+        <p:nvSpPr>
+          <p:cNvPr id="4" name="Text Placeholder 3"/>
+          <p:cNvSpPr>
+            <a:spLocks noGrp="1"/>
+          </p:cNvSpPr>
+          <p:nvPr>
+            <p:ph type="body" sz="half" idx="2"/>
+          </p:nvPr>
+        </p:nvSpPr>
+        <p:spPr>
+          <a:xfrm>
+            <a:off x="2589213" y="5181600"/>
+            <a:ext cx="8915400" cy="729622"/>
+          </a:xfrm>
+        </p:spPr>
+        <p:txBody>
+          <a:bodyPr vert="horz" lIns="91440" tIns="45720" rIns="91440" bIns="45720" rtlCol="0" anchor="t">
+            <a:normAutofit/>
+          </a:bodyPr>
+          <a:lstStyle>
+            <a:lvl1pPr>
+              <a:buNone/>
+              <a:defRPr lang="en-US">
+                <a:solidFill>
+                  <a:schemeClr val="tx1">
+                    <a:lumMod val="65000"/>
+                    <a:lumOff val="35000"/>
+                  </a:schemeClr>
+                </a:solidFill>
+              </a:defRPr>
+            </a:lvl1pPr>
+          </a:lstStyle>
+          <a:p>
+            <a:pPr marL="0" lvl="0" indent="0">
+              <a:buNone/>
+            </a:pPr>
+            <a:r>
+              <a:rPr lang="ja-JP" altLang="en-US" smtClean="0"/>
+              <a:t>マスター テキストの書式設定</a:t>
+            </a:r>
+          </a:p>
+        </p:txBody>
+      </p:sp>
+      <p:sp>
+        <p:nvSpPr>
+          <p:cNvPr id="5" name="Date Placeholder 4"/>
+          <p:cNvSpPr>
+            <a:spLocks noGrp="1"/>
+          </p:cNvSpPr>
+          <p:nvPr>
+            <p:ph type="dt" sz="half" idx="10"/>
+          </p:nvPr>
+        </p:nvSpPr>
+        <p:spPr/>
+        <p:txBody>
+          <a:bodyPr/>
+          <a:lstStyle/>
+          <a:p>
+            <a:fld id="{DD28D536-2A54-40F7-88B2-40A02AE714D2}" type="datetimeFigureOut">
+              <a:rPr kumimoji="1" lang="ja-JP" altLang="en-US" smtClean="0"/>
+              <a:t>2016/1/5</a:t>
+            </a:fld>
+            <a:endParaRPr kumimoji="1" lang="ja-JP" altLang="en-US"/>
+          </a:p>
+        </p:txBody>
+      </p:sp>
+      <p:sp>
+        <p:nvSpPr>
+          <p:cNvPr id="6" name="Footer Placeholder 5"/>
+          <p:cNvSpPr>
+            <a:spLocks noGrp="1"/>
+          </p:cNvSpPr>
+          <p:nvPr>
+            <p:ph type="ftr" sz="quarter" idx="11"/>
+          </p:nvPr>
+        </p:nvSpPr>
+        <p:spPr/>
+        <p:txBody>
+          <a:bodyPr/>
+          <a:lstStyle/>
+          <a:p>
+            <a:endParaRPr kumimoji="1" lang="ja-JP" altLang="en-US"/>
+          </a:p>
+        </p:txBody>
+      </p:sp>
+      <p:sp>
+        <p:nvSpPr>
+          <p:cNvPr id="11" name="Freeform 11"/>
+          <p:cNvSpPr/>
+          <p:nvPr/>
+        </p:nvSpPr>
+        <p:spPr bwMode="auto">
+          <a:xfrm flipV="1">
+            <a:off x="-4189" y="4911725"/>
+            <a:ext cx="1588527" cy="507297"/>
+          </a:xfrm>
+          <a:custGeom>
+            <a:avLst/>
+            <a:gdLst/>
+            <a:ahLst/>
+            <a:cxnLst/>
+            <a:rect l="l" t="t" r="r" b="b"/>
+            <a:pathLst>
+              <a:path w="9248" h="10000">
+                <a:moveTo>
+                  <a:pt x="9248" y="4701"/>
+                </a:moveTo>
+                <a:lnTo>
+                  <a:pt x="7915" y="188"/>
+                </a:lnTo>
+                <a:cubicBezTo>
+                  <a:pt x="7906" y="156"/>
+                  <a:pt x="7895" y="126"/>
+                  <a:pt x="7886" y="94"/>
+                </a:cubicBezTo>
+                <a:cubicBezTo>
+                  <a:pt x="7859" y="0"/>
+                  <a:pt x="7831" y="0"/>
+                  <a:pt x="7803" y="0"/>
+                </a:cubicBezTo>
+                <a:lnTo>
+                  <a:pt x="7275" y="0"/>
+                </a:lnTo>
+                <a:lnTo>
+                  <a:pt x="0" y="70"/>
+                </a:lnTo>
+                <a:cubicBezTo>
+                  <a:pt x="8" y="3380"/>
+                  <a:pt x="17" y="6690"/>
+                  <a:pt x="25" y="10000"/>
+                </a:cubicBezTo>
+                <a:lnTo>
+                  <a:pt x="7275" y="9966"/>
+                </a:lnTo>
+                <a:lnTo>
+                  <a:pt x="7803" y="9966"/>
+                </a:lnTo>
+                <a:cubicBezTo>
+                  <a:pt x="7831" y="9966"/>
+                  <a:pt x="7859" y="9872"/>
+                  <a:pt x="7886" y="9872"/>
+                </a:cubicBezTo>
+                <a:cubicBezTo>
+                  <a:pt x="7886" y="9778"/>
+                  <a:pt x="7915" y="9778"/>
+                  <a:pt x="7915" y="9778"/>
+                </a:cubicBezTo>
+                <a:lnTo>
+                  <a:pt x="9248" y="5265"/>
+                </a:lnTo>
+                <a:cubicBezTo>
+                  <a:pt x="9303" y="5077"/>
+                  <a:pt x="9303" y="4889"/>
+                  <a:pt x="9248" y="4701"/>
+                </a:cubicBezTo>
+                <a:close/>
+              </a:path>
+            </a:pathLst>
+          </a:custGeom>
+          <a:solidFill>
+            <a:schemeClr val="accent1"/>
+          </a:solidFill>
+          <a:ln>
+            <a:noFill/>
+          </a:ln>
+        </p:spPr>
+      </p:sp>
+      <p:sp>
+        <p:nvSpPr>
+          <p:cNvPr id="7" name="Slide Number Placeholder 6"/>
+          <p:cNvSpPr>
+            <a:spLocks noGrp="1"/>
+          </p:cNvSpPr>
+          <p:nvPr>
+            <p:ph type="sldNum" sz="quarter" idx="12"/>
+          </p:nvPr>
+        </p:nvSpPr>
+        <p:spPr>
+          <a:xfrm>
+            <a:off x="531812" y="4983087"/>
+            <a:ext cx="779767" cy="365125"/>
+          </a:xfrm>
+        </p:spPr>
+        <p:txBody>
+          <a:bodyPr/>
+          <a:lstStyle/>
+          <a:p>
+            <a:fld id="{66E2395F-1E2B-4E6A-B993-3B9A5BCDC08C}" type="slidenum">
+              <a:rPr kumimoji="1" lang="ja-JP" altLang="en-US" smtClean="0"/>
+              <a:t>‹#›</a:t>
+            </a:fld>
+            <a:endParaRPr kumimoji="1" lang="ja-JP" altLang="en-US"/>
+          </a:p>
+        </p:txBody>
+      </p:sp>
+      <p:sp>
+        <p:nvSpPr>
+          <p:cNvPr id="17" name="TextBox 16"/>
+          <p:cNvSpPr txBox="1"/>
+          <p:nvPr/>
+        </p:nvSpPr>
+        <p:spPr>
+          <a:xfrm>
+            <a:off x="2467652" y="648005"/>
+            <a:ext cx="609600" cy="584776"/>
+          </a:xfrm>
+          <a:prstGeom prst="rect">
+            <a:avLst/>
+          </a:prstGeom>
+        </p:spPr>
+        <p:txBody>
+          <a:bodyPr vert="horz" lIns="91440" tIns="45720" rIns="91440" bIns="45720" rtlCol="0" anchor="ctr">
+            <a:noAutofit/>
+          </a:bodyPr>
+          <a:lstStyle/>
+          <a:p>
+            <a:pPr lvl="0"/>
+            <a:r>
+              <a:rPr lang="en-US" sz="8000" baseline="0" dirty="0">
+                <a:ln w="3175" cmpd="sng">
+                  <a:noFill/>
+                </a:ln>
+                <a:solidFill>
+                  <a:schemeClr val="accent1"/>
+                </a:solidFill>
+                <a:effectLst/>
+                <a:latin typeface="Arial"/>
+              </a:rPr>
+              <a:t>“</a:t>
+            </a:r>
+          </a:p>
+        </p:txBody>
+      </p:sp>
+      <p:sp>
+        <p:nvSpPr>
+          <p:cNvPr id="18" name="TextBox 17"/>
+          <p:cNvSpPr txBox="1"/>
+          <p:nvPr/>
+        </p:nvSpPr>
+        <p:spPr>
+          <a:xfrm>
+            <a:off x="11114852" y="2905306"/>
+            <a:ext cx="609600" cy="584776"/>
+          </a:xfrm>
+          <a:prstGeom prst="rect">
+            <a:avLst/>
+          </a:prstGeom>
+        </p:spPr>
+        <p:txBody>
+          <a:bodyPr vert="horz" lIns="91440" tIns="45720" rIns="91440" bIns="45720" rtlCol="0" anchor="ctr">
+            <a:noAutofit/>
+          </a:bodyPr>
+          <a:lstStyle/>
+          <a:p>
+            <a:pPr lvl="0"/>
+            <a:r>
+              <a:rPr lang="en-US" sz="8000" baseline="0" dirty="0">
+                <a:ln w="3175" cmpd="sng">
+                  <a:noFill/>
+                </a:ln>
+                <a:solidFill>
+                  <a:schemeClr val="accent1"/>
+                </a:solidFill>
+                <a:effectLst/>
+                <a:latin typeface="Arial"/>
+              </a:rPr>
+              <a:t>”</a:t>
+            </a:r>
+          </a:p>
+        </p:txBody>
+      </p:sp>
+    </p:spTree>
+    <p:extLst>
+      <p:ext uri="{BB962C8B-B14F-4D97-AF65-F5344CB8AC3E}">
+        <p14:creationId xmlns:p14="http://schemas.microsoft.com/office/powerpoint/2010/main" val="1041356147"/>
+      </p:ext>
+    </p:extLst>
+  </p:cSld>
+  <p:clrMapOvr>
+    <a:masterClrMapping/>
+  </p:clrMapOvr>
+</p:sldLayout>
+</file>
+
+<file path=ppt/slideLayouts/slideLayout14.xml><?xml version="1.0" encoding="utf-8"?>
+<p:sldLayout xmlns:a="http://schemas.openxmlformats.org/drawingml/2006/main" xmlns:r="http://schemas.openxmlformats.org/officeDocument/2006/relationships" xmlns:p="http://schemas.openxmlformats.org/presentationml/2006/main" preserve="1">
+  <p:cSld name="真または偽">
+    <p:spTree>
+      <p:nvGrpSpPr>
+        <p:cNvPr id="1" name=""/>
+        <p:cNvGrpSpPr/>
+        <p:nvPr/>
+      </p:nvGrpSpPr>
+      <p:grpSpPr>
+        <a:xfrm>
+          <a:off x="0" y="0"/>
+          <a:ext cx="0" cy="0"/>
+          <a:chOff x="0" y="0"/>
+          <a:chExt cx="0" cy="0"/>
+        </a:xfrm>
+      </p:grpSpPr>
+      <p:sp>
+        <p:nvSpPr>
+          <p:cNvPr id="2" name="Title 1"/>
+          <p:cNvSpPr>
+            <a:spLocks noGrp="1"/>
+          </p:cNvSpPr>
+          <p:nvPr>
+            <p:ph type="title"/>
+          </p:nvPr>
+        </p:nvSpPr>
+        <p:spPr>
+          <a:xfrm>
+            <a:off x="2589212" y="627407"/>
+            <a:ext cx="8915399" cy="2880020"/>
+          </a:xfrm>
+        </p:spPr>
+        <p:txBody>
+          <a:bodyPr anchor="ctr">
+            <a:normAutofit/>
+          </a:bodyPr>
+          <a:lstStyle>
+            <a:lvl1pPr algn="l">
+              <a:defRPr sz="4800" b="0"/>
+            </a:lvl1pPr>
+          </a:lstStyle>
+          <a:p>
+            <a:r>
+              <a:rPr lang="ja-JP" altLang="en-US" smtClean="0"/>
+              <a:t>マスター タイトルの書式設定</a:t>
+            </a:r>
+            <a:endParaRPr lang="en-US" dirty="0"/>
+          </a:p>
+        </p:txBody>
+      </p:sp>
+      <p:sp>
+        <p:nvSpPr>
+          <p:cNvPr id="21" name="Text Placeholder 9"/>
+          <p:cNvSpPr>
+            <a:spLocks noGrp="1"/>
+          </p:cNvSpPr>
+          <p:nvPr>
+            <p:ph type="body" sz="quarter" idx="13"/>
+          </p:nvPr>
+        </p:nvSpPr>
+        <p:spPr>
+          <a:xfrm>
+            <a:off x="2589212" y="4343400"/>
+            <a:ext cx="8915400" cy="838200"/>
+          </a:xfrm>
+        </p:spPr>
+        <p:txBody>
+          <a:bodyPr anchor="b">
+            <a:noAutofit/>
+          </a:bodyPr>
+          <a:lstStyle>
+            <a:lvl1pPr marL="0" indent="0">
+              <a:buFontTx/>
+              <a:buNone/>
+              <a:defRPr sz="2400">
+                <a:solidFill>
+                  <a:schemeClr val="accent1"/>
+                </a:solidFill>
+              </a:defRPr>
+            </a:lvl1pPr>
+            <a:lvl2pPr marL="457200" indent="0">
+              <a:buFontTx/>
+              <a:buNone/>
+              <a:defRPr/>
+            </a:lvl2pPr>
+            <a:lvl3pPr marL="914400" indent="0">
+              <a:buFontTx/>
+              <a:buNone/>
+              <a:defRPr/>
+            </a:lvl3pPr>
+            <a:lvl4pPr marL="1371600" indent="0">
+              <a:buFontTx/>
+              <a:buNone/>
+              <a:defRPr/>
+            </a:lvl4pPr>
+            <a:lvl5pPr marL="1828800" indent="0">
+              <a:buFontTx/>
+              <a:buNone/>
+              <a:defRPr/>
+            </a:lvl5pPr>
+          </a:lstStyle>
+          <a:p>
+            <a:pPr lvl="0"/>
+            <a:r>
+              <a:rPr lang="ja-JP" altLang="en-US" smtClean="0"/>
+              <a:t>マスター テキストの書式設定</a:t>
+            </a:r>
+          </a:p>
+        </p:txBody>
+      </p:sp>
+      <p:sp>
+        <p:nvSpPr>
+          <p:cNvPr id="4" name="Text Placeholder 3"/>
+          <p:cNvSpPr>
+            <a:spLocks noGrp="1"/>
+          </p:cNvSpPr>
+          <p:nvPr>
+            <p:ph type="body" sz="half" idx="2"/>
+          </p:nvPr>
+        </p:nvSpPr>
+        <p:spPr>
+          <a:xfrm>
+            <a:off x="2589213" y="5181600"/>
+            <a:ext cx="8915400" cy="729622"/>
+          </a:xfrm>
+        </p:spPr>
+        <p:txBody>
+          <a:bodyPr vert="horz" lIns="91440" tIns="45720" rIns="91440" bIns="45720" rtlCol="0" anchor="t">
+            <a:normAutofit/>
+          </a:bodyPr>
+          <a:lstStyle>
+            <a:lvl1pPr>
+              <a:buNone/>
+              <a:defRPr lang="en-US">
+                <a:solidFill>
+                  <a:schemeClr val="tx1">
+                    <a:lumMod val="65000"/>
+                    <a:lumOff val="35000"/>
+                  </a:schemeClr>
+                </a:solidFill>
+              </a:defRPr>
+            </a:lvl1pPr>
+          </a:lstStyle>
+          <a:p>
+            <a:pPr marL="0" lvl="0" indent="0">
+              <a:buNone/>
+            </a:pPr>
+            <a:r>
+              <a:rPr lang="ja-JP" altLang="en-US" smtClean="0"/>
+              <a:t>マスター テキストの書式設定</a:t>
+            </a:r>
+          </a:p>
+        </p:txBody>
+      </p:sp>
+      <p:sp>
+        <p:nvSpPr>
+          <p:cNvPr id="5" name="Date Placeholder 4"/>
+          <p:cNvSpPr>
+            <a:spLocks noGrp="1"/>
+          </p:cNvSpPr>
+          <p:nvPr>
+            <p:ph type="dt" sz="half" idx="10"/>
+          </p:nvPr>
+        </p:nvSpPr>
+        <p:spPr/>
+        <p:txBody>
+          <a:bodyPr/>
+          <a:lstStyle/>
+          <a:p>
+            <a:fld id="{DD28D536-2A54-40F7-88B2-40A02AE714D2}" type="datetimeFigureOut">
+              <a:rPr kumimoji="1" lang="ja-JP" altLang="en-US" smtClean="0"/>
+              <a:t>2016/1/5</a:t>
+            </a:fld>
+            <a:endParaRPr kumimoji="1" lang="ja-JP" altLang="en-US"/>
+          </a:p>
+        </p:txBody>
+      </p:sp>
+      <p:sp>
+        <p:nvSpPr>
+          <p:cNvPr id="6" name="Footer Placeholder 5"/>
+          <p:cNvSpPr>
+            <a:spLocks noGrp="1"/>
+          </p:cNvSpPr>
+          <p:nvPr>
+            <p:ph type="ftr" sz="quarter" idx="11"/>
+          </p:nvPr>
+        </p:nvSpPr>
+        <p:spPr/>
+        <p:txBody>
+          <a:bodyPr/>
+          <a:lstStyle/>
+          <a:p>
+            <a:endParaRPr kumimoji="1" lang="ja-JP" altLang="en-US"/>
+          </a:p>
+        </p:txBody>
+      </p:sp>
+      <p:sp>
+        <p:nvSpPr>
+          <p:cNvPr id="9" name="Freeform 11"/>
+          <p:cNvSpPr/>
+          <p:nvPr/>
+        </p:nvSpPr>
+        <p:spPr bwMode="auto">
+          <a:xfrm flipV="1">
+            <a:off x="-4189" y="4911725"/>
+            <a:ext cx="1588527" cy="507297"/>
+          </a:xfrm>
+          <a:custGeom>
+            <a:avLst/>
+            <a:gdLst/>
+            <a:ahLst/>
+            <a:cxnLst/>
+            <a:rect l="l" t="t" r="r" b="b"/>
+            <a:pathLst>
+              <a:path w="9248" h="10000">
+                <a:moveTo>
+                  <a:pt x="9248" y="4701"/>
+                </a:moveTo>
+                <a:lnTo>
+                  <a:pt x="7915" y="188"/>
+                </a:lnTo>
+                <a:cubicBezTo>
+                  <a:pt x="7906" y="156"/>
+                  <a:pt x="7895" y="126"/>
+                  <a:pt x="7886" y="94"/>
+                </a:cubicBezTo>
+                <a:cubicBezTo>
+                  <a:pt x="7859" y="0"/>
+                  <a:pt x="7831" y="0"/>
+                  <a:pt x="7803" y="0"/>
+                </a:cubicBezTo>
+                <a:lnTo>
+                  <a:pt x="7275" y="0"/>
+                </a:lnTo>
+                <a:lnTo>
+                  <a:pt x="0" y="70"/>
+                </a:lnTo>
+                <a:cubicBezTo>
+                  <a:pt x="8" y="3380"/>
+                  <a:pt x="17" y="6690"/>
+                  <a:pt x="25" y="10000"/>
+                </a:cubicBezTo>
+                <a:lnTo>
+                  <a:pt x="7275" y="9966"/>
+                </a:lnTo>
+                <a:lnTo>
+                  <a:pt x="7803" y="9966"/>
+                </a:lnTo>
+                <a:cubicBezTo>
+                  <a:pt x="7831" y="9966"/>
+                  <a:pt x="7859" y="9872"/>
+                  <a:pt x="7886" y="9872"/>
+                </a:cubicBezTo>
+                <a:cubicBezTo>
+                  <a:pt x="7886" y="9778"/>
+                  <a:pt x="7915" y="9778"/>
+                  <a:pt x="7915" y="9778"/>
+                </a:cubicBezTo>
+                <a:lnTo>
+                  <a:pt x="9248" y="5265"/>
+                </a:lnTo>
+                <a:cubicBezTo>
+                  <a:pt x="9303" y="5077"/>
+                  <a:pt x="9303" y="4889"/>
+                  <a:pt x="9248" y="4701"/>
+                </a:cubicBezTo>
+                <a:close/>
+              </a:path>
+            </a:pathLst>
+          </a:custGeom>
+          <a:solidFill>
+            <a:schemeClr val="accent1"/>
+          </a:solidFill>
+          <a:ln>
+            <a:noFill/>
+          </a:ln>
+        </p:spPr>
+      </p:sp>
+      <p:sp>
+        <p:nvSpPr>
+          <p:cNvPr id="7" name="Slide Number Placeholder 6"/>
+          <p:cNvSpPr>
+            <a:spLocks noGrp="1"/>
+          </p:cNvSpPr>
+          <p:nvPr>
+            <p:ph type="sldNum" sz="quarter" idx="12"/>
+          </p:nvPr>
+        </p:nvSpPr>
+        <p:spPr>
+          <a:xfrm>
+            <a:off x="531812" y="4983087"/>
+            <a:ext cx="779767" cy="365125"/>
+          </a:xfrm>
+        </p:spPr>
+        <p:txBody>
+          <a:bodyPr/>
+          <a:lstStyle/>
+          <a:p>
+            <a:fld id="{66E2395F-1E2B-4E6A-B993-3B9A5BCDC08C}" type="slidenum">
+              <a:rPr kumimoji="1" lang="ja-JP" altLang="en-US" smtClean="0"/>
+              <a:t>‹#›</a:t>
+            </a:fld>
+            <a:endParaRPr kumimoji="1" lang="ja-JP" altLang="en-US"/>
+          </a:p>
+        </p:txBody>
+      </p:sp>
+    </p:spTree>
+    <p:extLst>
+      <p:ext uri="{BB962C8B-B14F-4D97-AF65-F5344CB8AC3E}">
+        <p14:creationId xmlns:p14="http://schemas.microsoft.com/office/powerpoint/2010/main" val="916862728"/>
+      </p:ext>
+    </p:extLst>
+  </p:cSld>
+  <p:clrMapOvr>
+    <a:masterClrMapping/>
+  </p:clrMapOvr>
+</p:sldLayout>
+</file>
+
+<file path=ppt/slideLayouts/slideLayout15.xml><?xml version="1.0" encoding="utf-8"?>
 <p:sldLayout xmlns:a="http://schemas.openxmlformats.org/drawingml/2006/main" xmlns:r="http://schemas.openxmlformats.org/officeDocument/2006/relationships" xmlns:p="http://schemas.openxmlformats.org/presentationml/2006/main" type="vertTx" preserve="1">
   <p:cSld name="タイトルと&#10;縦書きテキスト">
     <p:spTree>
@@ -322,7 +2262,7 @@
       </p:grpSpPr>
       <p:sp>
         <p:nvSpPr>
-          <p:cNvPr id="2" name="タイトル 1"/>
+          <p:cNvPr id="2" name="Title 1"/>
           <p:cNvSpPr>
             <a:spLocks noGrp="1"/>
           </p:cNvSpPr>
@@ -336,16 +2276,16 @@
           <a:lstStyle/>
           <a:p>
             <a:r>
-              <a:rPr kumimoji="1" lang="ja-JP" altLang="en-US" smtClean="0"/>
+              <a:rPr lang="ja-JP" altLang="en-US" smtClean="0"/>
               <a:t>マスター タイトルの書式設定</a:t>
             </a:r>
-            <a:endParaRPr kumimoji="1" lang="ja-JP" altLang="en-US"/>
-          </a:p>
-        </p:txBody>
-      </p:sp>
-      <p:sp>
-        <p:nvSpPr>
-          <p:cNvPr id="3" name="縦書きテキスト プレースホルダー 2"/>
+            <a:endParaRPr lang="en-US" dirty="0"/>
+          </a:p>
+        </p:txBody>
+      </p:sp>
+      <p:sp>
+        <p:nvSpPr>
+          <p:cNvPr id="3" name="Vertical Text Placeholder 2"/>
           <p:cNvSpPr>
             <a:spLocks noGrp="1"/>
           </p:cNvSpPr>
@@ -355,81 +2295,81 @@
         </p:nvSpPr>
         <p:spPr/>
         <p:txBody>
-          <a:bodyPr vert="eaVert"/>
+          <a:bodyPr vert="eaVert" anchor="t"/>
           <a:lstStyle/>
           <a:p>
             <a:pPr lvl="0"/>
             <a:r>
-              <a:rPr kumimoji="1" lang="ja-JP" altLang="en-US" smtClean="0"/>
+              <a:rPr lang="ja-JP" altLang="en-US" smtClean="0"/>
               <a:t>マスター テキストの書式設定</a:t>
             </a:r>
           </a:p>
           <a:p>
             <a:pPr lvl="1"/>
             <a:r>
-              <a:rPr kumimoji="1" lang="ja-JP" altLang="en-US" smtClean="0"/>
+              <a:rPr lang="ja-JP" altLang="en-US" smtClean="0"/>
               <a:t>第 </a:t>
             </a:r>
             <a:r>
-              <a:rPr kumimoji="1" lang="en-US" altLang="ja-JP" smtClean="0"/>
+              <a:rPr lang="en-US" altLang="ja-JP" smtClean="0"/>
               <a:t>2 </a:t>
             </a:r>
             <a:r>
-              <a:rPr kumimoji="1" lang="ja-JP" altLang="en-US" smtClean="0"/>
+              <a:rPr lang="ja-JP" altLang="en-US" smtClean="0"/>
               <a:t>レベル</a:t>
             </a:r>
           </a:p>
           <a:p>
             <a:pPr lvl="2"/>
             <a:r>
-              <a:rPr kumimoji="1" lang="ja-JP" altLang="en-US" smtClean="0"/>
+              <a:rPr lang="ja-JP" altLang="en-US" smtClean="0"/>
               <a:t>第 </a:t>
             </a:r>
             <a:r>
-              <a:rPr kumimoji="1" lang="en-US" altLang="ja-JP" smtClean="0"/>
+              <a:rPr lang="en-US" altLang="ja-JP" smtClean="0"/>
               <a:t>3 </a:t>
             </a:r>
             <a:r>
-              <a:rPr kumimoji="1" lang="ja-JP" altLang="en-US" smtClean="0"/>
+              <a:rPr lang="ja-JP" altLang="en-US" smtClean="0"/>
               <a:t>レベル</a:t>
             </a:r>
           </a:p>
           <a:p>
             <a:pPr lvl="3"/>
             <a:r>
-              <a:rPr kumimoji="1" lang="ja-JP" altLang="en-US" smtClean="0"/>
+              <a:rPr lang="ja-JP" altLang="en-US" smtClean="0"/>
               <a:t>第 </a:t>
             </a:r>
             <a:r>
-              <a:rPr kumimoji="1" lang="en-US" altLang="ja-JP" smtClean="0"/>
+              <a:rPr lang="en-US" altLang="ja-JP" smtClean="0"/>
               <a:t>4 </a:t>
             </a:r>
             <a:r>
-              <a:rPr kumimoji="1" lang="ja-JP" altLang="en-US" smtClean="0"/>
+              <a:rPr lang="ja-JP" altLang="en-US" smtClean="0"/>
               <a:t>レベル</a:t>
             </a:r>
           </a:p>
           <a:p>
             <a:pPr lvl="4"/>
             <a:r>
-              <a:rPr kumimoji="1" lang="ja-JP" altLang="en-US" smtClean="0"/>
+              <a:rPr lang="ja-JP" altLang="en-US" smtClean="0"/>
               <a:t>第 </a:t>
             </a:r>
             <a:r>
-              <a:rPr kumimoji="1" lang="en-US" altLang="ja-JP" smtClean="0"/>
+              <a:rPr lang="en-US" altLang="ja-JP" smtClean="0"/>
               <a:t>5 </a:t>
             </a:r>
             <a:r>
-              <a:rPr kumimoji="1" lang="ja-JP" altLang="en-US" smtClean="0"/>
+              <a:rPr lang="ja-JP" altLang="en-US" smtClean="0"/>
               <a:t>レベル</a:t>
             </a:r>
-            <a:endParaRPr kumimoji="1" lang="ja-JP" altLang="en-US"/>
-          </a:p>
-        </p:txBody>
-      </p:sp>
-      <p:sp>
-        <p:nvSpPr>
-          <p:cNvPr id="4" name="日付プレースホルダー 3"/>
+            <a:endParaRPr lang="en-US" dirty="0"/>
+          </a:p>
+        </p:txBody>
+      </p:sp>
+      <p:sp>
+        <p:nvSpPr>
+          <p:cNvPr id="4" name="Date Placeholder 3"/>
           <p:cNvSpPr>
             <a:spLocks noGrp="1"/>
           </p:cNvSpPr>
@@ -444,7 +2384,7 @@
           <a:p>
             <a:fld id="{DD28D536-2A54-40F7-88B2-40A02AE714D2}" type="datetimeFigureOut">
               <a:rPr kumimoji="1" lang="ja-JP" altLang="en-US" smtClean="0"/>
-              <a:t>2015/12/23</a:t>
+              <a:t>2016/1/5</a:t>
             </a:fld>
             <a:endParaRPr kumimoji="1" lang="ja-JP" altLang="en-US"/>
           </a:p>
@@ -452,7 +2392,7 @@
       </p:sp>
       <p:sp>
         <p:nvSpPr>
-          <p:cNvPr id="5" name="フッター プレースホルダー 4"/>
+          <p:cNvPr id="5" name="Footer Placeholder 4"/>
           <p:cNvSpPr>
             <a:spLocks noGrp="1"/>
           </p:cNvSpPr>
@@ -471,7 +2411,89 @@
       </p:sp>
       <p:sp>
         <p:nvSpPr>
-          <p:cNvPr id="6" name="スライド番号プレースホルダー 5"/>
+          <p:cNvPr id="8" name="Freeform 11"/>
+          <p:cNvSpPr/>
+          <p:nvPr/>
+        </p:nvSpPr>
+        <p:spPr bwMode="auto">
+          <a:xfrm flipV="1">
+            <a:off x="-4189" y="714375"/>
+            <a:ext cx="1588527" cy="507297"/>
+          </a:xfrm>
+          <a:custGeom>
+            <a:avLst/>
+            <a:gdLst/>
+            <a:ahLst/>
+            <a:cxnLst/>
+            <a:rect l="l" t="t" r="r" b="b"/>
+            <a:pathLst>
+              <a:path w="9248" h="10000">
+                <a:moveTo>
+                  <a:pt x="9248" y="4701"/>
+                </a:moveTo>
+                <a:lnTo>
+                  <a:pt x="7915" y="188"/>
+                </a:lnTo>
+                <a:cubicBezTo>
+                  <a:pt x="7906" y="156"/>
+                  <a:pt x="7895" y="126"/>
+                  <a:pt x="7886" y="94"/>
+                </a:cubicBezTo>
+                <a:cubicBezTo>
+                  <a:pt x="7859" y="0"/>
+                  <a:pt x="7831" y="0"/>
+                  <a:pt x="7803" y="0"/>
+                </a:cubicBezTo>
+                <a:lnTo>
+                  <a:pt x="7275" y="0"/>
+                </a:lnTo>
+                <a:lnTo>
+                  <a:pt x="0" y="70"/>
+                </a:lnTo>
+                <a:cubicBezTo>
+                  <a:pt x="8" y="3380"/>
+                  <a:pt x="17" y="6690"/>
+                  <a:pt x="25" y="10000"/>
+                </a:cubicBezTo>
+                <a:lnTo>
+                  <a:pt x="7275" y="9966"/>
+                </a:lnTo>
+                <a:lnTo>
+                  <a:pt x="7803" y="9966"/>
+                </a:lnTo>
+                <a:cubicBezTo>
+                  <a:pt x="7831" y="9966"/>
+                  <a:pt x="7859" y="9872"/>
+                  <a:pt x="7886" y="9872"/>
+                </a:cubicBezTo>
+                <a:cubicBezTo>
+                  <a:pt x="7886" y="9778"/>
+                  <a:pt x="7915" y="9778"/>
+                  <a:pt x="7915" y="9778"/>
+                </a:cubicBezTo>
+                <a:lnTo>
+                  <a:pt x="9248" y="5265"/>
+                </a:lnTo>
+                <a:cubicBezTo>
+                  <a:pt x="9303" y="5077"/>
+                  <a:pt x="9303" y="4889"/>
+                  <a:pt x="9248" y="4701"/>
+                </a:cubicBezTo>
+                <a:close/>
+              </a:path>
+            </a:pathLst>
+          </a:custGeom>
+          <a:solidFill>
+            <a:schemeClr val="accent1"/>
+          </a:solidFill>
+          <a:ln>
+            <a:noFill/>
+          </a:ln>
+        </p:spPr>
+      </p:sp>
+      <p:sp>
+        <p:nvSpPr>
+          <p:cNvPr id="6" name="Slide Number Placeholder 5"/>
           <p:cNvSpPr>
             <a:spLocks noGrp="1"/>
           </p:cNvSpPr>
@@ -495,7 +2517,7 @@
     </p:spTree>
     <p:extLst>
       <p:ext uri="{BB962C8B-B14F-4D97-AF65-F5344CB8AC3E}">
-        <p14:creationId xmlns:p14="http://schemas.microsoft.com/office/powerpoint/2010/main" val="4167414183"/>
+        <p14:creationId xmlns:p14="http://schemas.microsoft.com/office/powerpoint/2010/main" val="1407809163"/>
       </p:ext>
     </p:extLst>
   </p:cSld>
@@ -505,7 +2527,7 @@
 </p:sldLayout>
 </file>
 
-<file path=ppt/slideLayouts/slideLayout11.xml><?xml version="1.0" encoding="utf-8"?>
+<file path=ppt/slideLayouts/slideLayout16.xml><?xml version="1.0" encoding="utf-8"?>
 <p:sldLayout xmlns:a="http://schemas.openxmlformats.org/drawingml/2006/main" xmlns:r="http://schemas.openxmlformats.org/officeDocument/2006/relationships" xmlns:p="http://schemas.openxmlformats.org/presentationml/2006/main" type="vertTitleAndTx" preserve="1">
   <p:cSld name="縦書きタイトルと&#10;縦書きテキスト">
     <p:spTree>
@@ -524,7 +2546,7 @@
       </p:grpSpPr>
       <p:sp>
         <p:nvSpPr>
-          <p:cNvPr id="2" name="縦書きタイトル 1"/>
+          <p:cNvPr id="2" name="Vertical Title 1"/>
           <p:cNvSpPr>
             <a:spLocks noGrp="1"/>
           </p:cNvSpPr>
@@ -534,114 +2556,114 @@
         </p:nvSpPr>
         <p:spPr>
           <a:xfrm>
-            <a:off x="8724900" y="365125"/>
-            <a:ext cx="2628900" cy="5811838"/>
+            <a:off x="9294812" y="627405"/>
+            <a:ext cx="2207601" cy="5283817"/>
           </a:xfrm>
         </p:spPr>
         <p:txBody>
+          <a:bodyPr vert="eaVert" anchor="ctr"/>
+          <a:lstStyle/>
+          <a:p>
+            <a:r>
+              <a:rPr lang="ja-JP" altLang="en-US" smtClean="0"/>
+              <a:t>マスター タイトルの書式設定</a:t>
+            </a:r>
+            <a:endParaRPr lang="en-US" dirty="0"/>
+          </a:p>
+        </p:txBody>
+      </p:sp>
+      <p:sp>
+        <p:nvSpPr>
+          <p:cNvPr id="3" name="Vertical Text Placeholder 2"/>
+          <p:cNvSpPr>
+            <a:spLocks noGrp="1"/>
+          </p:cNvSpPr>
+          <p:nvPr>
+            <p:ph type="body" orient="vert" idx="1"/>
+          </p:nvPr>
+        </p:nvSpPr>
+        <p:spPr>
+          <a:xfrm>
+            <a:off x="2589212" y="627405"/>
+            <a:ext cx="6477000" cy="5283817"/>
+          </a:xfrm>
+        </p:spPr>
+        <p:txBody>
           <a:bodyPr vert="eaVert"/>
           <a:lstStyle/>
           <a:p>
-            <a:r>
-              <a:rPr kumimoji="1" lang="ja-JP" altLang="en-US" smtClean="0"/>
-              <a:t>マスター タイトルの書式設定</a:t>
-            </a:r>
-            <a:endParaRPr kumimoji="1" lang="ja-JP" altLang="en-US"/>
-          </a:p>
-        </p:txBody>
-      </p:sp>
-      <p:sp>
-        <p:nvSpPr>
-          <p:cNvPr id="3" name="縦書きテキスト プレースホルダー 2"/>
-          <p:cNvSpPr>
-            <a:spLocks noGrp="1"/>
-          </p:cNvSpPr>
-          <p:nvPr>
-            <p:ph type="body" orient="vert" idx="1"/>
-          </p:nvPr>
-        </p:nvSpPr>
-        <p:spPr>
-          <a:xfrm>
-            <a:off x="838200" y="365125"/>
-            <a:ext cx="7734300" cy="5811838"/>
-          </a:xfrm>
-        </p:spPr>
-        <p:txBody>
-          <a:bodyPr vert="eaVert"/>
-          <a:lstStyle/>
-          <a:p>
             <a:pPr lvl="0"/>
             <a:r>
-              <a:rPr kumimoji="1" lang="ja-JP" altLang="en-US" smtClean="0"/>
+              <a:rPr lang="ja-JP" altLang="en-US" smtClean="0"/>
               <a:t>マスター テキストの書式設定</a:t>
             </a:r>
           </a:p>
           <a:p>
             <a:pPr lvl="1"/>
             <a:r>
-              <a:rPr kumimoji="1" lang="ja-JP" altLang="en-US" smtClean="0"/>
+              <a:rPr lang="ja-JP" altLang="en-US" smtClean="0"/>
               <a:t>第 </a:t>
             </a:r>
             <a:r>
-              <a:rPr kumimoji="1" lang="en-US" altLang="ja-JP" smtClean="0"/>
+              <a:rPr lang="en-US" altLang="ja-JP" smtClean="0"/>
               <a:t>2 </a:t>
             </a:r>
             <a:r>
-              <a:rPr kumimoji="1" lang="ja-JP" altLang="en-US" smtClean="0"/>
+              <a:rPr lang="ja-JP" altLang="en-US" smtClean="0"/>
               <a:t>レベル</a:t>
             </a:r>
           </a:p>
           <a:p>
             <a:pPr lvl="2"/>
             <a:r>
-              <a:rPr kumimoji="1" lang="ja-JP" altLang="en-US" smtClean="0"/>
+              <a:rPr lang="ja-JP" altLang="en-US" smtClean="0"/>
               <a:t>第 </a:t>
             </a:r>
             <a:r>
-              <a:rPr kumimoji="1" lang="en-US" altLang="ja-JP" smtClean="0"/>
+              <a:rPr lang="en-US" altLang="ja-JP" smtClean="0"/>
               <a:t>3 </a:t>
             </a:r>
             <a:r>
-              <a:rPr kumimoji="1" lang="ja-JP" altLang="en-US" smtClean="0"/>
+              <a:rPr lang="ja-JP" altLang="en-US" smtClean="0"/>
               <a:t>レベル</a:t>
             </a:r>
           </a:p>
           <a:p>
             <a:pPr lvl="3"/>
             <a:r>
-              <a:rPr kumimoji="1" lang="ja-JP" altLang="en-US" smtClean="0"/>
+              <a:rPr lang="ja-JP" altLang="en-US" smtClean="0"/>
               <a:t>第 </a:t>
             </a:r>
             <a:r>
-              <a:rPr kumimoji="1" lang="en-US" altLang="ja-JP" smtClean="0"/>
+              <a:rPr lang="en-US" altLang="ja-JP" smtClean="0"/>
               <a:t>4 </a:t>
             </a:r>
             <a:r>
-              <a:rPr kumimoji="1" lang="ja-JP" altLang="en-US" smtClean="0"/>
+              <a:rPr lang="ja-JP" altLang="en-US" smtClean="0"/>
               <a:t>レベル</a:t>
             </a:r>
           </a:p>
           <a:p>
             <a:pPr lvl="4"/>
             <a:r>
-              <a:rPr kumimoji="1" lang="ja-JP" altLang="en-US" smtClean="0"/>
+              <a:rPr lang="ja-JP" altLang="en-US" smtClean="0"/>
               <a:t>第 </a:t>
             </a:r>
             <a:r>
-              <a:rPr kumimoji="1" lang="en-US" altLang="ja-JP" smtClean="0"/>
+              <a:rPr lang="en-US" altLang="ja-JP" smtClean="0"/>
               <a:t>5 </a:t>
             </a:r>
             <a:r>
-              <a:rPr kumimoji="1" lang="ja-JP" altLang="en-US" smtClean="0"/>
+              <a:rPr lang="ja-JP" altLang="en-US" smtClean="0"/>
               <a:t>レベル</a:t>
             </a:r>
-            <a:endParaRPr kumimoji="1" lang="ja-JP" altLang="en-US"/>
-          </a:p>
-        </p:txBody>
-      </p:sp>
-      <p:sp>
-        <p:nvSpPr>
-          <p:cNvPr id="4" name="日付プレースホルダー 3"/>
+            <a:endParaRPr lang="en-US" dirty="0"/>
+          </a:p>
+        </p:txBody>
+      </p:sp>
+      <p:sp>
+        <p:nvSpPr>
+          <p:cNvPr id="4" name="Date Placeholder 3"/>
           <p:cNvSpPr>
             <a:spLocks noGrp="1"/>
           </p:cNvSpPr>
@@ -656,7 +2678,7 @@
           <a:p>
             <a:fld id="{DD28D536-2A54-40F7-88B2-40A02AE714D2}" type="datetimeFigureOut">
               <a:rPr kumimoji="1" lang="ja-JP" altLang="en-US" smtClean="0"/>
-              <a:t>2015/12/23</a:t>
+              <a:t>2016/1/5</a:t>
             </a:fld>
             <a:endParaRPr kumimoji="1" lang="ja-JP" altLang="en-US"/>
           </a:p>
@@ -664,7 +2686,7 @@
       </p:sp>
       <p:sp>
         <p:nvSpPr>
-          <p:cNvPr id="5" name="フッター プレースホルダー 4"/>
+          <p:cNvPr id="5" name="Footer Placeholder 4"/>
           <p:cNvSpPr>
             <a:spLocks noGrp="1"/>
           </p:cNvSpPr>
@@ -683,7 +2705,89 @@
       </p:sp>
       <p:sp>
         <p:nvSpPr>
-          <p:cNvPr id="6" name="スライド番号プレースホルダー 5"/>
+          <p:cNvPr id="8" name="Freeform 11"/>
+          <p:cNvSpPr/>
+          <p:nvPr/>
+        </p:nvSpPr>
+        <p:spPr bwMode="auto">
+          <a:xfrm flipV="1">
+            <a:off x="-4189" y="714375"/>
+            <a:ext cx="1588527" cy="507297"/>
+          </a:xfrm>
+          <a:custGeom>
+            <a:avLst/>
+            <a:gdLst/>
+            <a:ahLst/>
+            <a:cxnLst/>
+            <a:rect l="l" t="t" r="r" b="b"/>
+            <a:pathLst>
+              <a:path w="9248" h="10000">
+                <a:moveTo>
+                  <a:pt x="9248" y="4701"/>
+                </a:moveTo>
+                <a:lnTo>
+                  <a:pt x="7915" y="188"/>
+                </a:lnTo>
+                <a:cubicBezTo>
+                  <a:pt x="7906" y="156"/>
+                  <a:pt x="7895" y="126"/>
+                  <a:pt x="7886" y="94"/>
+                </a:cubicBezTo>
+                <a:cubicBezTo>
+                  <a:pt x="7859" y="0"/>
+                  <a:pt x="7831" y="0"/>
+                  <a:pt x="7803" y="0"/>
+                </a:cubicBezTo>
+                <a:lnTo>
+                  <a:pt x="7275" y="0"/>
+                </a:lnTo>
+                <a:lnTo>
+                  <a:pt x="0" y="70"/>
+                </a:lnTo>
+                <a:cubicBezTo>
+                  <a:pt x="8" y="3380"/>
+                  <a:pt x="17" y="6690"/>
+                  <a:pt x="25" y="10000"/>
+                </a:cubicBezTo>
+                <a:lnTo>
+                  <a:pt x="7275" y="9966"/>
+                </a:lnTo>
+                <a:lnTo>
+                  <a:pt x="7803" y="9966"/>
+                </a:lnTo>
+                <a:cubicBezTo>
+                  <a:pt x="7831" y="9966"/>
+                  <a:pt x="7859" y="9872"/>
+                  <a:pt x="7886" y="9872"/>
+                </a:cubicBezTo>
+                <a:cubicBezTo>
+                  <a:pt x="7886" y="9778"/>
+                  <a:pt x="7915" y="9778"/>
+                  <a:pt x="7915" y="9778"/>
+                </a:cubicBezTo>
+                <a:lnTo>
+                  <a:pt x="9248" y="5265"/>
+                </a:lnTo>
+                <a:cubicBezTo>
+                  <a:pt x="9303" y="5077"/>
+                  <a:pt x="9303" y="4889"/>
+                  <a:pt x="9248" y="4701"/>
+                </a:cubicBezTo>
+                <a:close/>
+              </a:path>
+            </a:pathLst>
+          </a:custGeom>
+          <a:solidFill>
+            <a:schemeClr val="accent1"/>
+          </a:solidFill>
+          <a:ln>
+            <a:noFill/>
+          </a:ln>
+        </p:spPr>
+      </p:sp>
+      <p:sp>
+        <p:nvSpPr>
+          <p:cNvPr id="6" name="Slide Number Placeholder 5"/>
           <p:cNvSpPr>
             <a:spLocks noGrp="1"/>
           </p:cNvSpPr>
@@ -707,7 +2811,7 @@
     </p:spTree>
     <p:extLst>
       <p:ext uri="{BB962C8B-B14F-4D97-AF65-F5344CB8AC3E}">
-        <p14:creationId xmlns:p14="http://schemas.microsoft.com/office/powerpoint/2010/main" val="3129774592"/>
+        <p14:creationId xmlns:p14="http://schemas.microsoft.com/office/powerpoint/2010/main" val="3584428034"/>
       </p:ext>
     </p:extLst>
   </p:cSld>
@@ -736,7 +2840,7 @@
       </p:grpSpPr>
       <p:sp>
         <p:nvSpPr>
-          <p:cNvPr id="2" name="タイトル 1"/>
+          <p:cNvPr id="2" name="Title 1"/>
           <p:cNvSpPr>
             <a:spLocks noGrp="1"/>
           </p:cNvSpPr>
@@ -744,22 +2848,27 @@
             <p:ph type="title"/>
           </p:nvPr>
         </p:nvSpPr>
-        <p:spPr/>
+        <p:spPr>
+          <a:xfrm>
+            <a:off x="2592925" y="624110"/>
+            <a:ext cx="8911687" cy="1280890"/>
+          </a:xfrm>
+        </p:spPr>
         <p:txBody>
           <a:bodyPr/>
           <a:lstStyle/>
           <a:p>
             <a:r>
-              <a:rPr kumimoji="1" lang="ja-JP" altLang="en-US" smtClean="0"/>
+              <a:rPr lang="ja-JP" altLang="en-US" smtClean="0"/>
               <a:t>マスター タイトルの書式設定</a:t>
             </a:r>
-            <a:endParaRPr kumimoji="1" lang="ja-JP" altLang="en-US"/>
-          </a:p>
-        </p:txBody>
-      </p:sp>
-      <p:sp>
-        <p:nvSpPr>
-          <p:cNvPr id="3" name="コンテンツ プレースホルダー 2"/>
+            <a:endParaRPr lang="en-US" dirty="0"/>
+          </a:p>
+        </p:txBody>
+      </p:sp>
+      <p:sp>
+        <p:nvSpPr>
+          <p:cNvPr id="3" name="Content Placeholder 2"/>
           <p:cNvSpPr>
             <a:spLocks noGrp="1"/>
           </p:cNvSpPr>
@@ -767,83 +2876,88 @@
             <p:ph idx="1"/>
           </p:nvPr>
         </p:nvSpPr>
-        <p:spPr/>
+        <p:spPr>
+          <a:xfrm>
+            <a:off x="2589212" y="2133600"/>
+            <a:ext cx="8915400" cy="3777622"/>
+          </a:xfrm>
+        </p:spPr>
         <p:txBody>
           <a:bodyPr/>
           <a:lstStyle/>
           <a:p>
             <a:pPr lvl="0"/>
             <a:r>
-              <a:rPr kumimoji="1" lang="ja-JP" altLang="en-US" smtClean="0"/>
+              <a:rPr lang="ja-JP" altLang="en-US" smtClean="0"/>
               <a:t>マスター テキストの書式設定</a:t>
             </a:r>
           </a:p>
           <a:p>
             <a:pPr lvl="1"/>
             <a:r>
-              <a:rPr kumimoji="1" lang="ja-JP" altLang="en-US" smtClean="0"/>
+              <a:rPr lang="ja-JP" altLang="en-US" smtClean="0"/>
               <a:t>第 </a:t>
             </a:r>
             <a:r>
-              <a:rPr kumimoji="1" lang="en-US" altLang="ja-JP" smtClean="0"/>
+              <a:rPr lang="en-US" altLang="ja-JP" smtClean="0"/>
               <a:t>2 </a:t>
             </a:r>
             <a:r>
-              <a:rPr kumimoji="1" lang="ja-JP" altLang="en-US" smtClean="0"/>
+              <a:rPr lang="ja-JP" altLang="en-US" smtClean="0"/>
               <a:t>レベル</a:t>
             </a:r>
           </a:p>
           <a:p>
             <a:pPr lvl="2"/>
             <a:r>
-              <a:rPr kumimoji="1" lang="ja-JP" altLang="en-US" smtClean="0"/>
+              <a:rPr lang="ja-JP" altLang="en-US" smtClean="0"/>
               <a:t>第 </a:t>
             </a:r>
             <a:r>
-              <a:rPr kumimoji="1" lang="en-US" altLang="ja-JP" smtClean="0"/>
+              <a:rPr lang="en-US" altLang="ja-JP" smtClean="0"/>
               <a:t>3 </a:t>
             </a:r>
             <a:r>
-              <a:rPr kumimoji="1" lang="ja-JP" altLang="en-US" smtClean="0"/>
+              <a:rPr lang="ja-JP" altLang="en-US" smtClean="0"/>
               <a:t>レベル</a:t>
             </a:r>
           </a:p>
           <a:p>
             <a:pPr lvl="3"/>
             <a:r>
-              <a:rPr kumimoji="1" lang="ja-JP" altLang="en-US" smtClean="0"/>
+              <a:rPr lang="ja-JP" altLang="en-US" smtClean="0"/>
               <a:t>第 </a:t>
             </a:r>
             <a:r>
-              <a:rPr kumimoji="1" lang="en-US" altLang="ja-JP" smtClean="0"/>
+              <a:rPr lang="en-US" altLang="ja-JP" smtClean="0"/>
               <a:t>4 </a:t>
             </a:r>
             <a:r>
-              <a:rPr kumimoji="1" lang="ja-JP" altLang="en-US" smtClean="0"/>
+              <a:rPr lang="ja-JP" altLang="en-US" smtClean="0"/>
               <a:t>レベル</a:t>
             </a:r>
           </a:p>
           <a:p>
             <a:pPr lvl="4"/>
             <a:r>
-              <a:rPr kumimoji="1" lang="ja-JP" altLang="en-US" smtClean="0"/>
+              <a:rPr lang="ja-JP" altLang="en-US" smtClean="0"/>
               <a:t>第 </a:t>
             </a:r>
             <a:r>
-              <a:rPr kumimoji="1" lang="en-US" altLang="ja-JP" smtClean="0"/>
+              <a:rPr lang="en-US" altLang="ja-JP" smtClean="0"/>
               <a:t>5 </a:t>
             </a:r>
             <a:r>
-              <a:rPr kumimoji="1" lang="ja-JP" altLang="en-US" smtClean="0"/>
+              <a:rPr lang="ja-JP" altLang="en-US" smtClean="0"/>
               <a:t>レベル</a:t>
             </a:r>
-            <a:endParaRPr kumimoji="1" lang="ja-JP" altLang="en-US"/>
-          </a:p>
-        </p:txBody>
-      </p:sp>
-      <p:sp>
-        <p:nvSpPr>
-          <p:cNvPr id="4" name="日付プレースホルダー 3"/>
+            <a:endParaRPr lang="en-US" dirty="0"/>
+          </a:p>
+        </p:txBody>
+      </p:sp>
+      <p:sp>
+        <p:nvSpPr>
+          <p:cNvPr id="4" name="Date Placeholder 3"/>
           <p:cNvSpPr>
             <a:spLocks noGrp="1"/>
           </p:cNvSpPr>
@@ -858,7 +2972,7 @@
           <a:p>
             <a:fld id="{DD28D536-2A54-40F7-88B2-40A02AE714D2}" type="datetimeFigureOut">
               <a:rPr kumimoji="1" lang="ja-JP" altLang="en-US" smtClean="0"/>
-              <a:t>2015/12/23</a:t>
+              <a:t>2016/1/5</a:t>
             </a:fld>
             <a:endParaRPr kumimoji="1" lang="ja-JP" altLang="en-US"/>
           </a:p>
@@ -866,7 +2980,7 @@
       </p:sp>
       <p:sp>
         <p:nvSpPr>
-          <p:cNvPr id="5" name="フッター プレースホルダー 4"/>
+          <p:cNvPr id="5" name="Footer Placeholder 4"/>
           <p:cNvSpPr>
             <a:spLocks noGrp="1"/>
           </p:cNvSpPr>
@@ -885,7 +2999,89 @@
       </p:sp>
       <p:sp>
         <p:nvSpPr>
-          <p:cNvPr id="6" name="スライド番号プレースホルダー 5"/>
+          <p:cNvPr id="8" name="Freeform 11"/>
+          <p:cNvSpPr/>
+          <p:nvPr/>
+        </p:nvSpPr>
+        <p:spPr bwMode="auto">
+          <a:xfrm flipV="1">
+            <a:off x="-4189" y="714375"/>
+            <a:ext cx="1588527" cy="507297"/>
+          </a:xfrm>
+          <a:custGeom>
+            <a:avLst/>
+            <a:gdLst/>
+            <a:ahLst/>
+            <a:cxnLst/>
+            <a:rect l="l" t="t" r="r" b="b"/>
+            <a:pathLst>
+              <a:path w="9248" h="10000">
+                <a:moveTo>
+                  <a:pt x="9248" y="4701"/>
+                </a:moveTo>
+                <a:lnTo>
+                  <a:pt x="7915" y="188"/>
+                </a:lnTo>
+                <a:cubicBezTo>
+                  <a:pt x="7906" y="156"/>
+                  <a:pt x="7895" y="126"/>
+                  <a:pt x="7886" y="94"/>
+                </a:cubicBezTo>
+                <a:cubicBezTo>
+                  <a:pt x="7859" y="0"/>
+                  <a:pt x="7831" y="0"/>
+                  <a:pt x="7803" y="0"/>
+                </a:cubicBezTo>
+                <a:lnTo>
+                  <a:pt x="7275" y="0"/>
+                </a:lnTo>
+                <a:lnTo>
+                  <a:pt x="0" y="70"/>
+                </a:lnTo>
+                <a:cubicBezTo>
+                  <a:pt x="8" y="3380"/>
+                  <a:pt x="17" y="6690"/>
+                  <a:pt x="25" y="10000"/>
+                </a:cubicBezTo>
+                <a:lnTo>
+                  <a:pt x="7275" y="9966"/>
+                </a:lnTo>
+                <a:lnTo>
+                  <a:pt x="7803" y="9966"/>
+                </a:lnTo>
+                <a:cubicBezTo>
+                  <a:pt x="7831" y="9966"/>
+                  <a:pt x="7859" y="9872"/>
+                  <a:pt x="7886" y="9872"/>
+                </a:cubicBezTo>
+                <a:cubicBezTo>
+                  <a:pt x="7886" y="9778"/>
+                  <a:pt x="7915" y="9778"/>
+                  <a:pt x="7915" y="9778"/>
+                </a:cubicBezTo>
+                <a:lnTo>
+                  <a:pt x="9248" y="5265"/>
+                </a:lnTo>
+                <a:cubicBezTo>
+                  <a:pt x="9303" y="5077"/>
+                  <a:pt x="9303" y="4889"/>
+                  <a:pt x="9248" y="4701"/>
+                </a:cubicBezTo>
+                <a:close/>
+              </a:path>
+            </a:pathLst>
+          </a:custGeom>
+          <a:solidFill>
+            <a:schemeClr val="accent1"/>
+          </a:solidFill>
+          <a:ln>
+            <a:noFill/>
+          </a:ln>
+        </p:spPr>
+      </p:sp>
+      <p:sp>
+        <p:nvSpPr>
+          <p:cNvPr id="6" name="Slide Number Placeholder 5"/>
           <p:cNvSpPr>
             <a:spLocks noGrp="1"/>
           </p:cNvSpPr>
@@ -909,7 +3105,7 @@
     </p:spTree>
     <p:extLst>
       <p:ext uri="{BB962C8B-B14F-4D97-AF65-F5344CB8AC3E}">
-        <p14:creationId xmlns:p14="http://schemas.microsoft.com/office/powerpoint/2010/main" val="299870538"/>
+        <p14:creationId xmlns:p14="http://schemas.microsoft.com/office/powerpoint/2010/main" val="3469760217"/>
       </p:ext>
     </p:extLst>
   </p:cSld>
@@ -938,7 +3134,7 @@
       </p:grpSpPr>
       <p:sp>
         <p:nvSpPr>
-          <p:cNvPr id="2" name="タイトル 1"/>
+          <p:cNvPr id="2" name="Title 1"/>
           <p:cNvSpPr>
             <a:spLocks noGrp="1"/>
           </p:cNvSpPr>
@@ -948,29 +3144,29 @@
         </p:nvSpPr>
         <p:spPr>
           <a:xfrm>
-            <a:off x="831850" y="1709738"/>
-            <a:ext cx="10515600" cy="2852737"/>
+            <a:off x="2589212" y="2058750"/>
+            <a:ext cx="8915399" cy="1468800"/>
           </a:xfrm>
         </p:spPr>
         <p:txBody>
           <a:bodyPr anchor="b"/>
           <a:lstStyle>
-            <a:lvl1pPr>
-              <a:defRPr sz="6000"/>
+            <a:lvl1pPr algn="l">
+              <a:defRPr sz="4000" b="0" cap="none"/>
             </a:lvl1pPr>
           </a:lstStyle>
           <a:p>
             <a:r>
-              <a:rPr kumimoji="1" lang="ja-JP" altLang="en-US" smtClean="0"/>
+              <a:rPr lang="ja-JP" altLang="en-US" smtClean="0"/>
               <a:t>マスター タイトルの書式設定</a:t>
             </a:r>
-            <a:endParaRPr kumimoji="1" lang="ja-JP" altLang="en-US"/>
-          </a:p>
-        </p:txBody>
-      </p:sp>
-      <p:sp>
-        <p:nvSpPr>
-          <p:cNvPr id="3" name="テキスト プレースホルダー 2"/>
+            <a:endParaRPr lang="en-US" dirty="0"/>
+          </a:p>
+        </p:txBody>
+      </p:sp>
+      <p:sp>
+        <p:nvSpPr>
+          <p:cNvPr id="3" name="Text Placeholder 2"/>
           <p:cNvSpPr>
             <a:spLocks noGrp="1"/>
           </p:cNvSpPr>
@@ -980,26 +3176,27 @@
         </p:nvSpPr>
         <p:spPr>
           <a:xfrm>
-            <a:off x="831850" y="4589463"/>
-            <a:ext cx="10515600" cy="1500187"/>
+            <a:off x="2589212" y="3530129"/>
+            <a:ext cx="8915399" cy="860400"/>
           </a:xfrm>
         </p:spPr>
         <p:txBody>
-          <a:bodyPr/>
+          <a:bodyPr anchor="t"/>
           <a:lstStyle>
-            <a:lvl1pPr marL="0" indent="0">
-              <a:buNone/>
-              <a:defRPr sz="2400">
+            <a:lvl1pPr marL="0" indent="0" algn="l">
+              <a:buNone/>
+              <a:defRPr sz="2000">
                 <a:solidFill>
                   <a:schemeClr val="tx1">
-                    <a:tint val="75000"/>
+                    <a:lumMod val="65000"/>
+                    <a:lumOff val="35000"/>
                   </a:schemeClr>
                 </a:solidFill>
               </a:defRPr>
             </a:lvl1pPr>
             <a:lvl2pPr marL="457200" indent="0">
               <a:buNone/>
-              <a:defRPr sz="2000">
+              <a:defRPr sz="1800">
                 <a:solidFill>
                   <a:schemeClr val="tx1">
                     <a:tint val="75000"/>
@@ -1009,7 +3206,7 @@
             </a:lvl2pPr>
             <a:lvl3pPr marL="914400" indent="0">
               <a:buNone/>
-              <a:defRPr sz="1800">
+              <a:defRPr sz="1600">
                 <a:solidFill>
                   <a:schemeClr val="tx1">
                     <a:tint val="75000"/>
@@ -1019,7 +3216,7 @@
             </a:lvl3pPr>
             <a:lvl4pPr marL="1371600" indent="0">
               <a:buNone/>
-              <a:defRPr sz="1600">
+              <a:defRPr sz="1400">
                 <a:solidFill>
                   <a:schemeClr val="tx1">
                     <a:tint val="75000"/>
@@ -1029,7 +3226,7 @@
             </a:lvl4pPr>
             <a:lvl5pPr marL="1828800" indent="0">
               <a:buNone/>
-              <a:defRPr sz="1600">
+              <a:defRPr sz="1400">
                 <a:solidFill>
                   <a:schemeClr val="tx1">
                     <a:tint val="75000"/>
@@ -1039,7 +3236,7 @@
             </a:lvl5pPr>
             <a:lvl6pPr marL="2286000" indent="0">
               <a:buNone/>
-              <a:defRPr sz="1600">
+              <a:defRPr sz="1400">
                 <a:solidFill>
                   <a:schemeClr val="tx1">
                     <a:tint val="75000"/>
@@ -1049,7 +3246,7 @@
             </a:lvl6pPr>
             <a:lvl7pPr marL="2743200" indent="0">
               <a:buNone/>
-              <a:defRPr sz="1600">
+              <a:defRPr sz="1400">
                 <a:solidFill>
                   <a:schemeClr val="tx1">
                     <a:tint val="75000"/>
@@ -1059,7 +3256,7 @@
             </a:lvl7pPr>
             <a:lvl8pPr marL="3200400" indent="0">
               <a:buNone/>
-              <a:defRPr sz="1600">
+              <a:defRPr sz="1400">
                 <a:solidFill>
                   <a:schemeClr val="tx1">
                     <a:tint val="75000"/>
@@ -1069,7 +3266,7 @@
             </a:lvl8pPr>
             <a:lvl9pPr marL="3657600" indent="0">
               <a:buNone/>
-              <a:defRPr sz="1600">
+              <a:defRPr sz="1400">
                 <a:solidFill>
                   <a:schemeClr val="tx1">
                     <a:tint val="75000"/>
@@ -1081,7 +3278,7 @@
           <a:p>
             <a:pPr lvl="0"/>
             <a:r>
-              <a:rPr kumimoji="1" lang="ja-JP" altLang="en-US" smtClean="0"/>
+              <a:rPr lang="ja-JP" altLang="en-US" smtClean="0"/>
               <a:t>マスター テキストの書式設定</a:t>
             </a:r>
           </a:p>
@@ -1089,7 +3286,7 @@
       </p:sp>
       <p:sp>
         <p:nvSpPr>
-          <p:cNvPr id="4" name="日付プレースホルダー 3"/>
+          <p:cNvPr id="4" name="Date Placeholder 3"/>
           <p:cNvSpPr>
             <a:spLocks noGrp="1"/>
           </p:cNvSpPr>
@@ -1104,7 +3301,7 @@
           <a:p>
             <a:fld id="{DD28D536-2A54-40F7-88B2-40A02AE714D2}" type="datetimeFigureOut">
               <a:rPr kumimoji="1" lang="ja-JP" altLang="en-US" smtClean="0"/>
-              <a:t>2015/12/23</a:t>
+              <a:t>2016/1/5</a:t>
             </a:fld>
             <a:endParaRPr kumimoji="1" lang="ja-JP" altLang="en-US"/>
           </a:p>
@@ -1112,7 +3309,7 @@
       </p:sp>
       <p:sp>
         <p:nvSpPr>
-          <p:cNvPr id="5" name="フッター プレースホルダー 4"/>
+          <p:cNvPr id="5" name="Footer Placeholder 4"/>
           <p:cNvSpPr>
             <a:spLocks noGrp="1"/>
           </p:cNvSpPr>
@@ -1131,7 +3328,89 @@
       </p:sp>
       <p:sp>
         <p:nvSpPr>
-          <p:cNvPr id="6" name="スライド番号プレースホルダー 5"/>
+          <p:cNvPr id="9" name="Freeform 11"/>
+          <p:cNvSpPr/>
+          <p:nvPr/>
+        </p:nvSpPr>
+        <p:spPr bwMode="auto">
+          <a:xfrm flipV="1">
+            <a:off x="-4189" y="3178175"/>
+            <a:ext cx="1588527" cy="507297"/>
+          </a:xfrm>
+          <a:custGeom>
+            <a:avLst/>
+            <a:gdLst/>
+            <a:ahLst/>
+            <a:cxnLst/>
+            <a:rect l="l" t="t" r="r" b="b"/>
+            <a:pathLst>
+              <a:path w="9248" h="10000">
+                <a:moveTo>
+                  <a:pt x="9248" y="4701"/>
+                </a:moveTo>
+                <a:lnTo>
+                  <a:pt x="7915" y="188"/>
+                </a:lnTo>
+                <a:cubicBezTo>
+                  <a:pt x="7906" y="156"/>
+                  <a:pt x="7895" y="126"/>
+                  <a:pt x="7886" y="94"/>
+                </a:cubicBezTo>
+                <a:cubicBezTo>
+                  <a:pt x="7859" y="0"/>
+                  <a:pt x="7831" y="0"/>
+                  <a:pt x="7803" y="0"/>
+                </a:cubicBezTo>
+                <a:lnTo>
+                  <a:pt x="7275" y="0"/>
+                </a:lnTo>
+                <a:lnTo>
+                  <a:pt x="0" y="70"/>
+                </a:lnTo>
+                <a:cubicBezTo>
+                  <a:pt x="8" y="3380"/>
+                  <a:pt x="17" y="6690"/>
+                  <a:pt x="25" y="10000"/>
+                </a:cubicBezTo>
+                <a:lnTo>
+                  <a:pt x="7275" y="9966"/>
+                </a:lnTo>
+                <a:lnTo>
+                  <a:pt x="7803" y="9966"/>
+                </a:lnTo>
+                <a:cubicBezTo>
+                  <a:pt x="7831" y="9966"/>
+                  <a:pt x="7859" y="9872"/>
+                  <a:pt x="7886" y="9872"/>
+                </a:cubicBezTo>
+                <a:cubicBezTo>
+                  <a:pt x="7886" y="9778"/>
+                  <a:pt x="7915" y="9778"/>
+                  <a:pt x="7915" y="9778"/>
+                </a:cubicBezTo>
+                <a:lnTo>
+                  <a:pt x="9248" y="5265"/>
+                </a:lnTo>
+                <a:cubicBezTo>
+                  <a:pt x="9303" y="5077"/>
+                  <a:pt x="9303" y="4889"/>
+                  <a:pt x="9248" y="4701"/>
+                </a:cubicBezTo>
+                <a:close/>
+              </a:path>
+            </a:pathLst>
+          </a:custGeom>
+          <a:solidFill>
+            <a:schemeClr val="accent1"/>
+          </a:solidFill>
+          <a:ln>
+            <a:noFill/>
+          </a:ln>
+        </p:spPr>
+      </p:sp>
+      <p:sp>
+        <p:nvSpPr>
+          <p:cNvPr id="6" name="Slide Number Placeholder 5"/>
           <p:cNvSpPr>
             <a:spLocks noGrp="1"/>
           </p:cNvSpPr>
@@ -1139,7 +3418,12 @@
             <p:ph type="sldNum" sz="quarter" idx="12"/>
           </p:nvPr>
         </p:nvSpPr>
-        <p:spPr/>
+        <p:spPr>
+          <a:xfrm>
+            <a:off x="531812" y="3244139"/>
+            <a:ext cx="779767" cy="365125"/>
+          </a:xfrm>
+        </p:spPr>
         <p:txBody>
           <a:bodyPr/>
           <a:lstStyle/>
@@ -1155,7 +3439,7 @@
     </p:spTree>
     <p:extLst>
       <p:ext uri="{BB962C8B-B14F-4D97-AF65-F5344CB8AC3E}">
-        <p14:creationId xmlns:p14="http://schemas.microsoft.com/office/powerpoint/2010/main" val="2843617166"/>
+        <p14:creationId xmlns:p14="http://schemas.microsoft.com/office/powerpoint/2010/main" val="3642054401"/>
       </p:ext>
     </p:extLst>
   </p:cSld>
@@ -1184,7 +3468,7 @@
       </p:grpSpPr>
       <p:sp>
         <p:nvSpPr>
-          <p:cNvPr id="2" name="タイトル 1"/>
+          <p:cNvPr id="8" name="Title 7"/>
           <p:cNvSpPr>
             <a:spLocks noGrp="1"/>
           </p:cNvSpPr>
@@ -1198,16 +3482,16 @@
           <a:lstStyle/>
           <a:p>
             <a:r>
-              <a:rPr kumimoji="1" lang="ja-JP" altLang="en-US" smtClean="0"/>
+              <a:rPr lang="ja-JP" altLang="en-US" smtClean="0"/>
               <a:t>マスター タイトルの書式設定</a:t>
             </a:r>
-            <a:endParaRPr kumimoji="1" lang="ja-JP" altLang="en-US"/>
-          </a:p>
-        </p:txBody>
-      </p:sp>
-      <p:sp>
-        <p:nvSpPr>
-          <p:cNvPr id="3" name="コンテンツ プレースホルダー 2"/>
+            <a:endParaRPr lang="en-US" dirty="0"/>
+          </a:p>
+        </p:txBody>
+      </p:sp>
+      <p:sp>
+        <p:nvSpPr>
+          <p:cNvPr id="3" name="Content Placeholder 2"/>
           <p:cNvSpPr>
             <a:spLocks noGrp="1"/>
           </p:cNvSpPr>
@@ -1217,225 +3501,316 @@
         </p:nvSpPr>
         <p:spPr>
           <a:xfrm>
-            <a:off x="838200" y="1825625"/>
-            <a:ext cx="5181600" cy="4351338"/>
+            <a:off x="2589212" y="2133600"/>
+            <a:ext cx="4313864" cy="3777622"/>
           </a:xfrm>
         </p:spPr>
         <p:txBody>
+          <a:bodyPr>
+            <a:normAutofit/>
+          </a:bodyPr>
+          <a:lstStyle/>
+          <a:p>
+            <a:pPr lvl="0"/>
+            <a:r>
+              <a:rPr lang="ja-JP" altLang="en-US" smtClean="0"/>
+              <a:t>マスター テキストの書式設定</a:t>
+            </a:r>
+          </a:p>
+          <a:p>
+            <a:pPr lvl="1"/>
+            <a:r>
+              <a:rPr lang="ja-JP" altLang="en-US" smtClean="0"/>
+              <a:t>第 </a:t>
+            </a:r>
+            <a:r>
+              <a:rPr lang="en-US" altLang="ja-JP" smtClean="0"/>
+              <a:t>2 </a:t>
+            </a:r>
+            <a:r>
+              <a:rPr lang="ja-JP" altLang="en-US" smtClean="0"/>
+              <a:t>レベル</a:t>
+            </a:r>
+          </a:p>
+          <a:p>
+            <a:pPr lvl="2"/>
+            <a:r>
+              <a:rPr lang="ja-JP" altLang="en-US" smtClean="0"/>
+              <a:t>第 </a:t>
+            </a:r>
+            <a:r>
+              <a:rPr lang="en-US" altLang="ja-JP" smtClean="0"/>
+              <a:t>3 </a:t>
+            </a:r>
+            <a:r>
+              <a:rPr lang="ja-JP" altLang="en-US" smtClean="0"/>
+              <a:t>レベル</a:t>
+            </a:r>
+          </a:p>
+          <a:p>
+            <a:pPr lvl="3"/>
+            <a:r>
+              <a:rPr lang="ja-JP" altLang="en-US" smtClean="0"/>
+              <a:t>第 </a:t>
+            </a:r>
+            <a:r>
+              <a:rPr lang="en-US" altLang="ja-JP" smtClean="0"/>
+              <a:t>4 </a:t>
+            </a:r>
+            <a:r>
+              <a:rPr lang="ja-JP" altLang="en-US" smtClean="0"/>
+              <a:t>レベル</a:t>
+            </a:r>
+          </a:p>
+          <a:p>
+            <a:pPr lvl="4"/>
+            <a:r>
+              <a:rPr lang="ja-JP" altLang="en-US" smtClean="0"/>
+              <a:t>第 </a:t>
+            </a:r>
+            <a:r>
+              <a:rPr lang="en-US" altLang="ja-JP" smtClean="0"/>
+              <a:t>5 </a:t>
+            </a:r>
+            <a:r>
+              <a:rPr lang="ja-JP" altLang="en-US" smtClean="0"/>
+              <a:t>レベル</a:t>
+            </a:r>
+            <a:endParaRPr lang="en-US" dirty="0"/>
+          </a:p>
+        </p:txBody>
+      </p:sp>
+      <p:sp>
+        <p:nvSpPr>
+          <p:cNvPr id="4" name="Content Placeholder 3"/>
+          <p:cNvSpPr>
+            <a:spLocks noGrp="1"/>
+          </p:cNvSpPr>
+          <p:nvPr>
+            <p:ph sz="half" idx="2"/>
+          </p:nvPr>
+        </p:nvSpPr>
+        <p:spPr>
+          <a:xfrm>
+            <a:off x="7190747" y="2126222"/>
+            <a:ext cx="4313864" cy="3777622"/>
+          </a:xfrm>
+        </p:spPr>
+        <p:txBody>
+          <a:bodyPr>
+            <a:normAutofit/>
+          </a:bodyPr>
+          <a:lstStyle/>
+          <a:p>
+            <a:pPr lvl="0"/>
+            <a:r>
+              <a:rPr lang="ja-JP" altLang="en-US" smtClean="0"/>
+              <a:t>マスター テキストの書式設定</a:t>
+            </a:r>
+          </a:p>
+          <a:p>
+            <a:pPr lvl="1"/>
+            <a:r>
+              <a:rPr lang="ja-JP" altLang="en-US" smtClean="0"/>
+              <a:t>第 </a:t>
+            </a:r>
+            <a:r>
+              <a:rPr lang="en-US" altLang="ja-JP" smtClean="0"/>
+              <a:t>2 </a:t>
+            </a:r>
+            <a:r>
+              <a:rPr lang="ja-JP" altLang="en-US" smtClean="0"/>
+              <a:t>レベル</a:t>
+            </a:r>
+          </a:p>
+          <a:p>
+            <a:pPr lvl="2"/>
+            <a:r>
+              <a:rPr lang="ja-JP" altLang="en-US" smtClean="0"/>
+              <a:t>第 </a:t>
+            </a:r>
+            <a:r>
+              <a:rPr lang="en-US" altLang="ja-JP" smtClean="0"/>
+              <a:t>3 </a:t>
+            </a:r>
+            <a:r>
+              <a:rPr lang="ja-JP" altLang="en-US" smtClean="0"/>
+              <a:t>レベル</a:t>
+            </a:r>
+          </a:p>
+          <a:p>
+            <a:pPr lvl="3"/>
+            <a:r>
+              <a:rPr lang="ja-JP" altLang="en-US" smtClean="0"/>
+              <a:t>第 </a:t>
+            </a:r>
+            <a:r>
+              <a:rPr lang="en-US" altLang="ja-JP" smtClean="0"/>
+              <a:t>4 </a:t>
+            </a:r>
+            <a:r>
+              <a:rPr lang="ja-JP" altLang="en-US" smtClean="0"/>
+              <a:t>レベル</a:t>
+            </a:r>
+          </a:p>
+          <a:p>
+            <a:pPr lvl="4"/>
+            <a:r>
+              <a:rPr lang="ja-JP" altLang="en-US" smtClean="0"/>
+              <a:t>第 </a:t>
+            </a:r>
+            <a:r>
+              <a:rPr lang="en-US" altLang="ja-JP" smtClean="0"/>
+              <a:t>5 </a:t>
+            </a:r>
+            <a:r>
+              <a:rPr lang="ja-JP" altLang="en-US" smtClean="0"/>
+              <a:t>レベル</a:t>
+            </a:r>
+            <a:endParaRPr lang="en-US" dirty="0"/>
+          </a:p>
+        </p:txBody>
+      </p:sp>
+      <p:sp>
+        <p:nvSpPr>
+          <p:cNvPr id="5" name="Date Placeholder 4"/>
+          <p:cNvSpPr>
+            <a:spLocks noGrp="1"/>
+          </p:cNvSpPr>
+          <p:nvPr>
+            <p:ph type="dt" sz="half" idx="10"/>
+          </p:nvPr>
+        </p:nvSpPr>
+        <p:spPr/>
+        <p:txBody>
           <a:bodyPr/>
           <a:lstStyle/>
           <a:p>
-            <a:pPr lvl="0"/>
-            <a:r>
+            <a:fld id="{DD28D536-2A54-40F7-88B2-40A02AE714D2}" type="datetimeFigureOut">
               <a:rPr kumimoji="1" lang="ja-JP" altLang="en-US" smtClean="0"/>
-              <a:t>マスター テキストの書式設定</a:t>
-            </a:r>
-          </a:p>
-          <a:p>
-            <a:pPr lvl="1"/>
-            <a:r>
-              <a:rPr kumimoji="1" lang="ja-JP" altLang="en-US" smtClean="0"/>
-              <a:t>第 </a:t>
-            </a:r>
-            <a:r>
-              <a:rPr kumimoji="1" lang="en-US" altLang="ja-JP" smtClean="0"/>
-              <a:t>2 </a:t>
-            </a:r>
-            <a:r>
-              <a:rPr kumimoji="1" lang="ja-JP" altLang="en-US" smtClean="0"/>
-              <a:t>レベル</a:t>
-            </a:r>
-          </a:p>
-          <a:p>
-            <a:pPr lvl="2"/>
-            <a:r>
-              <a:rPr kumimoji="1" lang="ja-JP" altLang="en-US" smtClean="0"/>
-              <a:t>第 </a:t>
-            </a:r>
-            <a:r>
-              <a:rPr kumimoji="1" lang="en-US" altLang="ja-JP" smtClean="0"/>
-              <a:t>3 </a:t>
-            </a:r>
-            <a:r>
-              <a:rPr kumimoji="1" lang="ja-JP" altLang="en-US" smtClean="0"/>
-              <a:t>レベル</a:t>
-            </a:r>
-          </a:p>
-          <a:p>
-            <a:pPr lvl="3"/>
-            <a:r>
-              <a:rPr kumimoji="1" lang="ja-JP" altLang="en-US" smtClean="0"/>
-              <a:t>第 </a:t>
-            </a:r>
-            <a:r>
-              <a:rPr kumimoji="1" lang="en-US" altLang="ja-JP" smtClean="0"/>
-              <a:t>4 </a:t>
-            </a:r>
-            <a:r>
-              <a:rPr kumimoji="1" lang="ja-JP" altLang="en-US" smtClean="0"/>
-              <a:t>レベル</a:t>
-            </a:r>
-          </a:p>
-          <a:p>
-            <a:pPr lvl="4"/>
-            <a:r>
-              <a:rPr kumimoji="1" lang="ja-JP" altLang="en-US" smtClean="0"/>
-              <a:t>第 </a:t>
-            </a:r>
-            <a:r>
-              <a:rPr kumimoji="1" lang="en-US" altLang="ja-JP" smtClean="0"/>
-              <a:t>5 </a:t>
-            </a:r>
-            <a:r>
-              <a:rPr kumimoji="1" lang="ja-JP" altLang="en-US" smtClean="0"/>
-              <a:t>レベル</a:t>
-            </a:r>
+              <a:t>2016/1/5</a:t>
+            </a:fld>
             <a:endParaRPr kumimoji="1" lang="ja-JP" altLang="en-US"/>
           </a:p>
         </p:txBody>
       </p:sp>
       <p:sp>
         <p:nvSpPr>
-          <p:cNvPr id="4" name="コンテンツ プレースホルダー 3"/>
-          <p:cNvSpPr>
-            <a:spLocks noGrp="1"/>
-          </p:cNvSpPr>
-          <p:nvPr>
-            <p:ph sz="half" idx="2"/>
+          <p:cNvPr id="6" name="Footer Placeholder 5"/>
+          <p:cNvSpPr>
+            <a:spLocks noGrp="1"/>
+          </p:cNvSpPr>
+          <p:nvPr>
+            <p:ph type="ftr" sz="quarter" idx="11"/>
+          </p:nvPr>
+        </p:nvSpPr>
+        <p:spPr/>
+        <p:txBody>
+          <a:bodyPr/>
+          <a:lstStyle/>
+          <a:p>
+            <a:endParaRPr kumimoji="1" lang="ja-JP" altLang="en-US"/>
+          </a:p>
+        </p:txBody>
+      </p:sp>
+      <p:sp>
+        <p:nvSpPr>
+          <p:cNvPr id="10" name="Freeform 11"/>
+          <p:cNvSpPr/>
+          <p:nvPr/>
+        </p:nvSpPr>
+        <p:spPr bwMode="auto">
+          <a:xfrm flipV="1">
+            <a:off x="-4189" y="714375"/>
+            <a:ext cx="1588527" cy="507297"/>
+          </a:xfrm>
+          <a:custGeom>
+            <a:avLst/>
+            <a:gdLst/>
+            <a:ahLst/>
+            <a:cxnLst/>
+            <a:rect l="l" t="t" r="r" b="b"/>
+            <a:pathLst>
+              <a:path w="9248" h="10000">
+                <a:moveTo>
+                  <a:pt x="9248" y="4701"/>
+                </a:moveTo>
+                <a:lnTo>
+                  <a:pt x="7915" y="188"/>
+                </a:lnTo>
+                <a:cubicBezTo>
+                  <a:pt x="7906" y="156"/>
+                  <a:pt x="7895" y="126"/>
+                  <a:pt x="7886" y="94"/>
+                </a:cubicBezTo>
+                <a:cubicBezTo>
+                  <a:pt x="7859" y="0"/>
+                  <a:pt x="7831" y="0"/>
+                  <a:pt x="7803" y="0"/>
+                </a:cubicBezTo>
+                <a:lnTo>
+                  <a:pt x="7275" y="0"/>
+                </a:lnTo>
+                <a:lnTo>
+                  <a:pt x="0" y="70"/>
+                </a:lnTo>
+                <a:cubicBezTo>
+                  <a:pt x="8" y="3380"/>
+                  <a:pt x="17" y="6690"/>
+                  <a:pt x="25" y="10000"/>
+                </a:cubicBezTo>
+                <a:lnTo>
+                  <a:pt x="7275" y="9966"/>
+                </a:lnTo>
+                <a:lnTo>
+                  <a:pt x="7803" y="9966"/>
+                </a:lnTo>
+                <a:cubicBezTo>
+                  <a:pt x="7831" y="9966"/>
+                  <a:pt x="7859" y="9872"/>
+                  <a:pt x="7886" y="9872"/>
+                </a:cubicBezTo>
+                <a:cubicBezTo>
+                  <a:pt x="7886" y="9778"/>
+                  <a:pt x="7915" y="9778"/>
+                  <a:pt x="7915" y="9778"/>
+                </a:cubicBezTo>
+                <a:lnTo>
+                  <a:pt x="9248" y="5265"/>
+                </a:lnTo>
+                <a:cubicBezTo>
+                  <a:pt x="9303" y="5077"/>
+                  <a:pt x="9303" y="4889"/>
+                  <a:pt x="9248" y="4701"/>
+                </a:cubicBezTo>
+                <a:close/>
+              </a:path>
+            </a:pathLst>
+          </a:custGeom>
+          <a:solidFill>
+            <a:schemeClr val="accent1"/>
+          </a:solidFill>
+          <a:ln>
+            <a:noFill/>
+          </a:ln>
+        </p:spPr>
+      </p:sp>
+      <p:sp>
+        <p:nvSpPr>
+          <p:cNvPr id="11" name="Slide Number Placeholder 5"/>
+          <p:cNvSpPr>
+            <a:spLocks noGrp="1"/>
+          </p:cNvSpPr>
+          <p:nvPr>
+            <p:ph type="sldNum" sz="quarter" idx="12"/>
           </p:nvPr>
         </p:nvSpPr>
         <p:spPr>
           <a:xfrm>
-            <a:off x="6172200" y="1825625"/>
-            <a:ext cx="5181600" cy="4351338"/>
+            <a:off x="531812" y="787782"/>
+            <a:ext cx="779767" cy="365125"/>
           </a:xfrm>
         </p:spPr>
-        <p:txBody>
-          <a:bodyPr/>
-          <a:lstStyle/>
-          <a:p>
-            <a:pPr lvl="0"/>
-            <a:r>
-              <a:rPr kumimoji="1" lang="ja-JP" altLang="en-US" smtClean="0"/>
-              <a:t>マスター テキストの書式設定</a:t>
-            </a:r>
-          </a:p>
-          <a:p>
-            <a:pPr lvl="1"/>
-            <a:r>
-              <a:rPr kumimoji="1" lang="ja-JP" altLang="en-US" smtClean="0"/>
-              <a:t>第 </a:t>
-            </a:r>
-            <a:r>
-              <a:rPr kumimoji="1" lang="en-US" altLang="ja-JP" smtClean="0"/>
-              <a:t>2 </a:t>
-            </a:r>
-            <a:r>
-              <a:rPr kumimoji="1" lang="ja-JP" altLang="en-US" smtClean="0"/>
-              <a:t>レベル</a:t>
-            </a:r>
-          </a:p>
-          <a:p>
-            <a:pPr lvl="2"/>
-            <a:r>
-              <a:rPr kumimoji="1" lang="ja-JP" altLang="en-US" smtClean="0"/>
-              <a:t>第 </a:t>
-            </a:r>
-            <a:r>
-              <a:rPr kumimoji="1" lang="en-US" altLang="ja-JP" smtClean="0"/>
-              <a:t>3 </a:t>
-            </a:r>
-            <a:r>
-              <a:rPr kumimoji="1" lang="ja-JP" altLang="en-US" smtClean="0"/>
-              <a:t>レベル</a:t>
-            </a:r>
-          </a:p>
-          <a:p>
-            <a:pPr lvl="3"/>
-            <a:r>
-              <a:rPr kumimoji="1" lang="ja-JP" altLang="en-US" smtClean="0"/>
-              <a:t>第 </a:t>
-            </a:r>
-            <a:r>
-              <a:rPr kumimoji="1" lang="en-US" altLang="ja-JP" smtClean="0"/>
-              <a:t>4 </a:t>
-            </a:r>
-            <a:r>
-              <a:rPr kumimoji="1" lang="ja-JP" altLang="en-US" smtClean="0"/>
-              <a:t>レベル</a:t>
-            </a:r>
-          </a:p>
-          <a:p>
-            <a:pPr lvl="4"/>
-            <a:r>
-              <a:rPr kumimoji="1" lang="ja-JP" altLang="en-US" smtClean="0"/>
-              <a:t>第 </a:t>
-            </a:r>
-            <a:r>
-              <a:rPr kumimoji="1" lang="en-US" altLang="ja-JP" smtClean="0"/>
-              <a:t>5 </a:t>
-            </a:r>
-            <a:r>
-              <a:rPr kumimoji="1" lang="ja-JP" altLang="en-US" smtClean="0"/>
-              <a:t>レベル</a:t>
-            </a:r>
-            <a:endParaRPr kumimoji="1" lang="ja-JP" altLang="en-US"/>
-          </a:p>
-        </p:txBody>
-      </p:sp>
-      <p:sp>
-        <p:nvSpPr>
-          <p:cNvPr id="5" name="日付プレースホルダー 4"/>
-          <p:cNvSpPr>
-            <a:spLocks noGrp="1"/>
-          </p:cNvSpPr>
-          <p:nvPr>
-            <p:ph type="dt" sz="half" idx="10"/>
-          </p:nvPr>
-        </p:nvSpPr>
-        <p:spPr/>
-        <p:txBody>
-          <a:bodyPr/>
-          <a:lstStyle/>
-          <a:p>
-            <a:fld id="{DD28D536-2A54-40F7-88B2-40A02AE714D2}" type="datetimeFigureOut">
-              <a:rPr kumimoji="1" lang="ja-JP" altLang="en-US" smtClean="0"/>
-              <a:t>2015/12/23</a:t>
-            </a:fld>
-            <a:endParaRPr kumimoji="1" lang="ja-JP" altLang="en-US"/>
-          </a:p>
-        </p:txBody>
-      </p:sp>
-      <p:sp>
-        <p:nvSpPr>
-          <p:cNvPr id="6" name="フッター プレースホルダー 5"/>
-          <p:cNvSpPr>
-            <a:spLocks noGrp="1"/>
-          </p:cNvSpPr>
-          <p:nvPr>
-            <p:ph type="ftr" sz="quarter" idx="11"/>
-          </p:nvPr>
-        </p:nvSpPr>
-        <p:spPr/>
-        <p:txBody>
-          <a:bodyPr/>
-          <a:lstStyle/>
-          <a:p>
-            <a:endParaRPr kumimoji="1" lang="ja-JP" altLang="en-US"/>
-          </a:p>
-        </p:txBody>
-      </p:sp>
-      <p:sp>
-        <p:nvSpPr>
-          <p:cNvPr id="7" name="スライド番号プレースホルダー 6"/>
-          <p:cNvSpPr>
-            <a:spLocks noGrp="1"/>
-          </p:cNvSpPr>
-          <p:nvPr>
-            <p:ph type="sldNum" sz="quarter" idx="12"/>
-          </p:nvPr>
-        </p:nvSpPr>
-        <p:spPr/>
         <p:txBody>
           <a:bodyPr/>
           <a:lstStyle/>
@@ -1451,7 +3826,7 @@
     </p:spTree>
     <p:extLst>
       <p:ext uri="{BB962C8B-B14F-4D97-AF65-F5344CB8AC3E}">
-        <p14:creationId xmlns:p14="http://schemas.microsoft.com/office/powerpoint/2010/main" val="3071648760"/>
+        <p14:creationId xmlns:p14="http://schemas.microsoft.com/office/powerpoint/2010/main" val="2469569718"/>
       </p:ext>
     </p:extLst>
   </p:cSld>
@@ -1480,54 +3855,51 @@
       </p:grpSpPr>
       <p:sp>
         <p:nvSpPr>
-          <p:cNvPr id="2" name="タイトル 1"/>
+          <p:cNvPr id="10" name="Title 9"/>
           <p:cNvSpPr>
             <a:spLocks noGrp="1"/>
           </p:cNvSpPr>
           <p:nvPr>
             <p:ph type="title"/>
+          </p:nvPr>
+        </p:nvSpPr>
+        <p:spPr/>
+        <p:txBody>
+          <a:bodyPr/>
+          <a:lstStyle/>
+          <a:p>
+            <a:r>
+              <a:rPr lang="ja-JP" altLang="en-US" smtClean="0"/>
+              <a:t>マスター タイトルの書式設定</a:t>
+            </a:r>
+            <a:endParaRPr lang="en-US" dirty="0"/>
+          </a:p>
+        </p:txBody>
+      </p:sp>
+      <p:sp>
+        <p:nvSpPr>
+          <p:cNvPr id="3" name="Text Placeholder 2"/>
+          <p:cNvSpPr>
+            <a:spLocks noGrp="1"/>
+          </p:cNvSpPr>
+          <p:nvPr>
+            <p:ph type="body" idx="1"/>
           </p:nvPr>
         </p:nvSpPr>
         <p:spPr>
           <a:xfrm>
-            <a:off x="839788" y="365125"/>
-            <a:ext cx="10515600" cy="1325563"/>
+            <a:off x="2939373" y="1972703"/>
+            <a:ext cx="3992732" cy="576262"/>
           </a:xfrm>
         </p:spPr>
         <p:txBody>
-          <a:bodyPr/>
-          <a:lstStyle/>
-          <a:p>
-            <a:r>
-              <a:rPr kumimoji="1" lang="ja-JP" altLang="en-US" smtClean="0"/>
-              <a:t>マスター タイトルの書式設定</a:t>
-            </a:r>
-            <a:endParaRPr kumimoji="1" lang="ja-JP" altLang="en-US"/>
-          </a:p>
-        </p:txBody>
-      </p:sp>
-      <p:sp>
-        <p:nvSpPr>
-          <p:cNvPr id="3" name="テキスト プレースホルダー 2"/>
-          <p:cNvSpPr>
-            <a:spLocks noGrp="1"/>
-          </p:cNvSpPr>
-          <p:nvPr>
-            <p:ph type="body" idx="1"/>
-          </p:nvPr>
-        </p:nvSpPr>
-        <p:spPr>
-          <a:xfrm>
-            <a:off x="839788" y="1681163"/>
-            <a:ext cx="5157787" cy="823912"/>
-          </a:xfrm>
-        </p:spPr>
-        <p:txBody>
-          <a:bodyPr anchor="b"/>
+          <a:bodyPr anchor="b">
+            <a:noAutofit/>
+          </a:bodyPr>
           <a:lstStyle>
             <a:lvl1pPr marL="0" indent="0">
               <a:buNone/>
-              <a:defRPr sz="2400" b="1"/>
+              <a:defRPr sz="2400" b="0"/>
             </a:lvl1pPr>
             <a:lvl2pPr marL="457200" indent="0">
               <a:buNone/>
@@ -1565,7 +3937,7 @@
           <a:p>
             <a:pPr lvl="0"/>
             <a:r>
-              <a:rPr kumimoji="1" lang="ja-JP" altLang="en-US" smtClean="0"/>
+              <a:rPr lang="ja-JP" altLang="en-US" smtClean="0"/>
               <a:t>マスター テキストの書式設定</a:t>
             </a:r>
           </a:p>
@@ -1573,7 +3945,7 @@
       </p:sp>
       <p:sp>
         <p:nvSpPr>
-          <p:cNvPr id="4" name="コンテンツ プレースホルダー 3"/>
+          <p:cNvPr id="4" name="Content Placeholder 3"/>
           <p:cNvSpPr>
             <a:spLocks noGrp="1"/>
           </p:cNvSpPr>
@@ -1583,86 +3955,88 @@
         </p:nvSpPr>
         <p:spPr>
           <a:xfrm>
-            <a:off x="839788" y="2505075"/>
-            <a:ext cx="5157787" cy="3684588"/>
+            <a:off x="2589212" y="2548966"/>
+            <a:ext cx="4342893" cy="3354060"/>
           </a:xfrm>
         </p:spPr>
         <p:txBody>
-          <a:bodyPr/>
+          <a:bodyPr>
+            <a:normAutofit/>
+          </a:bodyPr>
           <a:lstStyle/>
           <a:p>
             <a:pPr lvl="0"/>
             <a:r>
-              <a:rPr kumimoji="1" lang="ja-JP" altLang="en-US" smtClean="0"/>
+              <a:rPr lang="ja-JP" altLang="en-US" smtClean="0"/>
               <a:t>マスター テキストの書式設定</a:t>
             </a:r>
           </a:p>
           <a:p>
             <a:pPr lvl="1"/>
             <a:r>
-              <a:rPr kumimoji="1" lang="ja-JP" altLang="en-US" smtClean="0"/>
+              <a:rPr lang="ja-JP" altLang="en-US" smtClean="0"/>
               <a:t>第 </a:t>
             </a:r>
             <a:r>
-              <a:rPr kumimoji="1" lang="en-US" altLang="ja-JP" smtClean="0"/>
+              <a:rPr lang="en-US" altLang="ja-JP" smtClean="0"/>
               <a:t>2 </a:t>
             </a:r>
             <a:r>
-              <a:rPr kumimoji="1" lang="ja-JP" altLang="en-US" smtClean="0"/>
+              <a:rPr lang="ja-JP" altLang="en-US" smtClean="0"/>
               <a:t>レベル</a:t>
             </a:r>
           </a:p>
           <a:p>
             <a:pPr lvl="2"/>
             <a:r>
-              <a:rPr kumimoji="1" lang="ja-JP" altLang="en-US" smtClean="0"/>
+              <a:rPr lang="ja-JP" altLang="en-US" smtClean="0"/>
               <a:t>第 </a:t>
             </a:r>
             <a:r>
-              <a:rPr kumimoji="1" lang="en-US" altLang="ja-JP" smtClean="0"/>
+              <a:rPr lang="en-US" altLang="ja-JP" smtClean="0"/>
               <a:t>3 </a:t>
             </a:r>
             <a:r>
-              <a:rPr kumimoji="1" lang="ja-JP" altLang="en-US" smtClean="0"/>
+              <a:rPr lang="ja-JP" altLang="en-US" smtClean="0"/>
               <a:t>レベル</a:t>
             </a:r>
           </a:p>
           <a:p>
             <a:pPr lvl="3"/>
             <a:r>
-              <a:rPr kumimoji="1" lang="ja-JP" altLang="en-US" smtClean="0"/>
+              <a:rPr lang="ja-JP" altLang="en-US" smtClean="0"/>
               <a:t>第 </a:t>
             </a:r>
             <a:r>
-              <a:rPr kumimoji="1" lang="en-US" altLang="ja-JP" smtClean="0"/>
+              <a:rPr lang="en-US" altLang="ja-JP" smtClean="0"/>
               <a:t>4 </a:t>
             </a:r>
             <a:r>
-              <a:rPr kumimoji="1" lang="ja-JP" altLang="en-US" smtClean="0"/>
+              <a:rPr lang="ja-JP" altLang="en-US" smtClean="0"/>
               <a:t>レベル</a:t>
             </a:r>
           </a:p>
           <a:p>
             <a:pPr lvl="4"/>
             <a:r>
-              <a:rPr kumimoji="1" lang="ja-JP" altLang="en-US" smtClean="0"/>
+              <a:rPr lang="ja-JP" altLang="en-US" smtClean="0"/>
               <a:t>第 </a:t>
             </a:r>
             <a:r>
-              <a:rPr kumimoji="1" lang="en-US" altLang="ja-JP" smtClean="0"/>
+              <a:rPr lang="en-US" altLang="ja-JP" smtClean="0"/>
               <a:t>5 </a:t>
             </a:r>
             <a:r>
-              <a:rPr kumimoji="1" lang="ja-JP" altLang="en-US" smtClean="0"/>
+              <a:rPr lang="ja-JP" altLang="en-US" smtClean="0"/>
               <a:t>レベル</a:t>
             </a:r>
-            <a:endParaRPr kumimoji="1" lang="ja-JP" altLang="en-US"/>
-          </a:p>
-        </p:txBody>
-      </p:sp>
-      <p:sp>
-        <p:nvSpPr>
-          <p:cNvPr id="5" name="テキスト プレースホルダー 4"/>
+            <a:endParaRPr lang="en-US" dirty="0"/>
+          </a:p>
+        </p:txBody>
+      </p:sp>
+      <p:sp>
+        <p:nvSpPr>
+          <p:cNvPr id="5" name="Text Placeholder 4"/>
           <p:cNvSpPr>
             <a:spLocks noGrp="1"/>
           </p:cNvSpPr>
@@ -1672,16 +4046,18 @@
         </p:nvSpPr>
         <p:spPr>
           <a:xfrm>
-            <a:off x="6172200" y="1681163"/>
-            <a:ext cx="5183188" cy="823912"/>
+            <a:off x="7506629" y="1969475"/>
+            <a:ext cx="3999001" cy="576262"/>
           </a:xfrm>
         </p:spPr>
         <p:txBody>
-          <a:bodyPr anchor="b"/>
+          <a:bodyPr anchor="b">
+            <a:noAutofit/>
+          </a:bodyPr>
           <a:lstStyle>
             <a:lvl1pPr marL="0" indent="0">
               <a:buNone/>
-              <a:defRPr sz="2400" b="1"/>
+              <a:defRPr sz="2400" b="0"/>
             </a:lvl1pPr>
             <a:lvl2pPr marL="457200" indent="0">
               <a:buNone/>
@@ -1719,7 +4095,7 @@
           <a:p>
             <a:pPr lvl="0"/>
             <a:r>
-              <a:rPr kumimoji="1" lang="ja-JP" altLang="en-US" smtClean="0"/>
+              <a:rPr lang="ja-JP" altLang="en-US" smtClean="0"/>
               <a:t>マスター テキストの書式設定</a:t>
             </a:r>
           </a:p>
@@ -1727,7 +4103,7 @@
       </p:sp>
       <p:sp>
         <p:nvSpPr>
-          <p:cNvPr id="6" name="コンテンツ プレースホルダー 5"/>
+          <p:cNvPr id="6" name="Content Placeholder 5"/>
           <p:cNvSpPr>
             <a:spLocks noGrp="1"/>
           </p:cNvSpPr>
@@ -1737,91 +4113,116 @@
         </p:nvSpPr>
         <p:spPr>
           <a:xfrm>
-            <a:off x="6172200" y="2505075"/>
-            <a:ext cx="5183188" cy="3684588"/>
+            <a:off x="7166957" y="2545738"/>
+            <a:ext cx="4338674" cy="3354060"/>
           </a:xfrm>
         </p:spPr>
         <p:txBody>
+          <a:bodyPr>
+            <a:normAutofit/>
+          </a:bodyPr>
+          <a:lstStyle/>
+          <a:p>
+            <a:pPr lvl="0"/>
+            <a:r>
+              <a:rPr lang="ja-JP" altLang="en-US" smtClean="0"/>
+              <a:t>マスター テキストの書式設定</a:t>
+            </a:r>
+          </a:p>
+          <a:p>
+            <a:pPr lvl="1"/>
+            <a:r>
+              <a:rPr lang="ja-JP" altLang="en-US" smtClean="0"/>
+              <a:t>第 </a:t>
+            </a:r>
+            <a:r>
+              <a:rPr lang="en-US" altLang="ja-JP" smtClean="0"/>
+              <a:t>2 </a:t>
+            </a:r>
+            <a:r>
+              <a:rPr lang="ja-JP" altLang="en-US" smtClean="0"/>
+              <a:t>レベル</a:t>
+            </a:r>
+          </a:p>
+          <a:p>
+            <a:pPr lvl="2"/>
+            <a:r>
+              <a:rPr lang="ja-JP" altLang="en-US" smtClean="0"/>
+              <a:t>第 </a:t>
+            </a:r>
+            <a:r>
+              <a:rPr lang="en-US" altLang="ja-JP" smtClean="0"/>
+              <a:t>3 </a:t>
+            </a:r>
+            <a:r>
+              <a:rPr lang="ja-JP" altLang="en-US" smtClean="0"/>
+              <a:t>レベル</a:t>
+            </a:r>
+          </a:p>
+          <a:p>
+            <a:pPr lvl="3"/>
+            <a:r>
+              <a:rPr lang="ja-JP" altLang="en-US" smtClean="0"/>
+              <a:t>第 </a:t>
+            </a:r>
+            <a:r>
+              <a:rPr lang="en-US" altLang="ja-JP" smtClean="0"/>
+              <a:t>4 </a:t>
+            </a:r>
+            <a:r>
+              <a:rPr lang="ja-JP" altLang="en-US" smtClean="0"/>
+              <a:t>レベル</a:t>
+            </a:r>
+          </a:p>
+          <a:p>
+            <a:pPr lvl="4"/>
+            <a:r>
+              <a:rPr lang="ja-JP" altLang="en-US" smtClean="0"/>
+              <a:t>第 </a:t>
+            </a:r>
+            <a:r>
+              <a:rPr lang="en-US" altLang="ja-JP" smtClean="0"/>
+              <a:t>5 </a:t>
+            </a:r>
+            <a:r>
+              <a:rPr lang="ja-JP" altLang="en-US" smtClean="0"/>
+              <a:t>レベル</a:t>
+            </a:r>
+            <a:endParaRPr lang="en-US" dirty="0"/>
+          </a:p>
+        </p:txBody>
+      </p:sp>
+      <p:sp>
+        <p:nvSpPr>
+          <p:cNvPr id="7" name="Date Placeholder 6"/>
+          <p:cNvSpPr>
+            <a:spLocks noGrp="1"/>
+          </p:cNvSpPr>
+          <p:nvPr>
+            <p:ph type="dt" sz="half" idx="10"/>
+          </p:nvPr>
+        </p:nvSpPr>
+        <p:spPr/>
+        <p:txBody>
           <a:bodyPr/>
           <a:lstStyle/>
           <a:p>
-            <a:pPr lvl="0"/>
-            <a:r>
+            <a:fld id="{DD28D536-2A54-40F7-88B2-40A02AE714D2}" type="datetimeFigureOut">
               <a:rPr kumimoji="1" lang="ja-JP" altLang="en-US" smtClean="0"/>
-              <a:t>マスター テキストの書式設定</a:t>
-            </a:r>
-          </a:p>
-          <a:p>
-            <a:pPr lvl="1"/>
-            <a:r>
-              <a:rPr kumimoji="1" lang="ja-JP" altLang="en-US" smtClean="0"/>
-              <a:t>第 </a:t>
-            </a:r>
-            <a:r>
-              <a:rPr kumimoji="1" lang="en-US" altLang="ja-JP" smtClean="0"/>
-              <a:t>2 </a:t>
-            </a:r>
-            <a:r>
-              <a:rPr kumimoji="1" lang="ja-JP" altLang="en-US" smtClean="0"/>
-              <a:t>レベル</a:t>
-            </a:r>
-          </a:p>
-          <a:p>
-            <a:pPr lvl="2"/>
-            <a:r>
-              <a:rPr kumimoji="1" lang="ja-JP" altLang="en-US" smtClean="0"/>
-              <a:t>第 </a:t>
-            </a:r>
-            <a:r>
-              <a:rPr kumimoji="1" lang="en-US" altLang="ja-JP" smtClean="0"/>
-              <a:t>3 </a:t>
-            </a:r>
-            <a:r>
-              <a:rPr kumimoji="1" lang="ja-JP" altLang="en-US" smtClean="0"/>
-              <a:t>レベル</a:t>
-            </a:r>
-          </a:p>
-          <a:p>
-            <a:pPr lvl="3"/>
-            <a:r>
-              <a:rPr kumimoji="1" lang="ja-JP" altLang="en-US" smtClean="0"/>
-              <a:t>第 </a:t>
-            </a:r>
-            <a:r>
-              <a:rPr kumimoji="1" lang="en-US" altLang="ja-JP" smtClean="0"/>
-              <a:t>4 </a:t>
-            </a:r>
-            <a:r>
-              <a:rPr kumimoji="1" lang="ja-JP" altLang="en-US" smtClean="0"/>
-              <a:t>レベル</a:t>
-            </a:r>
-          </a:p>
-          <a:p>
-            <a:pPr lvl="4"/>
-            <a:r>
-              <a:rPr kumimoji="1" lang="ja-JP" altLang="en-US" smtClean="0"/>
-              <a:t>第 </a:t>
-            </a:r>
-            <a:r>
-              <a:rPr kumimoji="1" lang="en-US" altLang="ja-JP" smtClean="0"/>
-              <a:t>5 </a:t>
-            </a:r>
-            <a:r>
-              <a:rPr kumimoji="1" lang="ja-JP" altLang="en-US" smtClean="0"/>
-              <a:t>レベル</a:t>
-            </a:r>
+              <a:t>2016/1/5</a:t>
+            </a:fld>
             <a:endParaRPr kumimoji="1" lang="ja-JP" altLang="en-US"/>
           </a:p>
         </p:txBody>
       </p:sp>
       <p:sp>
         <p:nvSpPr>
-          <p:cNvPr id="7" name="日付プレースホルダー 6"/>
-          <p:cNvSpPr>
-            <a:spLocks noGrp="1"/>
-          </p:cNvSpPr>
-          <p:nvPr>
-            <p:ph type="dt" sz="half" idx="10"/>
+          <p:cNvPr id="8" name="Footer Placeholder 7"/>
+          <p:cNvSpPr>
+            <a:spLocks noGrp="1"/>
+          </p:cNvSpPr>
+          <p:nvPr>
+            <p:ph type="ftr" sz="quarter" idx="11"/>
           </p:nvPr>
         </p:nvSpPr>
         <p:spPr/>
@@ -1829,36 +4230,95 @@
           <a:bodyPr/>
           <a:lstStyle/>
           <a:p>
-            <a:fld id="{DD28D536-2A54-40F7-88B2-40A02AE714D2}" type="datetimeFigureOut">
-              <a:rPr kumimoji="1" lang="ja-JP" altLang="en-US" smtClean="0"/>
-              <a:t>2015/12/23</a:t>
-            </a:fld>
             <a:endParaRPr kumimoji="1" lang="ja-JP" altLang="en-US"/>
           </a:p>
         </p:txBody>
       </p:sp>
       <p:sp>
         <p:nvSpPr>
-          <p:cNvPr id="8" name="フッター プレースホルダー 7"/>
-          <p:cNvSpPr>
-            <a:spLocks noGrp="1"/>
-          </p:cNvSpPr>
-          <p:nvPr>
-            <p:ph type="ftr" sz="quarter" idx="11"/>
-          </p:nvPr>
-        </p:nvSpPr>
-        <p:spPr/>
-        <p:txBody>
-          <a:bodyPr/>
-          <a:lstStyle/>
-          <a:p>
-            <a:endParaRPr kumimoji="1" lang="ja-JP" altLang="en-US"/>
-          </a:p>
-        </p:txBody>
-      </p:sp>
-      <p:sp>
-        <p:nvSpPr>
-          <p:cNvPr id="9" name="スライド番号プレースホルダー 8"/>
+          <p:cNvPr id="12" name="Freeform 11"/>
+          <p:cNvSpPr/>
+          <p:nvPr/>
+        </p:nvSpPr>
+        <p:spPr bwMode="auto">
+          <a:xfrm flipV="1">
+            <a:off x="-4189" y="714375"/>
+            <a:ext cx="1588527" cy="507297"/>
+          </a:xfrm>
+          <a:custGeom>
+            <a:avLst/>
+            <a:gdLst/>
+            <a:ahLst/>
+            <a:cxnLst/>
+            <a:rect l="l" t="t" r="r" b="b"/>
+            <a:pathLst>
+              <a:path w="9248" h="10000">
+                <a:moveTo>
+                  <a:pt x="9248" y="4701"/>
+                </a:moveTo>
+                <a:lnTo>
+                  <a:pt x="7915" y="188"/>
+                </a:lnTo>
+                <a:cubicBezTo>
+                  <a:pt x="7906" y="156"/>
+                  <a:pt x="7895" y="126"/>
+                  <a:pt x="7886" y="94"/>
+                </a:cubicBezTo>
+                <a:cubicBezTo>
+                  <a:pt x="7859" y="0"/>
+                  <a:pt x="7831" y="0"/>
+                  <a:pt x="7803" y="0"/>
+                </a:cubicBezTo>
+                <a:lnTo>
+                  <a:pt x="7275" y="0"/>
+                </a:lnTo>
+                <a:lnTo>
+                  <a:pt x="0" y="70"/>
+                </a:lnTo>
+                <a:cubicBezTo>
+                  <a:pt x="8" y="3380"/>
+                  <a:pt x="17" y="6690"/>
+                  <a:pt x="25" y="10000"/>
+                </a:cubicBezTo>
+                <a:lnTo>
+                  <a:pt x="7275" y="9966"/>
+                </a:lnTo>
+                <a:lnTo>
+                  <a:pt x="7803" y="9966"/>
+                </a:lnTo>
+                <a:cubicBezTo>
+                  <a:pt x="7831" y="9966"/>
+                  <a:pt x="7859" y="9872"/>
+                  <a:pt x="7886" y="9872"/>
+                </a:cubicBezTo>
+                <a:cubicBezTo>
+                  <a:pt x="7886" y="9778"/>
+                  <a:pt x="7915" y="9778"/>
+                  <a:pt x="7915" y="9778"/>
+                </a:cubicBezTo>
+                <a:lnTo>
+                  <a:pt x="9248" y="5265"/>
+                </a:lnTo>
+                <a:cubicBezTo>
+                  <a:pt x="9303" y="5077"/>
+                  <a:pt x="9303" y="4889"/>
+                  <a:pt x="9248" y="4701"/>
+                </a:cubicBezTo>
+                <a:close/>
+              </a:path>
+            </a:pathLst>
+          </a:custGeom>
+          <a:solidFill>
+            <a:schemeClr val="accent1"/>
+          </a:solidFill>
+          <a:ln>
+            <a:noFill/>
+          </a:ln>
+        </p:spPr>
+      </p:sp>
+      <p:sp>
+        <p:nvSpPr>
+          <p:cNvPr id="13" name="Slide Number Placeholder 5"/>
           <p:cNvSpPr>
             <a:spLocks noGrp="1"/>
           </p:cNvSpPr>
@@ -1866,7 +4326,12 @@
             <p:ph type="sldNum" sz="quarter" idx="12"/>
           </p:nvPr>
         </p:nvSpPr>
-        <p:spPr/>
+        <p:spPr>
+          <a:xfrm>
+            <a:off x="531812" y="787782"/>
+            <a:ext cx="779767" cy="365125"/>
+          </a:xfrm>
+        </p:spPr>
         <p:txBody>
           <a:bodyPr/>
           <a:lstStyle/>
@@ -1882,7 +4347,7 @@
     </p:spTree>
     <p:extLst>
       <p:ext uri="{BB962C8B-B14F-4D97-AF65-F5344CB8AC3E}">
-        <p14:creationId xmlns:p14="http://schemas.microsoft.com/office/powerpoint/2010/main" val="1979259632"/>
+        <p14:creationId xmlns:p14="http://schemas.microsoft.com/office/powerpoint/2010/main" val="3995839934"/>
       </p:ext>
     </p:extLst>
   </p:cSld>
@@ -1911,7 +4376,7 @@
       </p:grpSpPr>
       <p:sp>
         <p:nvSpPr>
-          <p:cNvPr id="2" name="タイトル 1"/>
+          <p:cNvPr id="2" name="Title 1"/>
           <p:cNvSpPr>
             <a:spLocks noGrp="1"/>
           </p:cNvSpPr>
@@ -1925,16 +4390,16 @@
           <a:lstStyle/>
           <a:p>
             <a:r>
-              <a:rPr kumimoji="1" lang="ja-JP" altLang="en-US" smtClean="0"/>
+              <a:rPr lang="ja-JP" altLang="en-US" smtClean="0"/>
               <a:t>マスター タイトルの書式設定</a:t>
             </a:r>
-            <a:endParaRPr kumimoji="1" lang="ja-JP" altLang="en-US"/>
-          </a:p>
-        </p:txBody>
-      </p:sp>
-      <p:sp>
-        <p:nvSpPr>
-          <p:cNvPr id="3" name="日付プレースホルダー 2"/>
+            <a:endParaRPr lang="en-US" dirty="0"/>
+          </a:p>
+        </p:txBody>
+      </p:sp>
+      <p:sp>
+        <p:nvSpPr>
+          <p:cNvPr id="3" name="Date Placeholder 2"/>
           <p:cNvSpPr>
             <a:spLocks noGrp="1"/>
           </p:cNvSpPr>
@@ -1949,7 +4414,7 @@
           <a:p>
             <a:fld id="{DD28D536-2A54-40F7-88B2-40A02AE714D2}" type="datetimeFigureOut">
               <a:rPr kumimoji="1" lang="ja-JP" altLang="en-US" smtClean="0"/>
-              <a:t>2015/12/23</a:t>
+              <a:t>2016/1/5</a:t>
             </a:fld>
             <a:endParaRPr kumimoji="1" lang="ja-JP" altLang="en-US"/>
           </a:p>
@@ -1957,7 +4422,7 @@
       </p:sp>
       <p:sp>
         <p:nvSpPr>
-          <p:cNvPr id="4" name="フッター プレースホルダー 3"/>
+          <p:cNvPr id="4" name="Footer Placeholder 3"/>
           <p:cNvSpPr>
             <a:spLocks noGrp="1"/>
           </p:cNvSpPr>
@@ -1976,7 +4441,89 @@
       </p:sp>
       <p:sp>
         <p:nvSpPr>
-          <p:cNvPr id="5" name="スライド番号プレースホルダー 4"/>
+          <p:cNvPr id="7" name="Freeform 11"/>
+          <p:cNvSpPr/>
+          <p:nvPr/>
+        </p:nvSpPr>
+        <p:spPr bwMode="auto">
+          <a:xfrm flipV="1">
+            <a:off x="-4189" y="714375"/>
+            <a:ext cx="1588527" cy="507297"/>
+          </a:xfrm>
+          <a:custGeom>
+            <a:avLst/>
+            <a:gdLst/>
+            <a:ahLst/>
+            <a:cxnLst/>
+            <a:rect l="l" t="t" r="r" b="b"/>
+            <a:pathLst>
+              <a:path w="9248" h="10000">
+                <a:moveTo>
+                  <a:pt x="9248" y="4701"/>
+                </a:moveTo>
+                <a:lnTo>
+                  <a:pt x="7915" y="188"/>
+                </a:lnTo>
+                <a:cubicBezTo>
+                  <a:pt x="7906" y="156"/>
+                  <a:pt x="7895" y="126"/>
+                  <a:pt x="7886" y="94"/>
+                </a:cubicBezTo>
+                <a:cubicBezTo>
+                  <a:pt x="7859" y="0"/>
+                  <a:pt x="7831" y="0"/>
+                  <a:pt x="7803" y="0"/>
+                </a:cubicBezTo>
+                <a:lnTo>
+                  <a:pt x="7275" y="0"/>
+                </a:lnTo>
+                <a:lnTo>
+                  <a:pt x="0" y="70"/>
+                </a:lnTo>
+                <a:cubicBezTo>
+                  <a:pt x="8" y="3380"/>
+                  <a:pt x="17" y="6690"/>
+                  <a:pt x="25" y="10000"/>
+                </a:cubicBezTo>
+                <a:lnTo>
+                  <a:pt x="7275" y="9966"/>
+                </a:lnTo>
+                <a:lnTo>
+                  <a:pt x="7803" y="9966"/>
+                </a:lnTo>
+                <a:cubicBezTo>
+                  <a:pt x="7831" y="9966"/>
+                  <a:pt x="7859" y="9872"/>
+                  <a:pt x="7886" y="9872"/>
+                </a:cubicBezTo>
+                <a:cubicBezTo>
+                  <a:pt x="7886" y="9778"/>
+                  <a:pt x="7915" y="9778"/>
+                  <a:pt x="7915" y="9778"/>
+                </a:cubicBezTo>
+                <a:lnTo>
+                  <a:pt x="9248" y="5265"/>
+                </a:lnTo>
+                <a:cubicBezTo>
+                  <a:pt x="9303" y="5077"/>
+                  <a:pt x="9303" y="4889"/>
+                  <a:pt x="9248" y="4701"/>
+                </a:cubicBezTo>
+                <a:close/>
+              </a:path>
+            </a:pathLst>
+          </a:custGeom>
+          <a:solidFill>
+            <a:schemeClr val="accent1"/>
+          </a:solidFill>
+          <a:ln>
+            <a:noFill/>
+          </a:ln>
+        </p:spPr>
+      </p:sp>
+      <p:sp>
+        <p:nvSpPr>
+          <p:cNvPr id="5" name="Slide Number Placeholder 4"/>
           <p:cNvSpPr>
             <a:spLocks noGrp="1"/>
           </p:cNvSpPr>
@@ -2000,7 +4547,7 @@
     </p:spTree>
     <p:extLst>
       <p:ext uri="{BB962C8B-B14F-4D97-AF65-F5344CB8AC3E}">
-        <p14:creationId xmlns:p14="http://schemas.microsoft.com/office/powerpoint/2010/main" val="2329493322"/>
+        <p14:creationId xmlns:p14="http://schemas.microsoft.com/office/powerpoint/2010/main" val="1109311289"/>
       </p:ext>
     </p:extLst>
   </p:cSld>
@@ -2029,7 +4576,7 @@
       </p:grpSpPr>
       <p:sp>
         <p:nvSpPr>
-          <p:cNvPr id="2" name="日付プレースホルダー 1"/>
+          <p:cNvPr id="2" name="Date Placeholder 1"/>
           <p:cNvSpPr>
             <a:spLocks noGrp="1"/>
           </p:cNvSpPr>
@@ -2044,7 +4591,7 @@
           <a:p>
             <a:fld id="{DD28D536-2A54-40F7-88B2-40A02AE714D2}" type="datetimeFigureOut">
               <a:rPr kumimoji="1" lang="ja-JP" altLang="en-US" smtClean="0"/>
-              <a:t>2015/12/23</a:t>
+              <a:t>2016/1/5</a:t>
             </a:fld>
             <a:endParaRPr kumimoji="1" lang="ja-JP" altLang="en-US"/>
           </a:p>
@@ -2052,7 +4599,7 @@
       </p:sp>
       <p:sp>
         <p:nvSpPr>
-          <p:cNvPr id="3" name="フッター プレースホルダー 2"/>
+          <p:cNvPr id="3" name="Footer Placeholder 2"/>
           <p:cNvSpPr>
             <a:spLocks noGrp="1"/>
           </p:cNvSpPr>
@@ -2071,7 +4618,89 @@
       </p:sp>
       <p:sp>
         <p:nvSpPr>
-          <p:cNvPr id="4" name="スライド番号プレースホルダー 3"/>
+          <p:cNvPr id="6" name="Freeform 11"/>
+          <p:cNvSpPr/>
+          <p:nvPr/>
+        </p:nvSpPr>
+        <p:spPr bwMode="auto">
+          <a:xfrm flipV="1">
+            <a:off x="-4189" y="714375"/>
+            <a:ext cx="1588527" cy="507297"/>
+          </a:xfrm>
+          <a:custGeom>
+            <a:avLst/>
+            <a:gdLst/>
+            <a:ahLst/>
+            <a:cxnLst/>
+            <a:rect l="l" t="t" r="r" b="b"/>
+            <a:pathLst>
+              <a:path w="9248" h="10000">
+                <a:moveTo>
+                  <a:pt x="9248" y="4701"/>
+                </a:moveTo>
+                <a:lnTo>
+                  <a:pt x="7915" y="188"/>
+                </a:lnTo>
+                <a:cubicBezTo>
+                  <a:pt x="7906" y="156"/>
+                  <a:pt x="7895" y="126"/>
+                  <a:pt x="7886" y="94"/>
+                </a:cubicBezTo>
+                <a:cubicBezTo>
+                  <a:pt x="7859" y="0"/>
+                  <a:pt x="7831" y="0"/>
+                  <a:pt x="7803" y="0"/>
+                </a:cubicBezTo>
+                <a:lnTo>
+                  <a:pt x="7275" y="0"/>
+                </a:lnTo>
+                <a:lnTo>
+                  <a:pt x="0" y="70"/>
+                </a:lnTo>
+                <a:cubicBezTo>
+                  <a:pt x="8" y="3380"/>
+                  <a:pt x="17" y="6690"/>
+                  <a:pt x="25" y="10000"/>
+                </a:cubicBezTo>
+                <a:lnTo>
+                  <a:pt x="7275" y="9966"/>
+                </a:lnTo>
+                <a:lnTo>
+                  <a:pt x="7803" y="9966"/>
+                </a:lnTo>
+                <a:cubicBezTo>
+                  <a:pt x="7831" y="9966"/>
+                  <a:pt x="7859" y="9872"/>
+                  <a:pt x="7886" y="9872"/>
+                </a:cubicBezTo>
+                <a:cubicBezTo>
+                  <a:pt x="7886" y="9778"/>
+                  <a:pt x="7915" y="9778"/>
+                  <a:pt x="7915" y="9778"/>
+                </a:cubicBezTo>
+                <a:lnTo>
+                  <a:pt x="9248" y="5265"/>
+                </a:lnTo>
+                <a:cubicBezTo>
+                  <a:pt x="9303" y="5077"/>
+                  <a:pt x="9303" y="4889"/>
+                  <a:pt x="9248" y="4701"/>
+                </a:cubicBezTo>
+                <a:close/>
+              </a:path>
+            </a:pathLst>
+          </a:custGeom>
+          <a:solidFill>
+            <a:schemeClr val="accent1"/>
+          </a:solidFill>
+          <a:ln>
+            <a:noFill/>
+          </a:ln>
+        </p:spPr>
+      </p:sp>
+      <p:sp>
+        <p:nvSpPr>
+          <p:cNvPr id="4" name="Slide Number Placeholder 3"/>
           <p:cNvSpPr>
             <a:spLocks noGrp="1"/>
           </p:cNvSpPr>
@@ -2095,7 +4724,7 @@
     </p:spTree>
     <p:extLst>
       <p:ext uri="{BB962C8B-B14F-4D97-AF65-F5344CB8AC3E}">
-        <p14:creationId xmlns:p14="http://schemas.microsoft.com/office/powerpoint/2010/main" val="2363861670"/>
+        <p14:creationId xmlns:p14="http://schemas.microsoft.com/office/powerpoint/2010/main" val="2144059981"/>
       </p:ext>
     </p:extLst>
   </p:cSld>
@@ -2124,7 +4753,7 @@
       </p:grpSpPr>
       <p:sp>
         <p:nvSpPr>
-          <p:cNvPr id="2" name="タイトル 1"/>
+          <p:cNvPr id="2" name="Title 1"/>
           <p:cNvSpPr>
             <a:spLocks noGrp="1"/>
           </p:cNvSpPr>
@@ -2134,29 +4763,29 @@
         </p:nvSpPr>
         <p:spPr>
           <a:xfrm>
-            <a:off x="839788" y="457200"/>
-            <a:ext cx="3932237" cy="1600200"/>
+            <a:off x="2589212" y="446088"/>
+            <a:ext cx="3505199" cy="976312"/>
           </a:xfrm>
         </p:spPr>
         <p:txBody>
           <a:bodyPr anchor="b"/>
           <a:lstStyle>
-            <a:lvl1pPr>
-              <a:defRPr sz="3200"/>
+            <a:lvl1pPr algn="l">
+              <a:defRPr sz="2000" b="0"/>
             </a:lvl1pPr>
           </a:lstStyle>
           <a:p>
             <a:r>
-              <a:rPr kumimoji="1" lang="ja-JP" altLang="en-US" smtClean="0"/>
+              <a:rPr lang="ja-JP" altLang="en-US" smtClean="0"/>
               <a:t>マスター タイトルの書式設定</a:t>
             </a:r>
-            <a:endParaRPr kumimoji="1" lang="ja-JP" altLang="en-US"/>
-          </a:p>
-        </p:txBody>
-      </p:sp>
-      <p:sp>
-        <p:nvSpPr>
-          <p:cNvPr id="3" name="コンテンツ プレースホルダー 2"/>
+            <a:endParaRPr lang="en-US" dirty="0"/>
+          </a:p>
+        </p:txBody>
+      </p:sp>
+      <p:sp>
+        <p:nvSpPr>
+          <p:cNvPr id="3" name="Content Placeholder 2"/>
           <p:cNvSpPr>
             <a:spLocks noGrp="1"/>
           </p:cNvSpPr>
@@ -2166,114 +4795,88 @@
         </p:nvSpPr>
         <p:spPr>
           <a:xfrm>
-            <a:off x="5183188" y="987425"/>
-            <a:ext cx="6172200" cy="4873625"/>
+            <a:off x="6323012" y="446088"/>
+            <a:ext cx="5181600" cy="5414963"/>
           </a:xfrm>
         </p:spPr>
         <p:txBody>
-          <a:bodyPr/>
-          <a:lstStyle>
-            <a:lvl1pPr>
-              <a:defRPr sz="3200"/>
-            </a:lvl1pPr>
-            <a:lvl2pPr>
-              <a:defRPr sz="2800"/>
-            </a:lvl2pPr>
-            <a:lvl3pPr>
-              <a:defRPr sz="2400"/>
-            </a:lvl3pPr>
-            <a:lvl4pPr>
-              <a:defRPr sz="2000"/>
-            </a:lvl4pPr>
-            <a:lvl5pPr>
-              <a:defRPr sz="2000"/>
-            </a:lvl5pPr>
-            <a:lvl6pPr>
-              <a:defRPr sz="2000"/>
-            </a:lvl6pPr>
-            <a:lvl7pPr>
-              <a:defRPr sz="2000"/>
-            </a:lvl7pPr>
-            <a:lvl8pPr>
-              <a:defRPr sz="2000"/>
-            </a:lvl8pPr>
-            <a:lvl9pPr>
-              <a:defRPr sz="2000"/>
-            </a:lvl9pPr>
-          </a:lstStyle>
+          <a:bodyPr anchor="ctr">
+            <a:normAutofit/>
+          </a:bodyPr>
+          <a:lstStyle/>
           <a:p>
             <a:pPr lvl="0"/>
             <a:r>
-              <a:rPr kumimoji="1" lang="ja-JP" altLang="en-US" smtClean="0"/>
+              <a:rPr lang="ja-JP" altLang="en-US" smtClean="0"/>
               <a:t>マスター テキストの書式設定</a:t>
             </a:r>
           </a:p>
           <a:p>
             <a:pPr lvl="1"/>
             <a:r>
-              <a:rPr kumimoji="1" lang="ja-JP" altLang="en-US" smtClean="0"/>
+              <a:rPr lang="ja-JP" altLang="en-US" smtClean="0"/>
               <a:t>第 </a:t>
             </a:r>
             <a:r>
-              <a:rPr kumimoji="1" lang="en-US" altLang="ja-JP" smtClean="0"/>
+              <a:rPr lang="en-US" altLang="ja-JP" smtClean="0"/>
               <a:t>2 </a:t>
             </a:r>
             <a:r>
-              <a:rPr kumimoji="1" lang="ja-JP" altLang="en-US" smtClean="0"/>
+              <a:rPr lang="ja-JP" altLang="en-US" smtClean="0"/>
               <a:t>レベル</a:t>
             </a:r>
           </a:p>
           <a:p>
             <a:pPr lvl="2"/>
             <a:r>
-              <a:rPr kumimoji="1" lang="ja-JP" altLang="en-US" smtClean="0"/>
+              <a:rPr lang="ja-JP" altLang="en-US" smtClean="0"/>
               <a:t>第 </a:t>
             </a:r>
             <a:r>
-              <a:rPr kumimoji="1" lang="en-US" altLang="ja-JP" smtClean="0"/>
+              <a:rPr lang="en-US" altLang="ja-JP" smtClean="0"/>
               <a:t>3 </a:t>
             </a:r>
             <a:r>
-              <a:rPr kumimoji="1" lang="ja-JP" altLang="en-US" smtClean="0"/>
+              <a:rPr lang="ja-JP" altLang="en-US" smtClean="0"/>
               <a:t>レベル</a:t>
             </a:r>
           </a:p>
           <a:p>
             <a:pPr lvl="3"/>
             <a:r>
-              <a:rPr kumimoji="1" lang="ja-JP" altLang="en-US" smtClean="0"/>
+              <a:rPr lang="ja-JP" altLang="en-US" smtClean="0"/>
               <a:t>第 </a:t>
             </a:r>
             <a:r>
-              <a:rPr kumimoji="1" lang="en-US" altLang="ja-JP" smtClean="0"/>
+              <a:rPr lang="en-US" altLang="ja-JP" smtClean="0"/>
               <a:t>4 </a:t>
             </a:r>
             <a:r>
-              <a:rPr kumimoji="1" lang="ja-JP" altLang="en-US" smtClean="0"/>
+              <a:rPr lang="ja-JP" altLang="en-US" smtClean="0"/>
               <a:t>レベル</a:t>
             </a:r>
           </a:p>
           <a:p>
             <a:pPr lvl="4"/>
             <a:r>
-              <a:rPr kumimoji="1" lang="ja-JP" altLang="en-US" smtClean="0"/>
+              <a:rPr lang="ja-JP" altLang="en-US" smtClean="0"/>
               <a:t>第 </a:t>
             </a:r>
             <a:r>
-              <a:rPr kumimoji="1" lang="en-US" altLang="ja-JP" smtClean="0"/>
+              <a:rPr lang="en-US" altLang="ja-JP" smtClean="0"/>
               <a:t>5 </a:t>
             </a:r>
             <a:r>
-              <a:rPr kumimoji="1" lang="ja-JP" altLang="en-US" smtClean="0"/>
+              <a:rPr lang="ja-JP" altLang="en-US" smtClean="0"/>
               <a:t>レベル</a:t>
             </a:r>
-            <a:endParaRPr kumimoji="1" lang="ja-JP" altLang="en-US"/>
-          </a:p>
-        </p:txBody>
-      </p:sp>
-      <p:sp>
-        <p:nvSpPr>
-          <p:cNvPr id="4" name="テキスト プレースホルダー 3"/>
+            <a:endParaRPr lang="en-US" dirty="0"/>
+          </a:p>
+        </p:txBody>
+      </p:sp>
+      <p:sp>
+        <p:nvSpPr>
+          <p:cNvPr id="4" name="Text Placeholder 3"/>
           <p:cNvSpPr>
             <a:spLocks noGrp="1"/>
           </p:cNvSpPr>
@@ -2283,8 +4886,8 @@
         </p:nvSpPr>
         <p:spPr>
           <a:xfrm>
-            <a:off x="839788" y="2057400"/>
-            <a:ext cx="3932237" cy="3811588"/>
+            <a:off x="2589212" y="1598613"/>
+            <a:ext cx="3505199" cy="4262436"/>
           </a:xfrm>
         </p:spPr>
         <p:txBody>
@@ -2292,45 +4895,45 @@
           <a:lstStyle>
             <a:lvl1pPr marL="0" indent="0">
               <a:buNone/>
-              <a:defRPr sz="1600"/>
+              <a:defRPr sz="1400"/>
             </a:lvl1pPr>
             <a:lvl2pPr marL="457200" indent="0">
               <a:buNone/>
-              <a:defRPr sz="1400"/>
+              <a:defRPr sz="1200"/>
             </a:lvl2pPr>
             <a:lvl3pPr marL="914400" indent="0">
               <a:buNone/>
-              <a:defRPr sz="1200"/>
+              <a:defRPr sz="1000"/>
             </a:lvl3pPr>
             <a:lvl4pPr marL="1371600" indent="0">
               <a:buNone/>
-              <a:defRPr sz="1000"/>
+              <a:defRPr sz="900"/>
             </a:lvl4pPr>
             <a:lvl5pPr marL="1828800" indent="0">
               <a:buNone/>
-              <a:defRPr sz="1000"/>
+              <a:defRPr sz="900"/>
             </a:lvl5pPr>
             <a:lvl6pPr marL="2286000" indent="0">
               <a:buNone/>
-              <a:defRPr sz="1000"/>
+              <a:defRPr sz="900"/>
             </a:lvl6pPr>
             <a:lvl7pPr marL="2743200" indent="0">
               <a:buNone/>
-              <a:defRPr sz="1000"/>
+              <a:defRPr sz="900"/>
             </a:lvl7pPr>
             <a:lvl8pPr marL="3200400" indent="0">
               <a:buNone/>
-              <a:defRPr sz="1000"/>
+              <a:defRPr sz="900"/>
             </a:lvl8pPr>
             <a:lvl9pPr marL="3657600" indent="0">
               <a:buNone/>
-              <a:defRPr sz="1000"/>
+              <a:defRPr sz="900"/>
             </a:lvl9pPr>
           </a:lstStyle>
           <a:p>
             <a:pPr lvl="0"/>
             <a:r>
-              <a:rPr kumimoji="1" lang="ja-JP" altLang="en-US" smtClean="0"/>
+              <a:rPr lang="ja-JP" altLang="en-US" smtClean="0"/>
               <a:t>マスター テキストの書式設定</a:t>
             </a:r>
           </a:p>
@@ -2338,7 +4941,7 @@
       </p:sp>
       <p:sp>
         <p:nvSpPr>
-          <p:cNvPr id="5" name="日付プレースホルダー 4"/>
+          <p:cNvPr id="5" name="Date Placeholder 4"/>
           <p:cNvSpPr>
             <a:spLocks noGrp="1"/>
           </p:cNvSpPr>
@@ -2353,7 +4956,7 @@
           <a:p>
             <a:fld id="{DD28D536-2A54-40F7-88B2-40A02AE714D2}" type="datetimeFigureOut">
               <a:rPr kumimoji="1" lang="ja-JP" altLang="en-US" smtClean="0"/>
-              <a:t>2015/12/23</a:t>
+              <a:t>2016/1/5</a:t>
             </a:fld>
             <a:endParaRPr kumimoji="1" lang="ja-JP" altLang="en-US"/>
           </a:p>
@@ -2361,7 +4964,7 @@
       </p:sp>
       <p:sp>
         <p:nvSpPr>
-          <p:cNvPr id="6" name="フッター プレースホルダー 5"/>
+          <p:cNvPr id="6" name="Footer Placeholder 5"/>
           <p:cNvSpPr>
             <a:spLocks noGrp="1"/>
           </p:cNvSpPr>
@@ -2380,7 +4983,89 @@
       </p:sp>
       <p:sp>
         <p:nvSpPr>
-          <p:cNvPr id="7" name="スライド番号プレースホルダー 6"/>
+          <p:cNvPr id="9" name="Freeform 11"/>
+          <p:cNvSpPr/>
+          <p:nvPr/>
+        </p:nvSpPr>
+        <p:spPr bwMode="auto">
+          <a:xfrm flipV="1">
+            <a:off x="-4189" y="714375"/>
+            <a:ext cx="1588527" cy="507297"/>
+          </a:xfrm>
+          <a:custGeom>
+            <a:avLst/>
+            <a:gdLst/>
+            <a:ahLst/>
+            <a:cxnLst/>
+            <a:rect l="l" t="t" r="r" b="b"/>
+            <a:pathLst>
+              <a:path w="9248" h="10000">
+                <a:moveTo>
+                  <a:pt x="9248" y="4701"/>
+                </a:moveTo>
+                <a:lnTo>
+                  <a:pt x="7915" y="188"/>
+                </a:lnTo>
+                <a:cubicBezTo>
+                  <a:pt x="7906" y="156"/>
+                  <a:pt x="7895" y="126"/>
+                  <a:pt x="7886" y="94"/>
+                </a:cubicBezTo>
+                <a:cubicBezTo>
+                  <a:pt x="7859" y="0"/>
+                  <a:pt x="7831" y="0"/>
+                  <a:pt x="7803" y="0"/>
+                </a:cubicBezTo>
+                <a:lnTo>
+                  <a:pt x="7275" y="0"/>
+                </a:lnTo>
+                <a:lnTo>
+                  <a:pt x="0" y="70"/>
+                </a:lnTo>
+                <a:cubicBezTo>
+                  <a:pt x="8" y="3380"/>
+                  <a:pt x="17" y="6690"/>
+                  <a:pt x="25" y="10000"/>
+                </a:cubicBezTo>
+                <a:lnTo>
+                  <a:pt x="7275" y="9966"/>
+                </a:lnTo>
+                <a:lnTo>
+                  <a:pt x="7803" y="9966"/>
+                </a:lnTo>
+                <a:cubicBezTo>
+                  <a:pt x="7831" y="9966"/>
+                  <a:pt x="7859" y="9872"/>
+                  <a:pt x="7886" y="9872"/>
+                </a:cubicBezTo>
+                <a:cubicBezTo>
+                  <a:pt x="7886" y="9778"/>
+                  <a:pt x="7915" y="9778"/>
+                  <a:pt x="7915" y="9778"/>
+                </a:cubicBezTo>
+                <a:lnTo>
+                  <a:pt x="9248" y="5265"/>
+                </a:lnTo>
+                <a:cubicBezTo>
+                  <a:pt x="9303" y="5077"/>
+                  <a:pt x="9303" y="4889"/>
+                  <a:pt x="9248" y="4701"/>
+                </a:cubicBezTo>
+                <a:close/>
+              </a:path>
+            </a:pathLst>
+          </a:custGeom>
+          <a:solidFill>
+            <a:schemeClr val="accent1"/>
+          </a:solidFill>
+          <a:ln>
+            <a:noFill/>
+          </a:ln>
+        </p:spPr>
+      </p:sp>
+      <p:sp>
+        <p:nvSpPr>
+          <p:cNvPr id="7" name="Slide Number Placeholder 6"/>
           <p:cNvSpPr>
             <a:spLocks noGrp="1"/>
           </p:cNvSpPr>
@@ -2404,7 +5089,7 @@
     </p:spTree>
     <p:extLst>
       <p:ext uri="{BB962C8B-B14F-4D97-AF65-F5344CB8AC3E}">
-        <p14:creationId xmlns:p14="http://schemas.microsoft.com/office/powerpoint/2010/main" val="3801853279"/>
+        <p14:creationId xmlns:p14="http://schemas.microsoft.com/office/powerpoint/2010/main" val="1502960039"/>
       </p:ext>
     </p:extLst>
   </p:cSld>
@@ -2433,7 +5118,7 @@
       </p:grpSpPr>
       <p:sp>
         <p:nvSpPr>
-          <p:cNvPr id="2" name="タイトル 1"/>
+          <p:cNvPr id="2" name="Title 1"/>
           <p:cNvSpPr>
             <a:spLocks noGrp="1"/>
           </p:cNvSpPr>
@@ -2443,31 +5128,33 @@
         </p:nvSpPr>
         <p:spPr>
           <a:xfrm>
-            <a:off x="839788" y="457200"/>
-            <a:ext cx="3932237" cy="1600200"/>
+            <a:off x="2589213" y="4800600"/>
+            <a:ext cx="8915400" cy="566738"/>
           </a:xfrm>
         </p:spPr>
         <p:txBody>
-          <a:bodyPr anchor="b"/>
+          <a:bodyPr anchor="b">
+            <a:normAutofit/>
+          </a:bodyPr>
           <a:lstStyle>
-            <a:lvl1pPr>
-              <a:defRPr sz="3200"/>
+            <a:lvl1pPr algn="l">
+              <a:defRPr sz="2400" b="0"/>
             </a:lvl1pPr>
           </a:lstStyle>
           <a:p>
             <a:r>
-              <a:rPr kumimoji="1" lang="ja-JP" altLang="en-US" smtClean="0"/>
+              <a:rPr lang="ja-JP" altLang="en-US" smtClean="0"/>
               <a:t>マスター タイトルの書式設定</a:t>
             </a:r>
-            <a:endParaRPr kumimoji="1" lang="ja-JP" altLang="en-US"/>
-          </a:p>
-        </p:txBody>
-      </p:sp>
-      <p:sp>
-        <p:nvSpPr>
-          <p:cNvPr id="3" name="図プレースホルダー 2"/>
-          <p:cNvSpPr>
-            <a:spLocks noGrp="1"/>
+            <a:endParaRPr lang="en-US" dirty="0"/>
+          </a:p>
+        </p:txBody>
+      </p:sp>
+      <p:sp>
+        <p:nvSpPr>
+          <p:cNvPr id="3" name="Picture Placeholder 2"/>
+          <p:cNvSpPr>
+            <a:spLocks noGrp="1" noChangeAspect="1"/>
           </p:cNvSpPr>
           <p:nvPr>
             <p:ph type="pic" idx="1"/>
@@ -2475,115 +5162,123 @@
         </p:nvSpPr>
         <p:spPr>
           <a:xfrm>
-            <a:off x="5183188" y="987425"/>
-            <a:ext cx="6172200" cy="4873625"/>
+            <a:off x="2589212" y="634965"/>
+            <a:ext cx="8915400" cy="3854970"/>
           </a:xfrm>
         </p:spPr>
         <p:txBody>
-          <a:bodyPr/>
+          <a:bodyPr anchor="t">
+            <a:normAutofit/>
+          </a:bodyPr>
           <a:lstStyle>
-            <a:lvl1pPr marL="0" indent="0">
-              <a:buNone/>
-              <a:defRPr sz="3200"/>
-            </a:lvl1pPr>
-            <a:lvl2pPr marL="457200" indent="0">
-              <a:buNone/>
-              <a:defRPr sz="2800"/>
-            </a:lvl2pPr>
-            <a:lvl3pPr marL="914400" indent="0">
-              <a:buNone/>
-              <a:defRPr sz="2400"/>
-            </a:lvl3pPr>
-            <a:lvl4pPr marL="1371600" indent="0">
-              <a:buNone/>
-              <a:defRPr sz="2000"/>
-            </a:lvl4pPr>
-            <a:lvl5pPr marL="1828800" indent="0">
-              <a:buNone/>
-              <a:defRPr sz="2000"/>
-            </a:lvl5pPr>
-            <a:lvl6pPr marL="2286000" indent="0">
-              <a:buNone/>
-              <a:defRPr sz="2000"/>
-            </a:lvl6pPr>
-            <a:lvl7pPr marL="2743200" indent="0">
-              <a:buNone/>
-              <a:defRPr sz="2000"/>
-            </a:lvl7pPr>
-            <a:lvl8pPr marL="3200400" indent="0">
-              <a:buNone/>
-              <a:defRPr sz="2000"/>
-            </a:lvl8pPr>
-            <a:lvl9pPr marL="3657600" indent="0">
-              <a:buNone/>
-              <a:defRPr sz="2000"/>
-            </a:lvl9pPr>
-          </a:lstStyle>
-          <a:p>
-            <a:endParaRPr kumimoji="1" lang="ja-JP" altLang="en-US"/>
-          </a:p>
-        </p:txBody>
-      </p:sp>
-      <p:sp>
-        <p:nvSpPr>
-          <p:cNvPr id="4" name="テキスト プレースホルダー 3"/>
-          <p:cNvSpPr>
-            <a:spLocks noGrp="1"/>
-          </p:cNvSpPr>
-          <p:nvPr>
-            <p:ph type="body" sz="half" idx="2"/>
-          </p:nvPr>
-        </p:nvSpPr>
-        <p:spPr>
-          <a:xfrm>
-            <a:off x="839788" y="2057400"/>
-            <a:ext cx="3932237" cy="3811588"/>
-          </a:xfrm>
-        </p:spPr>
-        <p:txBody>
-          <a:bodyPr/>
-          <a:lstStyle>
-            <a:lvl1pPr marL="0" indent="0">
+            <a:lvl1pPr marL="0" indent="0" algn="ctr">
               <a:buNone/>
               <a:defRPr sz="1600"/>
             </a:lvl1pPr>
             <a:lvl2pPr marL="457200" indent="0">
               <a:buNone/>
-              <a:defRPr sz="1400"/>
+              <a:defRPr sz="1600"/>
             </a:lvl2pPr>
             <a:lvl3pPr marL="914400" indent="0">
               <a:buNone/>
-              <a:defRPr sz="1200"/>
+              <a:defRPr sz="1600"/>
             </a:lvl3pPr>
             <a:lvl4pPr marL="1371600" indent="0">
               <a:buNone/>
-              <a:defRPr sz="1000"/>
+              <a:defRPr sz="1600"/>
             </a:lvl4pPr>
             <a:lvl5pPr marL="1828800" indent="0">
               <a:buNone/>
-              <a:defRPr sz="1000"/>
+              <a:defRPr sz="1600"/>
             </a:lvl5pPr>
             <a:lvl6pPr marL="2286000" indent="0">
               <a:buNone/>
-              <a:defRPr sz="1000"/>
+              <a:defRPr sz="1600"/>
             </a:lvl6pPr>
             <a:lvl7pPr marL="2743200" indent="0">
               <a:buNone/>
-              <a:defRPr sz="1000"/>
+              <a:defRPr sz="1600"/>
             </a:lvl7pPr>
             <a:lvl8pPr marL="3200400" indent="0">
               <a:buNone/>
-              <a:defRPr sz="1000"/>
+              <a:defRPr sz="1600"/>
             </a:lvl8pPr>
             <a:lvl9pPr marL="3657600" indent="0">
               <a:buNone/>
-              <a:defRPr sz="1000"/>
+              <a:defRPr sz="1600"/>
             </a:lvl9pPr>
           </a:lstStyle>
           <a:p>
+            <a:r>
+              <a:rPr lang="ja-JP" altLang="en-US" smtClean="0"/>
+              <a:t>図を追加</a:t>
+            </a:r>
+            <a:endParaRPr lang="en-US" dirty="0"/>
+          </a:p>
+        </p:txBody>
+      </p:sp>
+      <p:sp>
+        <p:nvSpPr>
+          <p:cNvPr id="4" name="Text Placeholder 3"/>
+          <p:cNvSpPr>
+            <a:spLocks noGrp="1"/>
+          </p:cNvSpPr>
+          <p:nvPr>
+            <p:ph type="body" sz="half" idx="2"/>
+          </p:nvPr>
+        </p:nvSpPr>
+        <p:spPr>
+          <a:xfrm>
+            <a:off x="2589213" y="5367338"/>
+            <a:ext cx="8915400" cy="493712"/>
+          </a:xfrm>
+        </p:spPr>
+        <p:txBody>
+          <a:bodyPr>
+            <a:normAutofit/>
+          </a:bodyPr>
+          <a:lstStyle>
+            <a:lvl1pPr marL="0" indent="0">
+              <a:buNone/>
+              <a:defRPr sz="1200"/>
+            </a:lvl1pPr>
+            <a:lvl2pPr marL="457200" indent="0">
+              <a:buNone/>
+              <a:defRPr sz="1200"/>
+            </a:lvl2pPr>
+            <a:lvl3pPr marL="914400" indent="0">
+              <a:buNone/>
+              <a:defRPr sz="1000"/>
+            </a:lvl3pPr>
+            <a:lvl4pPr marL="1371600" indent="0">
+              <a:buNone/>
+              <a:defRPr sz="900"/>
+            </a:lvl4pPr>
+            <a:lvl5pPr marL="1828800" indent="0">
+              <a:buNone/>
+              <a:defRPr sz="900"/>
+            </a:lvl5pPr>
+            <a:lvl6pPr marL="2286000" indent="0">
+              <a:buNone/>
+              <a:defRPr sz="900"/>
+            </a:lvl6pPr>
+            <a:lvl7pPr marL="2743200" indent="0">
+              <a:buNone/>
+              <a:defRPr sz="900"/>
+            </a:lvl7pPr>
+            <a:lvl8pPr marL="3200400" indent="0">
+              <a:buNone/>
+              <a:defRPr sz="900"/>
+            </a:lvl8pPr>
+            <a:lvl9pPr marL="3657600" indent="0">
+              <a:buNone/>
+              <a:defRPr sz="900"/>
+            </a:lvl9pPr>
+          </a:lstStyle>
+          <a:p>
             <a:pPr lvl="0"/>
             <a:r>
-              <a:rPr kumimoji="1" lang="ja-JP" altLang="en-US" smtClean="0"/>
+              <a:rPr lang="ja-JP" altLang="en-US" smtClean="0"/>
               <a:t>マスター テキストの書式設定</a:t>
             </a:r>
           </a:p>
@@ -2591,7 +5286,7 @@
       </p:sp>
       <p:sp>
         <p:nvSpPr>
-          <p:cNvPr id="5" name="日付プレースホルダー 4"/>
+          <p:cNvPr id="5" name="Date Placeholder 4"/>
           <p:cNvSpPr>
             <a:spLocks noGrp="1"/>
           </p:cNvSpPr>
@@ -2606,7 +5301,7 @@
           <a:p>
             <a:fld id="{DD28D536-2A54-40F7-88B2-40A02AE714D2}" type="datetimeFigureOut">
               <a:rPr kumimoji="1" lang="ja-JP" altLang="en-US" smtClean="0"/>
-              <a:t>2015/12/23</a:t>
+              <a:t>2016/1/5</a:t>
             </a:fld>
             <a:endParaRPr kumimoji="1" lang="ja-JP" altLang="en-US"/>
           </a:p>
@@ -2614,7 +5309,7 @@
       </p:sp>
       <p:sp>
         <p:nvSpPr>
-          <p:cNvPr id="6" name="フッター プレースホルダー 5"/>
+          <p:cNvPr id="6" name="Footer Placeholder 5"/>
           <p:cNvSpPr>
             <a:spLocks noGrp="1"/>
           </p:cNvSpPr>
@@ -2633,7 +5328,89 @@
       </p:sp>
       <p:sp>
         <p:nvSpPr>
-          <p:cNvPr id="7" name="スライド番号プレースホルダー 6"/>
+          <p:cNvPr id="9" name="Freeform 11"/>
+          <p:cNvSpPr/>
+          <p:nvPr/>
+        </p:nvSpPr>
+        <p:spPr bwMode="auto">
+          <a:xfrm flipV="1">
+            <a:off x="-4189" y="4911725"/>
+            <a:ext cx="1588527" cy="507297"/>
+          </a:xfrm>
+          <a:custGeom>
+            <a:avLst/>
+            <a:gdLst/>
+            <a:ahLst/>
+            <a:cxnLst/>
+            <a:rect l="l" t="t" r="r" b="b"/>
+            <a:pathLst>
+              <a:path w="9248" h="10000">
+                <a:moveTo>
+                  <a:pt x="9248" y="4701"/>
+                </a:moveTo>
+                <a:lnTo>
+                  <a:pt x="7915" y="188"/>
+                </a:lnTo>
+                <a:cubicBezTo>
+                  <a:pt x="7906" y="156"/>
+                  <a:pt x="7895" y="126"/>
+                  <a:pt x="7886" y="94"/>
+                </a:cubicBezTo>
+                <a:cubicBezTo>
+                  <a:pt x="7859" y="0"/>
+                  <a:pt x="7831" y="0"/>
+                  <a:pt x="7803" y="0"/>
+                </a:cubicBezTo>
+                <a:lnTo>
+                  <a:pt x="7275" y="0"/>
+                </a:lnTo>
+                <a:lnTo>
+                  <a:pt x="0" y="70"/>
+                </a:lnTo>
+                <a:cubicBezTo>
+                  <a:pt x="8" y="3380"/>
+                  <a:pt x="17" y="6690"/>
+                  <a:pt x="25" y="10000"/>
+                </a:cubicBezTo>
+                <a:lnTo>
+                  <a:pt x="7275" y="9966"/>
+                </a:lnTo>
+                <a:lnTo>
+                  <a:pt x="7803" y="9966"/>
+                </a:lnTo>
+                <a:cubicBezTo>
+                  <a:pt x="7831" y="9966"/>
+                  <a:pt x="7859" y="9872"/>
+                  <a:pt x="7886" y="9872"/>
+                </a:cubicBezTo>
+                <a:cubicBezTo>
+                  <a:pt x="7886" y="9778"/>
+                  <a:pt x="7915" y="9778"/>
+                  <a:pt x="7915" y="9778"/>
+                </a:cubicBezTo>
+                <a:lnTo>
+                  <a:pt x="9248" y="5265"/>
+                </a:lnTo>
+                <a:cubicBezTo>
+                  <a:pt x="9303" y="5077"/>
+                  <a:pt x="9303" y="4889"/>
+                  <a:pt x="9248" y="4701"/>
+                </a:cubicBezTo>
+                <a:close/>
+              </a:path>
+            </a:pathLst>
+          </a:custGeom>
+          <a:solidFill>
+            <a:schemeClr val="accent1"/>
+          </a:solidFill>
+          <a:ln>
+            <a:noFill/>
+          </a:ln>
+        </p:spPr>
+      </p:sp>
+      <p:sp>
+        <p:nvSpPr>
+          <p:cNvPr id="7" name="Slide Number Placeholder 6"/>
           <p:cNvSpPr>
             <a:spLocks noGrp="1"/>
           </p:cNvSpPr>
@@ -2641,7 +5418,12 @@
             <p:ph type="sldNum" sz="quarter" idx="12"/>
           </p:nvPr>
         </p:nvSpPr>
-        <p:spPr/>
+        <p:spPr>
+          <a:xfrm>
+            <a:off x="531812" y="4983087"/>
+            <a:ext cx="779767" cy="365125"/>
+          </a:xfrm>
+        </p:spPr>
         <p:txBody>
           <a:bodyPr/>
           <a:lstStyle/>
@@ -2657,7 +5439,7 @@
     </p:spTree>
     <p:extLst>
       <p:ext uri="{BB962C8B-B14F-4D97-AF65-F5344CB8AC3E}">
-        <p14:creationId xmlns:p14="http://schemas.microsoft.com/office/powerpoint/2010/main" val="3680288516"/>
+        <p14:creationId xmlns:p14="http://schemas.microsoft.com/office/powerpoint/2010/main" val="4002820969"/>
       </p:ext>
     </p:extLst>
   </p:cSld>
@@ -2671,8 +5453,8 @@
 <p:sldMaster xmlns:a="http://schemas.openxmlformats.org/drawingml/2006/main" xmlns:r="http://schemas.openxmlformats.org/officeDocument/2006/relationships" xmlns:p="http://schemas.openxmlformats.org/presentationml/2006/main">
   <p:cSld>
     <p:bg>
-      <p:bgRef idx="1001">
-        <a:schemeClr val="bg1"/>
+      <p:bgRef idx="1003">
+        <a:schemeClr val="bg2"/>
       </p:bgRef>
     </p:bg>
     <p:spTree>
@@ -2689,42 +5471,1859 @@
           <a:chExt cx="0" cy="0"/>
         </a:xfrm>
       </p:grpSpPr>
-      <p:sp>
-        <p:nvSpPr>
-          <p:cNvPr id="2" name="タイトル プレースホルダー 1"/>
-          <p:cNvSpPr>
-            <a:spLocks noGrp="1"/>
-          </p:cNvSpPr>
-          <p:nvPr>
-            <p:ph type="title"/>
-          </p:nvPr>
+      <p:grpSp>
+        <p:nvGrpSpPr>
+          <p:cNvPr id="23" name="Group 22"/>
+          <p:cNvGrpSpPr/>
+          <p:nvPr/>
+        </p:nvGrpSpPr>
+        <p:grpSpPr>
+          <a:xfrm>
+            <a:off x="1" y="228600"/>
+            <a:ext cx="2851516" cy="6638628"/>
+            <a:chOff x="2487613" y="285750"/>
+            <a:chExt cx="2428875" cy="5654676"/>
+          </a:xfrm>
+        </p:grpSpPr>
+        <p:sp>
+          <p:nvSpPr>
+            <p:cNvPr id="24" name="Freeform 11"/>
+            <p:cNvSpPr/>
+            <p:nvPr/>
+          </p:nvSpPr>
+          <p:spPr bwMode="auto">
+            <a:xfrm>
+              <a:off x="2487613" y="2284413"/>
+              <a:ext cx="85725" cy="533400"/>
+            </a:xfrm>
+            <a:custGeom>
+              <a:avLst/>
+              <a:gdLst/>
+              <a:ahLst/>
+              <a:cxnLst/>
+              <a:rect l="0" t="0" r="r" b="b"/>
+              <a:pathLst>
+                <a:path w="22" h="136">
+                  <a:moveTo>
+                    <a:pt x="22" y="136"/>
+                  </a:moveTo>
+                  <a:cubicBezTo>
+                    <a:pt x="20" y="117"/>
+                    <a:pt x="19" y="99"/>
+                    <a:pt x="17" y="80"/>
+                  </a:cubicBezTo>
+                  <a:cubicBezTo>
+                    <a:pt x="11" y="54"/>
+                    <a:pt x="6" y="27"/>
+                    <a:pt x="0" y="0"/>
+                  </a:cubicBezTo>
+                  <a:cubicBezTo>
+                    <a:pt x="0" y="35"/>
+                    <a:pt x="0" y="35"/>
+                    <a:pt x="0" y="35"/>
+                  </a:cubicBezTo>
+                  <a:cubicBezTo>
+                    <a:pt x="6" y="64"/>
+                    <a:pt x="13" y="94"/>
+                    <a:pt x="20" y="124"/>
+                  </a:cubicBezTo>
+                  <a:cubicBezTo>
+                    <a:pt x="20" y="128"/>
+                    <a:pt x="21" y="132"/>
+                    <a:pt x="22" y="136"/>
+                  </a:cubicBezTo>
+                  <a:close/>
+                </a:path>
+              </a:pathLst>
+            </a:custGeom>
+            <a:solidFill>
+              <a:schemeClr val="tx2">
+                <a:alpha val="20000"/>
+              </a:schemeClr>
+            </a:solidFill>
+            <a:ln>
+              <a:noFill/>
+            </a:ln>
+          </p:spPr>
+        </p:sp>
+        <p:sp>
+          <p:nvSpPr>
+            <p:cNvPr id="25" name="Freeform 12"/>
+            <p:cNvSpPr/>
+            <p:nvPr/>
+          </p:nvSpPr>
+          <p:spPr bwMode="auto">
+            <a:xfrm>
+              <a:off x="2597151" y="2779713"/>
+              <a:ext cx="550863" cy="1978025"/>
+            </a:xfrm>
+            <a:custGeom>
+              <a:avLst/>
+              <a:gdLst/>
+              <a:ahLst/>
+              <a:cxnLst/>
+              <a:rect l="0" t="0" r="r" b="b"/>
+              <a:pathLst>
+                <a:path w="140" h="504">
+                  <a:moveTo>
+                    <a:pt x="86" y="350"/>
+                  </a:moveTo>
+                  <a:cubicBezTo>
+                    <a:pt x="103" y="402"/>
+                    <a:pt x="120" y="453"/>
+                    <a:pt x="139" y="504"/>
+                  </a:cubicBezTo>
+                  <a:cubicBezTo>
+                    <a:pt x="139" y="495"/>
+                    <a:pt x="139" y="487"/>
+                    <a:pt x="140" y="478"/>
+                  </a:cubicBezTo>
+                  <a:cubicBezTo>
+                    <a:pt x="124" y="435"/>
+                    <a:pt x="109" y="391"/>
+                    <a:pt x="95" y="347"/>
+                  </a:cubicBezTo>
+                  <a:cubicBezTo>
+                    <a:pt x="58" y="233"/>
+                    <a:pt x="27" y="117"/>
+                    <a:pt x="0" y="0"/>
+                  </a:cubicBezTo>
+                  <a:cubicBezTo>
+                    <a:pt x="2" y="20"/>
+                    <a:pt x="4" y="41"/>
+                    <a:pt x="6" y="61"/>
+                  </a:cubicBezTo>
+                  <a:cubicBezTo>
+                    <a:pt x="30" y="158"/>
+                    <a:pt x="56" y="255"/>
+                    <a:pt x="86" y="350"/>
+                  </a:cubicBezTo>
+                  <a:close/>
+                </a:path>
+              </a:pathLst>
+            </a:custGeom>
+            <a:solidFill>
+              <a:schemeClr val="tx2">
+                <a:alpha val="20000"/>
+              </a:schemeClr>
+            </a:solidFill>
+            <a:ln>
+              <a:noFill/>
+            </a:ln>
+          </p:spPr>
+        </p:sp>
+        <p:sp>
+          <p:nvSpPr>
+            <p:cNvPr id="26" name="Freeform 13"/>
+            <p:cNvSpPr/>
+            <p:nvPr/>
+          </p:nvSpPr>
+          <p:spPr bwMode="auto">
+            <a:xfrm>
+              <a:off x="3175001" y="4730750"/>
+              <a:ext cx="519113" cy="1209675"/>
+            </a:xfrm>
+            <a:custGeom>
+              <a:avLst/>
+              <a:gdLst/>
+              <a:ahLst/>
+              <a:cxnLst/>
+              <a:rect l="0" t="0" r="r" b="b"/>
+              <a:pathLst>
+                <a:path w="132" h="308">
+                  <a:moveTo>
+                    <a:pt x="8" y="22"/>
+                  </a:moveTo>
+                  <a:cubicBezTo>
+                    <a:pt x="5" y="15"/>
+                    <a:pt x="2" y="8"/>
+                    <a:pt x="0" y="0"/>
+                  </a:cubicBezTo>
+                  <a:cubicBezTo>
+                    <a:pt x="0" y="10"/>
+                    <a:pt x="0" y="19"/>
+                    <a:pt x="0" y="29"/>
+                  </a:cubicBezTo>
+                  <a:cubicBezTo>
+                    <a:pt x="21" y="85"/>
+                    <a:pt x="44" y="140"/>
+                    <a:pt x="68" y="194"/>
+                  </a:cubicBezTo>
+                  <a:cubicBezTo>
+                    <a:pt x="85" y="232"/>
+                    <a:pt x="104" y="270"/>
+                    <a:pt x="123" y="308"/>
+                  </a:cubicBezTo>
+                  <a:cubicBezTo>
+                    <a:pt x="132" y="308"/>
+                    <a:pt x="132" y="308"/>
+                    <a:pt x="132" y="308"/>
+                  </a:cubicBezTo>
+                  <a:cubicBezTo>
+                    <a:pt x="113" y="269"/>
+                    <a:pt x="94" y="230"/>
+                    <a:pt x="77" y="190"/>
+                  </a:cubicBezTo>
+                  <a:cubicBezTo>
+                    <a:pt x="52" y="135"/>
+                    <a:pt x="29" y="79"/>
+                    <a:pt x="8" y="22"/>
+                  </a:cubicBezTo>
+                  <a:close/>
+                </a:path>
+              </a:pathLst>
+            </a:custGeom>
+            <a:solidFill>
+              <a:schemeClr val="tx2">
+                <a:alpha val="20000"/>
+              </a:schemeClr>
+            </a:solidFill>
+            <a:ln>
+              <a:noFill/>
+            </a:ln>
+          </p:spPr>
+        </p:sp>
+        <p:sp>
+          <p:nvSpPr>
+            <p:cNvPr id="27" name="Freeform 14"/>
+            <p:cNvSpPr/>
+            <p:nvPr/>
+          </p:nvSpPr>
+          <p:spPr bwMode="auto">
+            <a:xfrm>
+              <a:off x="3305176" y="5630863"/>
+              <a:ext cx="146050" cy="309563"/>
+            </a:xfrm>
+            <a:custGeom>
+              <a:avLst/>
+              <a:gdLst/>
+              <a:ahLst/>
+              <a:cxnLst/>
+              <a:rect l="0" t="0" r="r" b="b"/>
+              <a:pathLst>
+                <a:path w="37" h="79">
+                  <a:moveTo>
+                    <a:pt x="28" y="79"/>
+                  </a:moveTo>
+                  <a:cubicBezTo>
+                    <a:pt x="37" y="79"/>
+                    <a:pt x="37" y="79"/>
+                    <a:pt x="37" y="79"/>
+                  </a:cubicBezTo>
+                  <a:cubicBezTo>
+                    <a:pt x="24" y="53"/>
+                    <a:pt x="12" y="27"/>
+                    <a:pt x="0" y="0"/>
+                  </a:cubicBezTo>
+                  <a:cubicBezTo>
+                    <a:pt x="8" y="27"/>
+                    <a:pt x="17" y="53"/>
+                    <a:pt x="28" y="79"/>
+                  </a:cubicBezTo>
+                  <a:close/>
+                </a:path>
+              </a:pathLst>
+            </a:custGeom>
+            <a:solidFill>
+              <a:schemeClr val="tx2">
+                <a:alpha val="20000"/>
+              </a:schemeClr>
+            </a:solidFill>
+            <a:ln>
+              <a:noFill/>
+            </a:ln>
+          </p:spPr>
+        </p:sp>
+        <p:sp>
+          <p:nvSpPr>
+            <p:cNvPr id="28" name="Freeform 15"/>
+            <p:cNvSpPr/>
+            <p:nvPr/>
+          </p:nvSpPr>
+          <p:spPr bwMode="auto">
+            <a:xfrm>
+              <a:off x="2573338" y="2817813"/>
+              <a:ext cx="700088" cy="2835275"/>
+            </a:xfrm>
+            <a:custGeom>
+              <a:avLst/>
+              <a:gdLst/>
+              <a:ahLst/>
+              <a:cxnLst/>
+              <a:rect l="0" t="0" r="r" b="b"/>
+              <a:pathLst>
+                <a:path w="178" h="722">
+                  <a:moveTo>
+                    <a:pt x="162" y="660"/>
+                  </a:moveTo>
+                  <a:cubicBezTo>
+                    <a:pt x="145" y="618"/>
+                    <a:pt x="130" y="576"/>
+                    <a:pt x="116" y="534"/>
+                  </a:cubicBezTo>
+                  <a:cubicBezTo>
+                    <a:pt x="84" y="437"/>
+                    <a:pt x="59" y="337"/>
+                    <a:pt x="40" y="236"/>
+                  </a:cubicBezTo>
+                  <a:cubicBezTo>
+                    <a:pt x="29" y="175"/>
+                    <a:pt x="20" y="113"/>
+                    <a:pt x="12" y="51"/>
+                  </a:cubicBezTo>
+                  <a:cubicBezTo>
+                    <a:pt x="8" y="34"/>
+                    <a:pt x="4" y="17"/>
+                    <a:pt x="0" y="0"/>
+                  </a:cubicBezTo>
+                  <a:cubicBezTo>
+                    <a:pt x="8" y="79"/>
+                    <a:pt x="19" y="159"/>
+                    <a:pt x="33" y="237"/>
+                  </a:cubicBezTo>
+                  <a:cubicBezTo>
+                    <a:pt x="51" y="339"/>
+                    <a:pt x="76" y="439"/>
+                    <a:pt x="107" y="537"/>
+                  </a:cubicBezTo>
+                  <a:cubicBezTo>
+                    <a:pt x="123" y="586"/>
+                    <a:pt x="141" y="634"/>
+                    <a:pt x="160" y="681"/>
+                  </a:cubicBezTo>
+                  <a:cubicBezTo>
+                    <a:pt x="166" y="695"/>
+                    <a:pt x="172" y="708"/>
+                    <a:pt x="178" y="722"/>
+                  </a:cubicBezTo>
+                  <a:cubicBezTo>
+                    <a:pt x="176" y="717"/>
+                    <a:pt x="175" y="713"/>
+                    <a:pt x="174" y="708"/>
+                  </a:cubicBezTo>
+                  <a:cubicBezTo>
+                    <a:pt x="169" y="692"/>
+                    <a:pt x="165" y="676"/>
+                    <a:pt x="162" y="660"/>
+                  </a:cubicBezTo>
+                  <a:close/>
+                </a:path>
+              </a:pathLst>
+            </a:custGeom>
+            <a:solidFill>
+              <a:schemeClr val="tx2">
+                <a:alpha val="20000"/>
+              </a:schemeClr>
+            </a:solidFill>
+            <a:ln>
+              <a:noFill/>
+            </a:ln>
+          </p:spPr>
+        </p:sp>
+        <p:sp>
+          <p:nvSpPr>
+            <p:cNvPr id="29" name="Freeform 16"/>
+            <p:cNvSpPr/>
+            <p:nvPr/>
+          </p:nvSpPr>
+          <p:spPr bwMode="auto">
+            <a:xfrm>
+              <a:off x="2506663" y="285750"/>
+              <a:ext cx="90488" cy="2493963"/>
+            </a:xfrm>
+            <a:custGeom>
+              <a:avLst/>
+              <a:gdLst/>
+              <a:ahLst/>
+              <a:cxnLst/>
+              <a:rect l="0" t="0" r="r" b="b"/>
+              <a:pathLst>
+                <a:path w="23" h="635">
+                  <a:moveTo>
+                    <a:pt x="11" y="577"/>
+                  </a:moveTo>
+                  <a:cubicBezTo>
+                    <a:pt x="12" y="581"/>
+                    <a:pt x="12" y="585"/>
+                    <a:pt x="12" y="589"/>
+                  </a:cubicBezTo>
+                  <a:cubicBezTo>
+                    <a:pt x="15" y="603"/>
+                    <a:pt x="19" y="617"/>
+                    <a:pt x="22" y="632"/>
+                  </a:cubicBezTo>
+                  <a:cubicBezTo>
+                    <a:pt x="22" y="633"/>
+                    <a:pt x="22" y="634"/>
+                    <a:pt x="23" y="635"/>
+                  </a:cubicBezTo>
+                  <a:cubicBezTo>
+                    <a:pt x="21" y="615"/>
+                    <a:pt x="19" y="596"/>
+                    <a:pt x="17" y="576"/>
+                  </a:cubicBezTo>
+                  <a:cubicBezTo>
+                    <a:pt x="9" y="474"/>
+                    <a:pt x="5" y="372"/>
+                    <a:pt x="5" y="269"/>
+                  </a:cubicBezTo>
+                  <a:cubicBezTo>
+                    <a:pt x="6" y="179"/>
+                    <a:pt x="9" y="90"/>
+                    <a:pt x="15" y="0"/>
+                  </a:cubicBezTo>
+                  <a:cubicBezTo>
+                    <a:pt x="12" y="0"/>
+                    <a:pt x="12" y="0"/>
+                    <a:pt x="12" y="0"/>
+                  </a:cubicBezTo>
+                  <a:cubicBezTo>
+                    <a:pt x="5" y="89"/>
+                    <a:pt x="2" y="179"/>
+                    <a:pt x="1" y="269"/>
+                  </a:cubicBezTo>
+                  <a:cubicBezTo>
+                    <a:pt x="0" y="372"/>
+                    <a:pt x="3" y="474"/>
+                    <a:pt x="11" y="577"/>
+                  </a:cubicBezTo>
+                  <a:close/>
+                </a:path>
+              </a:pathLst>
+            </a:custGeom>
+            <a:solidFill>
+              <a:schemeClr val="tx2">
+                <a:alpha val="20000"/>
+              </a:schemeClr>
+            </a:solidFill>
+            <a:ln>
+              <a:noFill/>
+            </a:ln>
+          </p:spPr>
+        </p:sp>
+        <p:sp>
+          <p:nvSpPr>
+            <p:cNvPr id="30" name="Freeform 17"/>
+            <p:cNvSpPr/>
+            <p:nvPr/>
+          </p:nvSpPr>
+          <p:spPr bwMode="auto">
+            <a:xfrm>
+              <a:off x="2554288" y="2598738"/>
+              <a:ext cx="66675" cy="420688"/>
+            </a:xfrm>
+            <a:custGeom>
+              <a:avLst/>
+              <a:gdLst/>
+              <a:ahLst/>
+              <a:cxnLst/>
+              <a:rect l="0" t="0" r="r" b="b"/>
+              <a:pathLst>
+                <a:path w="17" h="107">
+                  <a:moveTo>
+                    <a:pt x="0" y="0"/>
+                  </a:moveTo>
+                  <a:cubicBezTo>
+                    <a:pt x="2" y="19"/>
+                    <a:pt x="3" y="37"/>
+                    <a:pt x="5" y="56"/>
+                  </a:cubicBezTo>
+                  <a:cubicBezTo>
+                    <a:pt x="9" y="73"/>
+                    <a:pt x="13" y="90"/>
+                    <a:pt x="17" y="107"/>
+                  </a:cubicBezTo>
+                  <a:cubicBezTo>
+                    <a:pt x="15" y="87"/>
+                    <a:pt x="13" y="66"/>
+                    <a:pt x="11" y="46"/>
+                  </a:cubicBezTo>
+                  <a:cubicBezTo>
+                    <a:pt x="10" y="45"/>
+                    <a:pt x="10" y="44"/>
+                    <a:pt x="10" y="43"/>
+                  </a:cubicBezTo>
+                  <a:cubicBezTo>
+                    <a:pt x="7" y="28"/>
+                    <a:pt x="3" y="14"/>
+                    <a:pt x="0" y="0"/>
+                  </a:cubicBezTo>
+                  <a:close/>
+                </a:path>
+              </a:pathLst>
+            </a:custGeom>
+            <a:solidFill>
+              <a:schemeClr val="tx2">
+                <a:alpha val="20000"/>
+              </a:schemeClr>
+            </a:solidFill>
+            <a:ln>
+              <a:noFill/>
+            </a:ln>
+          </p:spPr>
+        </p:sp>
+        <p:sp>
+          <p:nvSpPr>
+            <p:cNvPr id="31" name="Freeform 18"/>
+            <p:cNvSpPr/>
+            <p:nvPr/>
+          </p:nvSpPr>
+          <p:spPr bwMode="auto">
+            <a:xfrm>
+              <a:off x="3143251" y="4757738"/>
+              <a:ext cx="161925" cy="873125"/>
+            </a:xfrm>
+            <a:custGeom>
+              <a:avLst/>
+              <a:gdLst/>
+              <a:ahLst/>
+              <a:cxnLst/>
+              <a:rect l="0" t="0" r="r" b="b"/>
+              <a:pathLst>
+                <a:path w="41" h="222">
+                  <a:moveTo>
+                    <a:pt x="0" y="0"/>
+                  </a:moveTo>
+                  <a:cubicBezTo>
+                    <a:pt x="0" y="31"/>
+                    <a:pt x="2" y="62"/>
+                    <a:pt x="5" y="93"/>
+                  </a:cubicBezTo>
+                  <a:cubicBezTo>
+                    <a:pt x="8" y="117"/>
+                    <a:pt x="12" y="142"/>
+                    <a:pt x="17" y="166"/>
+                  </a:cubicBezTo>
+                  <a:cubicBezTo>
+                    <a:pt x="19" y="172"/>
+                    <a:pt x="22" y="178"/>
+                    <a:pt x="24" y="184"/>
+                  </a:cubicBezTo>
+                  <a:cubicBezTo>
+                    <a:pt x="30" y="197"/>
+                    <a:pt x="35" y="209"/>
+                    <a:pt x="41" y="222"/>
+                  </a:cubicBezTo>
+                  <a:cubicBezTo>
+                    <a:pt x="40" y="219"/>
+                    <a:pt x="39" y="215"/>
+                    <a:pt x="38" y="212"/>
+                  </a:cubicBezTo>
+                  <a:cubicBezTo>
+                    <a:pt x="26" y="172"/>
+                    <a:pt x="18" y="132"/>
+                    <a:pt x="13" y="92"/>
+                  </a:cubicBezTo>
+                  <a:cubicBezTo>
+                    <a:pt x="11" y="68"/>
+                    <a:pt x="9" y="45"/>
+                    <a:pt x="8" y="22"/>
+                  </a:cubicBezTo>
+                  <a:cubicBezTo>
+                    <a:pt x="8" y="21"/>
+                    <a:pt x="7" y="20"/>
+                    <a:pt x="7" y="18"/>
+                  </a:cubicBezTo>
+                  <a:cubicBezTo>
+                    <a:pt x="5" y="12"/>
+                    <a:pt x="2" y="6"/>
+                    <a:pt x="0" y="0"/>
+                  </a:cubicBezTo>
+                  <a:close/>
+                </a:path>
+              </a:pathLst>
+            </a:custGeom>
+            <a:solidFill>
+              <a:schemeClr val="tx2">
+                <a:alpha val="20000"/>
+              </a:schemeClr>
+            </a:solidFill>
+            <a:ln>
+              <a:noFill/>
+            </a:ln>
+          </p:spPr>
+        </p:sp>
+        <p:sp>
+          <p:nvSpPr>
+            <p:cNvPr id="32" name="Freeform 19"/>
+            <p:cNvSpPr/>
+            <p:nvPr/>
+          </p:nvSpPr>
+          <p:spPr bwMode="auto">
+            <a:xfrm>
+              <a:off x="3148013" y="1282700"/>
+              <a:ext cx="1768475" cy="3448050"/>
+            </a:xfrm>
+            <a:custGeom>
+              <a:avLst/>
+              <a:gdLst/>
+              <a:ahLst/>
+              <a:cxnLst/>
+              <a:rect l="0" t="0" r="r" b="b"/>
+              <a:pathLst>
+                <a:path w="450" h="878">
+                  <a:moveTo>
+                    <a:pt x="7" y="854"/>
+                  </a:moveTo>
+                  <a:cubicBezTo>
+                    <a:pt x="10" y="772"/>
+                    <a:pt x="26" y="691"/>
+                    <a:pt x="50" y="613"/>
+                  </a:cubicBezTo>
+                  <a:cubicBezTo>
+                    <a:pt x="75" y="535"/>
+                    <a:pt x="109" y="460"/>
+                    <a:pt x="149" y="388"/>
+                  </a:cubicBezTo>
+                  <a:cubicBezTo>
+                    <a:pt x="189" y="316"/>
+                    <a:pt x="235" y="248"/>
+                    <a:pt x="285" y="183"/>
+                  </a:cubicBezTo>
+                  <a:cubicBezTo>
+                    <a:pt x="310" y="151"/>
+                    <a:pt x="337" y="119"/>
+                    <a:pt x="364" y="89"/>
+                  </a:cubicBezTo>
+                  <a:cubicBezTo>
+                    <a:pt x="378" y="74"/>
+                    <a:pt x="392" y="58"/>
+                    <a:pt x="406" y="44"/>
+                  </a:cubicBezTo>
+                  <a:cubicBezTo>
+                    <a:pt x="421" y="29"/>
+                    <a:pt x="435" y="15"/>
+                    <a:pt x="450" y="1"/>
+                  </a:cubicBezTo>
+                  <a:cubicBezTo>
+                    <a:pt x="450" y="0"/>
+                    <a:pt x="450" y="0"/>
+                    <a:pt x="450" y="0"/>
+                  </a:cubicBezTo>
+                  <a:cubicBezTo>
+                    <a:pt x="434" y="14"/>
+                    <a:pt x="420" y="28"/>
+                    <a:pt x="405" y="43"/>
+                  </a:cubicBezTo>
+                  <a:cubicBezTo>
+                    <a:pt x="391" y="57"/>
+                    <a:pt x="377" y="72"/>
+                    <a:pt x="363" y="88"/>
+                  </a:cubicBezTo>
+                  <a:cubicBezTo>
+                    <a:pt x="335" y="118"/>
+                    <a:pt x="308" y="149"/>
+                    <a:pt x="283" y="181"/>
+                  </a:cubicBezTo>
+                  <a:cubicBezTo>
+                    <a:pt x="232" y="246"/>
+                    <a:pt x="185" y="314"/>
+                    <a:pt x="145" y="386"/>
+                  </a:cubicBezTo>
+                  <a:cubicBezTo>
+                    <a:pt x="104" y="457"/>
+                    <a:pt x="70" y="533"/>
+                    <a:pt x="45" y="611"/>
+                  </a:cubicBezTo>
+                  <a:cubicBezTo>
+                    <a:pt x="19" y="690"/>
+                    <a:pt x="3" y="771"/>
+                    <a:pt x="0" y="854"/>
+                  </a:cubicBezTo>
+                  <a:cubicBezTo>
+                    <a:pt x="0" y="856"/>
+                    <a:pt x="0" y="857"/>
+                    <a:pt x="0" y="859"/>
+                  </a:cubicBezTo>
+                  <a:cubicBezTo>
+                    <a:pt x="2" y="865"/>
+                    <a:pt x="4" y="872"/>
+                    <a:pt x="7" y="878"/>
+                  </a:cubicBezTo>
+                  <a:cubicBezTo>
+                    <a:pt x="7" y="870"/>
+                    <a:pt x="7" y="862"/>
+                    <a:pt x="7" y="854"/>
+                  </a:cubicBezTo>
+                  <a:close/>
+                </a:path>
+              </a:pathLst>
+            </a:custGeom>
+            <a:solidFill>
+              <a:schemeClr val="tx2">
+                <a:alpha val="20000"/>
+              </a:schemeClr>
+            </a:solidFill>
+            <a:ln>
+              <a:noFill/>
+            </a:ln>
+          </p:spPr>
+        </p:sp>
+        <p:sp>
+          <p:nvSpPr>
+            <p:cNvPr id="33" name="Freeform 20"/>
+            <p:cNvSpPr/>
+            <p:nvPr/>
+          </p:nvSpPr>
+          <p:spPr bwMode="auto">
+            <a:xfrm>
+              <a:off x="3273426" y="5653088"/>
+              <a:ext cx="138113" cy="287338"/>
+            </a:xfrm>
+            <a:custGeom>
+              <a:avLst/>
+              <a:gdLst/>
+              <a:ahLst/>
+              <a:cxnLst/>
+              <a:rect l="0" t="0" r="r" b="b"/>
+              <a:pathLst>
+                <a:path w="35" h="73">
+                  <a:moveTo>
+                    <a:pt x="0" y="0"/>
+                  </a:moveTo>
+                  <a:cubicBezTo>
+                    <a:pt x="7" y="24"/>
+                    <a:pt x="16" y="49"/>
+                    <a:pt x="26" y="73"/>
+                  </a:cubicBezTo>
+                  <a:cubicBezTo>
+                    <a:pt x="35" y="73"/>
+                    <a:pt x="35" y="73"/>
+                    <a:pt x="35" y="73"/>
+                  </a:cubicBezTo>
+                  <a:cubicBezTo>
+                    <a:pt x="23" y="49"/>
+                    <a:pt x="11" y="24"/>
+                    <a:pt x="0" y="0"/>
+                  </a:cubicBezTo>
+                  <a:close/>
+                </a:path>
+              </a:pathLst>
+            </a:custGeom>
+            <a:solidFill>
+              <a:schemeClr val="tx2">
+                <a:alpha val="20000"/>
+              </a:schemeClr>
+            </a:solidFill>
+            <a:ln>
+              <a:noFill/>
+            </a:ln>
+          </p:spPr>
+        </p:sp>
+        <p:sp>
+          <p:nvSpPr>
+            <p:cNvPr id="34" name="Freeform 21"/>
+            <p:cNvSpPr/>
+            <p:nvPr/>
+          </p:nvSpPr>
+          <p:spPr bwMode="auto">
+            <a:xfrm>
+              <a:off x="3143251" y="4656138"/>
+              <a:ext cx="31750" cy="188913"/>
+            </a:xfrm>
+            <a:custGeom>
+              <a:avLst/>
+              <a:gdLst/>
+              <a:ahLst/>
+              <a:cxnLst/>
+              <a:rect l="0" t="0" r="r" b="b"/>
+              <a:pathLst>
+                <a:path w="8" h="48">
+                  <a:moveTo>
+                    <a:pt x="7" y="44"/>
+                  </a:moveTo>
+                  <a:cubicBezTo>
+                    <a:pt x="7" y="46"/>
+                    <a:pt x="8" y="47"/>
+                    <a:pt x="8" y="48"/>
+                  </a:cubicBezTo>
+                  <a:cubicBezTo>
+                    <a:pt x="8" y="38"/>
+                    <a:pt x="8" y="29"/>
+                    <a:pt x="8" y="19"/>
+                  </a:cubicBezTo>
+                  <a:cubicBezTo>
+                    <a:pt x="5" y="13"/>
+                    <a:pt x="3" y="6"/>
+                    <a:pt x="1" y="0"/>
+                  </a:cubicBezTo>
+                  <a:cubicBezTo>
+                    <a:pt x="0" y="9"/>
+                    <a:pt x="0" y="17"/>
+                    <a:pt x="0" y="26"/>
+                  </a:cubicBezTo>
+                  <a:cubicBezTo>
+                    <a:pt x="2" y="32"/>
+                    <a:pt x="5" y="38"/>
+                    <a:pt x="7" y="44"/>
+                  </a:cubicBezTo>
+                  <a:close/>
+                </a:path>
+              </a:pathLst>
+            </a:custGeom>
+            <a:solidFill>
+              <a:schemeClr val="tx2">
+                <a:alpha val="20000"/>
+              </a:schemeClr>
+            </a:solidFill>
+            <a:ln>
+              <a:noFill/>
+            </a:ln>
+          </p:spPr>
+        </p:sp>
+        <p:sp>
+          <p:nvSpPr>
+            <p:cNvPr id="35" name="Freeform 22"/>
+            <p:cNvSpPr/>
+            <p:nvPr/>
+          </p:nvSpPr>
+          <p:spPr bwMode="auto">
+            <a:xfrm>
+              <a:off x="3211513" y="5410200"/>
+              <a:ext cx="203200" cy="530225"/>
+            </a:xfrm>
+            <a:custGeom>
+              <a:avLst/>
+              <a:gdLst/>
+              <a:ahLst/>
+              <a:cxnLst/>
+              <a:rect l="0" t="0" r="r" b="b"/>
+              <a:pathLst>
+                <a:path w="52" h="135">
+                  <a:moveTo>
+                    <a:pt x="7" y="18"/>
+                  </a:moveTo>
+                  <a:cubicBezTo>
+                    <a:pt x="5" y="12"/>
+                    <a:pt x="2" y="6"/>
+                    <a:pt x="0" y="0"/>
+                  </a:cubicBezTo>
+                  <a:cubicBezTo>
+                    <a:pt x="3" y="16"/>
+                    <a:pt x="7" y="32"/>
+                    <a:pt x="12" y="48"/>
+                  </a:cubicBezTo>
+                  <a:cubicBezTo>
+                    <a:pt x="13" y="53"/>
+                    <a:pt x="14" y="57"/>
+                    <a:pt x="16" y="62"/>
+                  </a:cubicBezTo>
+                  <a:cubicBezTo>
+                    <a:pt x="27" y="86"/>
+                    <a:pt x="39" y="111"/>
+                    <a:pt x="51" y="135"/>
+                  </a:cubicBezTo>
+                  <a:cubicBezTo>
+                    <a:pt x="52" y="135"/>
+                    <a:pt x="52" y="135"/>
+                    <a:pt x="52" y="135"/>
+                  </a:cubicBezTo>
+                  <a:cubicBezTo>
+                    <a:pt x="41" y="109"/>
+                    <a:pt x="32" y="83"/>
+                    <a:pt x="24" y="56"/>
+                  </a:cubicBezTo>
+                  <a:cubicBezTo>
+                    <a:pt x="18" y="43"/>
+                    <a:pt x="13" y="31"/>
+                    <a:pt x="7" y="18"/>
+                  </a:cubicBezTo>
+                  <a:close/>
+                </a:path>
+              </a:pathLst>
+            </a:custGeom>
+            <a:solidFill>
+              <a:schemeClr val="tx2">
+                <a:alpha val="20000"/>
+              </a:schemeClr>
+            </a:solidFill>
+            <a:ln>
+              <a:noFill/>
+            </a:ln>
+          </p:spPr>
+        </p:sp>
+      </p:grpSp>
+      <p:grpSp>
+        <p:nvGrpSpPr>
+          <p:cNvPr id="10" name="Group 9"/>
+          <p:cNvGrpSpPr/>
+          <p:nvPr/>
+        </p:nvGrpSpPr>
+        <p:grpSpPr>
+          <a:xfrm>
+            <a:off x="27221" y="-786"/>
+            <a:ext cx="2356674" cy="6854039"/>
+            <a:chOff x="6627813" y="194833"/>
+            <a:chExt cx="1952625" cy="5678918"/>
+          </a:xfrm>
+        </p:grpSpPr>
+        <p:sp>
+          <p:nvSpPr>
+            <p:cNvPr id="11" name="Freeform 27"/>
+            <p:cNvSpPr/>
+            <p:nvPr/>
+          </p:nvSpPr>
+          <p:spPr bwMode="auto">
+            <a:xfrm>
+              <a:off x="6627813" y="194833"/>
+              <a:ext cx="409575" cy="3646488"/>
+            </a:xfrm>
+            <a:custGeom>
+              <a:avLst/>
+              <a:gdLst/>
+              <a:ahLst/>
+              <a:cxnLst/>
+              <a:rect l="0" t="0" r="r" b="b"/>
+              <a:pathLst>
+                <a:path w="103" h="920">
+                  <a:moveTo>
+                    <a:pt x="7" y="210"/>
+                  </a:moveTo>
+                  <a:cubicBezTo>
+                    <a:pt x="11" y="288"/>
+                    <a:pt x="17" y="367"/>
+                    <a:pt x="26" y="445"/>
+                  </a:cubicBezTo>
+                  <a:cubicBezTo>
+                    <a:pt x="34" y="523"/>
+                    <a:pt x="44" y="601"/>
+                    <a:pt x="57" y="679"/>
+                  </a:cubicBezTo>
+                  <a:cubicBezTo>
+                    <a:pt x="69" y="757"/>
+                    <a:pt x="84" y="834"/>
+                    <a:pt x="101" y="911"/>
+                  </a:cubicBezTo>
+                  <a:cubicBezTo>
+                    <a:pt x="102" y="914"/>
+                    <a:pt x="103" y="917"/>
+                    <a:pt x="103" y="920"/>
+                  </a:cubicBezTo>
+                  <a:cubicBezTo>
+                    <a:pt x="102" y="905"/>
+                    <a:pt x="100" y="889"/>
+                    <a:pt x="99" y="874"/>
+                  </a:cubicBezTo>
+                  <a:cubicBezTo>
+                    <a:pt x="99" y="871"/>
+                    <a:pt x="99" y="868"/>
+                    <a:pt x="99" y="866"/>
+                  </a:cubicBezTo>
+                  <a:cubicBezTo>
+                    <a:pt x="85" y="803"/>
+                    <a:pt x="73" y="741"/>
+                    <a:pt x="63" y="678"/>
+                  </a:cubicBezTo>
+                  <a:cubicBezTo>
+                    <a:pt x="50" y="600"/>
+                    <a:pt x="39" y="523"/>
+                    <a:pt x="30" y="444"/>
+                  </a:cubicBezTo>
+                  <a:cubicBezTo>
+                    <a:pt x="21" y="366"/>
+                    <a:pt x="14" y="288"/>
+                    <a:pt x="9" y="209"/>
+                  </a:cubicBezTo>
+                  <a:cubicBezTo>
+                    <a:pt x="7" y="170"/>
+                    <a:pt x="5" y="131"/>
+                    <a:pt x="3" y="92"/>
+                  </a:cubicBezTo>
+                  <a:cubicBezTo>
+                    <a:pt x="2" y="61"/>
+                    <a:pt x="1" y="31"/>
+                    <a:pt x="1" y="0"/>
+                  </a:cubicBezTo>
+                  <a:cubicBezTo>
+                    <a:pt x="0" y="0"/>
+                    <a:pt x="0" y="0"/>
+                    <a:pt x="0" y="0"/>
+                  </a:cubicBezTo>
+                  <a:cubicBezTo>
+                    <a:pt x="0" y="31"/>
+                    <a:pt x="1" y="61"/>
+                    <a:pt x="1" y="92"/>
+                  </a:cubicBezTo>
+                  <a:cubicBezTo>
+                    <a:pt x="3" y="131"/>
+                    <a:pt x="4" y="170"/>
+                    <a:pt x="7" y="210"/>
+                  </a:cubicBezTo>
+                  <a:close/>
+                </a:path>
+              </a:pathLst>
+            </a:custGeom>
+            <a:solidFill>
+              <a:schemeClr val="tx2"/>
+            </a:solidFill>
+            <a:ln>
+              <a:noFill/>
+            </a:ln>
+          </p:spPr>
+        </p:sp>
+        <p:sp>
+          <p:nvSpPr>
+            <p:cNvPr id="12" name="Freeform 28"/>
+            <p:cNvSpPr/>
+            <p:nvPr/>
+          </p:nvSpPr>
+          <p:spPr bwMode="auto">
+            <a:xfrm>
+              <a:off x="7061201" y="3771900"/>
+              <a:ext cx="350838" cy="1309688"/>
+            </a:xfrm>
+            <a:custGeom>
+              <a:avLst/>
+              <a:gdLst/>
+              <a:ahLst/>
+              <a:cxnLst/>
+              <a:rect l="0" t="0" r="r" b="b"/>
+              <a:pathLst>
+                <a:path w="88" h="330">
+                  <a:moveTo>
+                    <a:pt x="53" y="229"/>
+                  </a:moveTo>
+                  <a:cubicBezTo>
+                    <a:pt x="64" y="263"/>
+                    <a:pt x="75" y="297"/>
+                    <a:pt x="88" y="330"/>
+                  </a:cubicBezTo>
+                  <a:cubicBezTo>
+                    <a:pt x="88" y="323"/>
+                    <a:pt x="88" y="315"/>
+                    <a:pt x="88" y="308"/>
+                  </a:cubicBezTo>
+                  <a:cubicBezTo>
+                    <a:pt x="88" y="307"/>
+                    <a:pt x="88" y="305"/>
+                    <a:pt x="88" y="304"/>
+                  </a:cubicBezTo>
+                  <a:cubicBezTo>
+                    <a:pt x="79" y="278"/>
+                    <a:pt x="70" y="252"/>
+                    <a:pt x="62" y="226"/>
+                  </a:cubicBezTo>
+                  <a:cubicBezTo>
+                    <a:pt x="38" y="152"/>
+                    <a:pt x="17" y="76"/>
+                    <a:pt x="0" y="0"/>
+                  </a:cubicBezTo>
+                  <a:cubicBezTo>
+                    <a:pt x="2" y="21"/>
+                    <a:pt x="4" y="42"/>
+                    <a:pt x="7" y="63"/>
+                  </a:cubicBezTo>
+                  <a:cubicBezTo>
+                    <a:pt x="21" y="119"/>
+                    <a:pt x="36" y="174"/>
+                    <a:pt x="53" y="229"/>
+                  </a:cubicBezTo>
+                  <a:close/>
+                </a:path>
+              </a:pathLst>
+            </a:custGeom>
+            <a:solidFill>
+              <a:schemeClr val="tx2"/>
+            </a:solidFill>
+            <a:ln>
+              <a:noFill/>
+            </a:ln>
+          </p:spPr>
+        </p:sp>
+        <p:sp>
+          <p:nvSpPr>
+            <p:cNvPr id="13" name="Freeform 29"/>
+            <p:cNvSpPr/>
+            <p:nvPr/>
+          </p:nvSpPr>
+          <p:spPr bwMode="auto">
+            <a:xfrm>
+              <a:off x="7439026" y="5053013"/>
+              <a:ext cx="357188" cy="820738"/>
+            </a:xfrm>
+            <a:custGeom>
+              <a:avLst/>
+              <a:gdLst/>
+              <a:ahLst/>
+              <a:cxnLst/>
+              <a:rect l="0" t="0" r="r" b="b"/>
+              <a:pathLst>
+                <a:path w="90" h="207">
+                  <a:moveTo>
+                    <a:pt x="6" y="15"/>
+                  </a:moveTo>
+                  <a:cubicBezTo>
+                    <a:pt x="4" y="10"/>
+                    <a:pt x="2" y="5"/>
+                    <a:pt x="0" y="0"/>
+                  </a:cubicBezTo>
+                  <a:cubicBezTo>
+                    <a:pt x="0" y="9"/>
+                    <a:pt x="0" y="19"/>
+                    <a:pt x="1" y="29"/>
+                  </a:cubicBezTo>
+                  <a:cubicBezTo>
+                    <a:pt x="14" y="62"/>
+                    <a:pt x="27" y="95"/>
+                    <a:pt x="42" y="127"/>
+                  </a:cubicBezTo>
+                  <a:cubicBezTo>
+                    <a:pt x="54" y="154"/>
+                    <a:pt x="67" y="181"/>
+                    <a:pt x="80" y="207"/>
+                  </a:cubicBezTo>
+                  <a:cubicBezTo>
+                    <a:pt x="90" y="207"/>
+                    <a:pt x="90" y="207"/>
+                    <a:pt x="90" y="207"/>
+                  </a:cubicBezTo>
+                  <a:cubicBezTo>
+                    <a:pt x="76" y="180"/>
+                    <a:pt x="63" y="152"/>
+                    <a:pt x="50" y="123"/>
+                  </a:cubicBezTo>
+                  <a:cubicBezTo>
+                    <a:pt x="34" y="88"/>
+                    <a:pt x="20" y="51"/>
+                    <a:pt x="6" y="15"/>
+                  </a:cubicBezTo>
+                  <a:close/>
+                </a:path>
+              </a:pathLst>
+            </a:custGeom>
+            <a:solidFill>
+              <a:schemeClr val="tx2"/>
+            </a:solidFill>
+            <a:ln>
+              <a:noFill/>
+            </a:ln>
+          </p:spPr>
+        </p:sp>
+        <p:sp>
+          <p:nvSpPr>
+            <p:cNvPr id="14" name="Freeform 30"/>
+            <p:cNvSpPr/>
+            <p:nvPr/>
+          </p:nvSpPr>
+          <p:spPr bwMode="auto">
+            <a:xfrm>
+              <a:off x="7037388" y="3811588"/>
+              <a:ext cx="457200" cy="1852613"/>
+            </a:xfrm>
+            <a:custGeom>
+              <a:avLst/>
+              <a:gdLst/>
+              <a:ahLst/>
+              <a:cxnLst/>
+              <a:rect l="0" t="0" r="r" b="b"/>
+              <a:pathLst>
+                <a:path w="115" h="467">
+                  <a:moveTo>
+                    <a:pt x="101" y="409"/>
+                  </a:moveTo>
+                  <a:cubicBezTo>
+                    <a:pt x="93" y="388"/>
+                    <a:pt x="85" y="366"/>
+                    <a:pt x="78" y="344"/>
+                  </a:cubicBezTo>
+                  <a:cubicBezTo>
+                    <a:pt x="57" y="281"/>
+                    <a:pt x="41" y="216"/>
+                    <a:pt x="29" y="151"/>
+                  </a:cubicBezTo>
+                  <a:cubicBezTo>
+                    <a:pt x="22" y="119"/>
+                    <a:pt x="17" y="86"/>
+                    <a:pt x="13" y="53"/>
+                  </a:cubicBezTo>
+                  <a:cubicBezTo>
+                    <a:pt x="9" y="35"/>
+                    <a:pt x="4" y="18"/>
+                    <a:pt x="0" y="0"/>
+                  </a:cubicBezTo>
+                  <a:cubicBezTo>
+                    <a:pt x="5" y="51"/>
+                    <a:pt x="12" y="102"/>
+                    <a:pt x="21" y="152"/>
+                  </a:cubicBezTo>
+                  <a:cubicBezTo>
+                    <a:pt x="33" y="218"/>
+                    <a:pt x="49" y="283"/>
+                    <a:pt x="69" y="347"/>
+                  </a:cubicBezTo>
+                  <a:cubicBezTo>
+                    <a:pt x="79" y="378"/>
+                    <a:pt x="90" y="410"/>
+                    <a:pt x="103" y="441"/>
+                  </a:cubicBezTo>
+                  <a:cubicBezTo>
+                    <a:pt x="107" y="449"/>
+                    <a:pt x="111" y="458"/>
+                    <a:pt x="115" y="467"/>
+                  </a:cubicBezTo>
+                  <a:cubicBezTo>
+                    <a:pt x="114" y="464"/>
+                    <a:pt x="113" y="461"/>
+                    <a:pt x="112" y="458"/>
+                  </a:cubicBezTo>
+                  <a:cubicBezTo>
+                    <a:pt x="108" y="442"/>
+                    <a:pt x="104" y="425"/>
+                    <a:pt x="101" y="409"/>
+                  </a:cubicBezTo>
+                  <a:close/>
+                </a:path>
+              </a:pathLst>
+            </a:custGeom>
+            <a:solidFill>
+              <a:schemeClr val="tx2"/>
+            </a:solidFill>
+            <a:ln>
+              <a:noFill/>
+            </a:ln>
+          </p:spPr>
+        </p:sp>
+        <p:sp>
+          <p:nvSpPr>
+            <p:cNvPr id="15" name="Freeform 31"/>
+            <p:cNvSpPr/>
+            <p:nvPr/>
+          </p:nvSpPr>
+          <p:spPr bwMode="auto">
+            <a:xfrm>
+              <a:off x="6992938" y="1263650"/>
+              <a:ext cx="144463" cy="2508250"/>
+            </a:xfrm>
+            <a:custGeom>
+              <a:avLst/>
+              <a:gdLst/>
+              <a:ahLst/>
+              <a:cxnLst/>
+              <a:rect l="0" t="0" r="r" b="b"/>
+              <a:pathLst>
+                <a:path w="36" h="633">
+                  <a:moveTo>
+                    <a:pt x="17" y="633"/>
+                  </a:moveTo>
+                  <a:cubicBezTo>
+                    <a:pt x="15" y="621"/>
+                    <a:pt x="14" y="609"/>
+                    <a:pt x="13" y="597"/>
+                  </a:cubicBezTo>
+                  <a:cubicBezTo>
+                    <a:pt x="8" y="530"/>
+                    <a:pt x="5" y="464"/>
+                    <a:pt x="5" y="398"/>
+                  </a:cubicBezTo>
+                  <a:cubicBezTo>
+                    <a:pt x="5" y="331"/>
+                    <a:pt x="8" y="265"/>
+                    <a:pt x="13" y="198"/>
+                  </a:cubicBezTo>
+                  <a:cubicBezTo>
+                    <a:pt x="15" y="165"/>
+                    <a:pt x="18" y="132"/>
+                    <a:pt x="22" y="99"/>
+                  </a:cubicBezTo>
+                  <a:cubicBezTo>
+                    <a:pt x="26" y="66"/>
+                    <a:pt x="30" y="33"/>
+                    <a:pt x="36" y="0"/>
+                  </a:cubicBezTo>
+                  <a:cubicBezTo>
+                    <a:pt x="35" y="0"/>
+                    <a:pt x="35" y="0"/>
+                    <a:pt x="35" y="0"/>
+                  </a:cubicBezTo>
+                  <a:cubicBezTo>
+                    <a:pt x="29" y="33"/>
+                    <a:pt x="24" y="66"/>
+                    <a:pt x="20" y="99"/>
+                  </a:cubicBezTo>
+                  <a:cubicBezTo>
+                    <a:pt x="16" y="132"/>
+                    <a:pt x="13" y="165"/>
+                    <a:pt x="10" y="198"/>
+                  </a:cubicBezTo>
+                  <a:cubicBezTo>
+                    <a:pt x="4" y="264"/>
+                    <a:pt x="1" y="331"/>
+                    <a:pt x="1" y="398"/>
+                  </a:cubicBezTo>
+                  <a:cubicBezTo>
+                    <a:pt x="0" y="461"/>
+                    <a:pt x="2" y="525"/>
+                    <a:pt x="7" y="589"/>
+                  </a:cubicBezTo>
+                  <a:cubicBezTo>
+                    <a:pt x="10" y="603"/>
+                    <a:pt x="13" y="618"/>
+                    <a:pt x="16" y="632"/>
+                  </a:cubicBezTo>
+                  <a:cubicBezTo>
+                    <a:pt x="16" y="632"/>
+                    <a:pt x="17" y="633"/>
+                    <a:pt x="17" y="633"/>
+                  </a:cubicBezTo>
+                  <a:close/>
+                </a:path>
+              </a:pathLst>
+            </a:custGeom>
+            <a:solidFill>
+              <a:schemeClr val="tx2"/>
+            </a:solidFill>
+            <a:ln>
+              <a:noFill/>
+            </a:ln>
+          </p:spPr>
+        </p:sp>
+        <p:sp>
+          <p:nvSpPr>
+            <p:cNvPr id="16" name="Freeform 32"/>
+            <p:cNvSpPr/>
+            <p:nvPr/>
+          </p:nvSpPr>
+          <p:spPr bwMode="auto">
+            <a:xfrm>
+              <a:off x="7526338" y="5640388"/>
+              <a:ext cx="111125" cy="233363"/>
+            </a:xfrm>
+            <a:custGeom>
+              <a:avLst/>
+              <a:gdLst/>
+              <a:ahLst/>
+              <a:cxnLst/>
+              <a:rect l="0" t="0" r="r" b="b"/>
+              <a:pathLst>
+                <a:path w="28" h="59">
+                  <a:moveTo>
+                    <a:pt x="22" y="59"/>
+                  </a:moveTo>
+                  <a:cubicBezTo>
+                    <a:pt x="28" y="59"/>
+                    <a:pt x="28" y="59"/>
+                    <a:pt x="28" y="59"/>
+                  </a:cubicBezTo>
+                  <a:cubicBezTo>
+                    <a:pt x="18" y="40"/>
+                    <a:pt x="9" y="20"/>
+                    <a:pt x="0" y="0"/>
+                  </a:cubicBezTo>
+                  <a:cubicBezTo>
+                    <a:pt x="6" y="20"/>
+                    <a:pt x="13" y="40"/>
+                    <a:pt x="22" y="59"/>
+                  </a:cubicBezTo>
+                  <a:close/>
+                </a:path>
+              </a:pathLst>
+            </a:custGeom>
+            <a:solidFill>
+              <a:schemeClr val="tx2"/>
+            </a:solidFill>
+            <a:ln>
+              <a:noFill/>
+            </a:ln>
+          </p:spPr>
+        </p:sp>
+        <p:sp>
+          <p:nvSpPr>
+            <p:cNvPr id="17" name="Freeform 33"/>
+            <p:cNvSpPr/>
+            <p:nvPr/>
+          </p:nvSpPr>
+          <p:spPr bwMode="auto">
+            <a:xfrm>
+              <a:off x="7021513" y="3598863"/>
+              <a:ext cx="68263" cy="423863"/>
+            </a:xfrm>
+            <a:custGeom>
+              <a:avLst/>
+              <a:gdLst/>
+              <a:ahLst/>
+              <a:cxnLst/>
+              <a:rect l="0" t="0" r="r" b="b"/>
+              <a:pathLst>
+                <a:path w="17" h="107">
+                  <a:moveTo>
+                    <a:pt x="4" y="54"/>
+                  </a:moveTo>
+                  <a:cubicBezTo>
+                    <a:pt x="8" y="72"/>
+                    <a:pt x="13" y="89"/>
+                    <a:pt x="17" y="107"/>
+                  </a:cubicBezTo>
+                  <a:cubicBezTo>
+                    <a:pt x="14" y="86"/>
+                    <a:pt x="12" y="65"/>
+                    <a:pt x="10" y="44"/>
+                  </a:cubicBezTo>
+                  <a:cubicBezTo>
+                    <a:pt x="10" y="44"/>
+                    <a:pt x="9" y="43"/>
+                    <a:pt x="9" y="43"/>
+                  </a:cubicBezTo>
+                  <a:cubicBezTo>
+                    <a:pt x="6" y="29"/>
+                    <a:pt x="3" y="14"/>
+                    <a:pt x="0" y="0"/>
+                  </a:cubicBezTo>
+                  <a:cubicBezTo>
+                    <a:pt x="0" y="2"/>
+                    <a:pt x="0" y="5"/>
+                    <a:pt x="0" y="8"/>
+                  </a:cubicBezTo>
+                  <a:cubicBezTo>
+                    <a:pt x="1" y="23"/>
+                    <a:pt x="3" y="39"/>
+                    <a:pt x="4" y="54"/>
+                  </a:cubicBezTo>
+                  <a:close/>
+                </a:path>
+              </a:pathLst>
+            </a:custGeom>
+            <a:solidFill>
+              <a:schemeClr val="tx2"/>
+            </a:solidFill>
+            <a:ln>
+              <a:noFill/>
+            </a:ln>
+          </p:spPr>
+        </p:sp>
+        <p:sp>
+          <p:nvSpPr>
+            <p:cNvPr id="18" name="Freeform 34"/>
+            <p:cNvSpPr/>
+            <p:nvPr/>
+          </p:nvSpPr>
+          <p:spPr bwMode="auto">
+            <a:xfrm>
+              <a:off x="7412038" y="2801938"/>
+              <a:ext cx="1168400" cy="2251075"/>
+            </a:xfrm>
+            <a:custGeom>
+              <a:avLst/>
+              <a:gdLst/>
+              <a:ahLst/>
+              <a:cxnLst/>
+              <a:rect l="0" t="0" r="r" b="b"/>
+              <a:pathLst>
+                <a:path w="294" h="568">
+                  <a:moveTo>
+                    <a:pt x="8" y="553"/>
+                  </a:moveTo>
+                  <a:cubicBezTo>
+                    <a:pt x="9" y="501"/>
+                    <a:pt x="19" y="448"/>
+                    <a:pt x="35" y="397"/>
+                  </a:cubicBezTo>
+                  <a:cubicBezTo>
+                    <a:pt x="51" y="347"/>
+                    <a:pt x="73" y="298"/>
+                    <a:pt x="99" y="252"/>
+                  </a:cubicBezTo>
+                  <a:cubicBezTo>
+                    <a:pt x="124" y="205"/>
+                    <a:pt x="154" y="161"/>
+                    <a:pt x="187" y="119"/>
+                  </a:cubicBezTo>
+                  <a:cubicBezTo>
+                    <a:pt x="203" y="98"/>
+                    <a:pt x="220" y="77"/>
+                    <a:pt x="238" y="58"/>
+                  </a:cubicBezTo>
+                  <a:cubicBezTo>
+                    <a:pt x="247" y="48"/>
+                    <a:pt x="256" y="38"/>
+                    <a:pt x="265" y="28"/>
+                  </a:cubicBezTo>
+                  <a:cubicBezTo>
+                    <a:pt x="274" y="19"/>
+                    <a:pt x="284" y="9"/>
+                    <a:pt x="294" y="0"/>
+                  </a:cubicBezTo>
+                  <a:cubicBezTo>
+                    <a:pt x="293" y="0"/>
+                    <a:pt x="293" y="0"/>
+                    <a:pt x="293" y="0"/>
+                  </a:cubicBezTo>
+                  <a:cubicBezTo>
+                    <a:pt x="283" y="9"/>
+                    <a:pt x="273" y="18"/>
+                    <a:pt x="264" y="27"/>
+                  </a:cubicBezTo>
+                  <a:cubicBezTo>
+                    <a:pt x="255" y="37"/>
+                    <a:pt x="246" y="47"/>
+                    <a:pt x="237" y="56"/>
+                  </a:cubicBezTo>
+                  <a:cubicBezTo>
+                    <a:pt x="218" y="76"/>
+                    <a:pt x="201" y="96"/>
+                    <a:pt x="185" y="117"/>
+                  </a:cubicBezTo>
+                  <a:cubicBezTo>
+                    <a:pt x="151" y="159"/>
+                    <a:pt x="121" y="203"/>
+                    <a:pt x="95" y="249"/>
+                  </a:cubicBezTo>
+                  <a:cubicBezTo>
+                    <a:pt x="68" y="296"/>
+                    <a:pt x="46" y="345"/>
+                    <a:pt x="30" y="396"/>
+                  </a:cubicBezTo>
+                  <a:cubicBezTo>
+                    <a:pt x="13" y="445"/>
+                    <a:pt x="3" y="497"/>
+                    <a:pt x="0" y="549"/>
+                  </a:cubicBezTo>
+                  <a:cubicBezTo>
+                    <a:pt x="3" y="555"/>
+                    <a:pt x="5" y="561"/>
+                    <a:pt x="7" y="568"/>
+                  </a:cubicBezTo>
+                  <a:cubicBezTo>
+                    <a:pt x="7" y="563"/>
+                    <a:pt x="7" y="558"/>
+                    <a:pt x="8" y="553"/>
+                  </a:cubicBezTo>
+                  <a:close/>
+                </a:path>
+              </a:pathLst>
+            </a:custGeom>
+            <a:solidFill>
+              <a:schemeClr val="tx2"/>
+            </a:solidFill>
+            <a:ln>
+              <a:noFill/>
+            </a:ln>
+          </p:spPr>
+        </p:sp>
+        <p:sp>
+          <p:nvSpPr>
+            <p:cNvPr id="19" name="Freeform 35"/>
+            <p:cNvSpPr/>
+            <p:nvPr/>
+          </p:nvSpPr>
+          <p:spPr bwMode="auto">
+            <a:xfrm>
+              <a:off x="7494588" y="5664200"/>
+              <a:ext cx="100013" cy="209550"/>
+            </a:xfrm>
+            <a:custGeom>
+              <a:avLst/>
+              <a:gdLst/>
+              <a:ahLst/>
+              <a:cxnLst/>
+              <a:rect l="0" t="0" r="r" b="b"/>
+              <a:pathLst>
+                <a:path w="25" h="53">
+                  <a:moveTo>
+                    <a:pt x="0" y="0"/>
+                  </a:moveTo>
+                  <a:cubicBezTo>
+                    <a:pt x="5" y="18"/>
+                    <a:pt x="12" y="36"/>
+                    <a:pt x="19" y="53"/>
+                  </a:cubicBezTo>
+                  <a:cubicBezTo>
+                    <a:pt x="25" y="53"/>
+                    <a:pt x="25" y="53"/>
+                    <a:pt x="25" y="53"/>
+                  </a:cubicBezTo>
+                  <a:cubicBezTo>
+                    <a:pt x="16" y="36"/>
+                    <a:pt x="8" y="18"/>
+                    <a:pt x="0" y="0"/>
+                  </a:cubicBezTo>
+                  <a:close/>
+                </a:path>
+              </a:pathLst>
+            </a:custGeom>
+            <a:solidFill>
+              <a:schemeClr val="tx2"/>
+            </a:solidFill>
+            <a:ln>
+              <a:noFill/>
+            </a:ln>
+          </p:spPr>
+        </p:sp>
+        <p:sp>
+          <p:nvSpPr>
+            <p:cNvPr id="20" name="Freeform 36"/>
+            <p:cNvSpPr/>
+            <p:nvPr/>
+          </p:nvSpPr>
+          <p:spPr bwMode="auto">
+            <a:xfrm>
+              <a:off x="7412038" y="5081588"/>
+              <a:ext cx="114300" cy="558800"/>
+            </a:xfrm>
+            <a:custGeom>
+              <a:avLst/>
+              <a:gdLst/>
+              <a:ahLst/>
+              <a:cxnLst/>
+              <a:rect l="0" t="0" r="r" b="b"/>
+              <a:pathLst>
+                <a:path w="29" h="141">
+                  <a:moveTo>
+                    <a:pt x="0" y="0"/>
+                  </a:moveTo>
+                  <a:cubicBezTo>
+                    <a:pt x="0" y="30"/>
+                    <a:pt x="2" y="60"/>
+                    <a:pt x="7" y="89"/>
+                  </a:cubicBezTo>
+                  <a:cubicBezTo>
+                    <a:pt x="11" y="98"/>
+                    <a:pt x="14" y="108"/>
+                    <a:pt x="18" y="117"/>
+                  </a:cubicBezTo>
+                  <a:cubicBezTo>
+                    <a:pt x="22" y="125"/>
+                    <a:pt x="25" y="133"/>
+                    <a:pt x="29" y="141"/>
+                  </a:cubicBezTo>
+                  <a:cubicBezTo>
+                    <a:pt x="28" y="139"/>
+                    <a:pt x="28" y="137"/>
+                    <a:pt x="27" y="135"/>
+                  </a:cubicBezTo>
+                  <a:cubicBezTo>
+                    <a:pt x="16" y="98"/>
+                    <a:pt x="10" y="60"/>
+                    <a:pt x="8" y="22"/>
+                  </a:cubicBezTo>
+                  <a:cubicBezTo>
+                    <a:pt x="7" y="18"/>
+                    <a:pt x="5" y="15"/>
+                    <a:pt x="4" y="11"/>
+                  </a:cubicBezTo>
+                  <a:cubicBezTo>
+                    <a:pt x="2" y="7"/>
+                    <a:pt x="1" y="3"/>
+                    <a:pt x="0" y="0"/>
+                  </a:cubicBezTo>
+                  <a:close/>
+                </a:path>
+              </a:pathLst>
+            </a:custGeom>
+            <a:solidFill>
+              <a:schemeClr val="tx2"/>
+            </a:solidFill>
+            <a:ln>
+              <a:noFill/>
+            </a:ln>
+          </p:spPr>
+        </p:sp>
+        <p:sp>
+          <p:nvSpPr>
+            <p:cNvPr id="21" name="Freeform 37"/>
+            <p:cNvSpPr/>
+            <p:nvPr/>
+          </p:nvSpPr>
+          <p:spPr bwMode="auto">
+            <a:xfrm>
+              <a:off x="7412038" y="4978400"/>
+              <a:ext cx="31750" cy="188913"/>
+            </a:xfrm>
+            <a:custGeom>
+              <a:avLst/>
+              <a:gdLst/>
+              <a:ahLst/>
+              <a:cxnLst/>
+              <a:rect l="0" t="0" r="r" b="b"/>
+              <a:pathLst>
+                <a:path w="8" h="48">
+                  <a:moveTo>
+                    <a:pt x="0" y="26"/>
+                  </a:moveTo>
+                  <a:cubicBezTo>
+                    <a:pt x="1" y="29"/>
+                    <a:pt x="2" y="33"/>
+                    <a:pt x="4" y="37"/>
+                  </a:cubicBezTo>
+                  <a:cubicBezTo>
+                    <a:pt x="5" y="41"/>
+                    <a:pt x="7" y="44"/>
+                    <a:pt x="8" y="48"/>
+                  </a:cubicBezTo>
+                  <a:cubicBezTo>
+                    <a:pt x="7" y="38"/>
+                    <a:pt x="7" y="28"/>
+                    <a:pt x="7" y="19"/>
+                  </a:cubicBezTo>
+                  <a:cubicBezTo>
+                    <a:pt x="5" y="12"/>
+                    <a:pt x="3" y="6"/>
+                    <a:pt x="0" y="0"/>
+                  </a:cubicBezTo>
+                  <a:cubicBezTo>
+                    <a:pt x="0" y="1"/>
+                    <a:pt x="0" y="3"/>
+                    <a:pt x="0" y="4"/>
+                  </a:cubicBezTo>
+                  <a:cubicBezTo>
+                    <a:pt x="0" y="11"/>
+                    <a:pt x="0" y="19"/>
+                    <a:pt x="0" y="26"/>
+                  </a:cubicBezTo>
+                  <a:close/>
+                </a:path>
+              </a:pathLst>
+            </a:custGeom>
+            <a:solidFill>
+              <a:schemeClr val="tx2"/>
+            </a:solidFill>
+            <a:ln>
+              <a:noFill/>
+            </a:ln>
+          </p:spPr>
+        </p:sp>
+        <p:sp>
+          <p:nvSpPr>
+            <p:cNvPr id="22" name="Freeform 38"/>
+            <p:cNvSpPr/>
+            <p:nvPr/>
+          </p:nvSpPr>
+          <p:spPr bwMode="auto">
+            <a:xfrm>
+              <a:off x="7439026" y="5434013"/>
+              <a:ext cx="174625" cy="439738"/>
+            </a:xfrm>
+            <a:custGeom>
+              <a:avLst/>
+              <a:gdLst/>
+              <a:ahLst/>
+              <a:cxnLst/>
+              <a:rect l="0" t="0" r="r" b="b"/>
+              <a:pathLst>
+                <a:path w="44" h="111">
+                  <a:moveTo>
+                    <a:pt x="11" y="28"/>
+                  </a:moveTo>
+                  <a:cubicBezTo>
+                    <a:pt x="7" y="19"/>
+                    <a:pt x="4" y="9"/>
+                    <a:pt x="0" y="0"/>
+                  </a:cubicBezTo>
+                  <a:cubicBezTo>
+                    <a:pt x="3" y="16"/>
+                    <a:pt x="7" y="33"/>
+                    <a:pt x="11" y="49"/>
+                  </a:cubicBezTo>
+                  <a:cubicBezTo>
+                    <a:pt x="12" y="52"/>
+                    <a:pt x="13" y="55"/>
+                    <a:pt x="14" y="58"/>
+                  </a:cubicBezTo>
+                  <a:cubicBezTo>
+                    <a:pt x="22" y="76"/>
+                    <a:pt x="30" y="94"/>
+                    <a:pt x="39" y="111"/>
+                  </a:cubicBezTo>
+                  <a:cubicBezTo>
+                    <a:pt x="44" y="111"/>
+                    <a:pt x="44" y="111"/>
+                    <a:pt x="44" y="111"/>
+                  </a:cubicBezTo>
+                  <a:cubicBezTo>
+                    <a:pt x="35" y="92"/>
+                    <a:pt x="28" y="72"/>
+                    <a:pt x="22" y="52"/>
+                  </a:cubicBezTo>
+                  <a:cubicBezTo>
+                    <a:pt x="18" y="44"/>
+                    <a:pt x="15" y="36"/>
+                    <a:pt x="11" y="28"/>
+                  </a:cubicBezTo>
+                  <a:close/>
+                </a:path>
+              </a:pathLst>
+            </a:custGeom>
+            <a:solidFill>
+              <a:schemeClr val="tx2"/>
+            </a:solidFill>
+            <a:ln>
+              <a:noFill/>
+            </a:ln>
+          </p:spPr>
+        </p:sp>
+      </p:grpSp>
+      <p:sp>
+        <p:nvSpPr>
+          <p:cNvPr id="7" name="Rectangle 6"/>
+          <p:cNvSpPr/>
+          <p:nvPr/>
         </p:nvSpPr>
         <p:spPr>
           <a:xfrm>
-            <a:off x="838200" y="365125"/>
-            <a:ext cx="10515600" cy="1325563"/>
+            <a:off x="0" y="0"/>
+            <a:ext cx="182880" cy="6858000"/>
+          </a:xfrm>
+          <a:prstGeom prst="rect">
+            <a:avLst/>
+          </a:prstGeom>
+          <a:solidFill>
+            <a:schemeClr val="tx2"/>
+          </a:solidFill>
+          <a:ln>
+            <a:noFill/>
+          </a:ln>
+          <a:effectLst/>
+        </p:spPr>
+        <p:style>
+          <a:lnRef idx="1">
+            <a:schemeClr val="accent1"/>
+          </a:lnRef>
+          <a:fillRef idx="3">
+            <a:schemeClr val="accent1"/>
+          </a:fillRef>
+          <a:effectRef idx="2">
+            <a:schemeClr val="accent1"/>
+          </a:effectRef>
+          <a:fontRef idx="minor">
+            <a:schemeClr val="lt1"/>
+          </a:fontRef>
+        </p:style>
+      </p:sp>
+      <p:sp>
+        <p:nvSpPr>
+          <p:cNvPr id="2" name="Title Placeholder 1"/>
+          <p:cNvSpPr>
+            <a:spLocks noGrp="1"/>
+          </p:cNvSpPr>
+          <p:nvPr>
+            <p:ph type="title"/>
+          </p:nvPr>
+        </p:nvSpPr>
+        <p:spPr>
+          <a:xfrm>
+            <a:off x="2592924" y="624110"/>
+            <a:ext cx="8911687" cy="1280890"/>
           </a:xfrm>
           <a:prstGeom prst="rect">
             <a:avLst/>
           </a:prstGeom>
         </p:spPr>
         <p:txBody>
-          <a:bodyPr vert="horz" lIns="91440" tIns="45720" rIns="91440" bIns="45720" rtlCol="0" anchor="ctr">
+          <a:bodyPr vert="horz" lIns="91440" tIns="45720" rIns="91440" bIns="45720" rtlCol="0" anchor="t">
             <a:normAutofit/>
           </a:bodyPr>
           <a:lstStyle/>
           <a:p>
             <a:r>
-              <a:rPr kumimoji="1" lang="ja-JP" altLang="en-US" smtClean="0"/>
+              <a:rPr lang="ja-JP" altLang="en-US" smtClean="0"/>
               <a:t>マスター タイトルの書式設定</a:t>
             </a:r>
-            <a:endParaRPr kumimoji="1" lang="ja-JP" altLang="en-US"/>
-          </a:p>
-        </p:txBody>
-      </p:sp>
-      <p:sp>
-        <p:nvSpPr>
-          <p:cNvPr id="3" name="テキスト プレースホルダー 2"/>
+            <a:endParaRPr lang="en-US" dirty="0"/>
+          </a:p>
+        </p:txBody>
+      </p:sp>
+      <p:sp>
+        <p:nvSpPr>
+          <p:cNvPr id="3" name="Text Placeholder 2"/>
           <p:cNvSpPr>
             <a:spLocks noGrp="1"/>
           </p:cNvSpPr>
@@ -2734,8 +7333,8 @@
         </p:nvSpPr>
         <p:spPr>
           <a:xfrm>
-            <a:off x="838200" y="1825625"/>
-            <a:ext cx="10515600" cy="4351338"/>
+            <a:off x="2589212" y="2133600"/>
+            <a:ext cx="8915400" cy="3886200"/>
           </a:xfrm>
           <a:prstGeom prst="rect">
             <a:avLst/>
@@ -2749,76 +7348,76 @@
           <a:p>
             <a:pPr lvl="0"/>
             <a:r>
-              <a:rPr kumimoji="1" lang="ja-JP" altLang="en-US" smtClean="0"/>
+              <a:rPr lang="ja-JP" altLang="en-US" smtClean="0"/>
               <a:t>マスター テキストの書式設定</a:t>
             </a:r>
           </a:p>
           <a:p>
             <a:pPr lvl="1"/>
             <a:r>
-              <a:rPr kumimoji="1" lang="ja-JP" altLang="en-US" smtClean="0"/>
+              <a:rPr lang="ja-JP" altLang="en-US" smtClean="0"/>
               <a:t>第 </a:t>
             </a:r>
             <a:r>
-              <a:rPr kumimoji="1" lang="en-US" altLang="ja-JP" smtClean="0"/>
+              <a:rPr lang="en-US" altLang="ja-JP" smtClean="0"/>
               <a:t>2 </a:t>
             </a:r>
             <a:r>
-              <a:rPr kumimoji="1" lang="ja-JP" altLang="en-US" smtClean="0"/>
+              <a:rPr lang="ja-JP" altLang="en-US" smtClean="0"/>
               <a:t>レベル</a:t>
             </a:r>
           </a:p>
           <a:p>
             <a:pPr lvl="2"/>
             <a:r>
-              <a:rPr kumimoji="1" lang="ja-JP" altLang="en-US" smtClean="0"/>
+              <a:rPr lang="ja-JP" altLang="en-US" smtClean="0"/>
               <a:t>第 </a:t>
             </a:r>
             <a:r>
-              <a:rPr kumimoji="1" lang="en-US" altLang="ja-JP" smtClean="0"/>
+              <a:rPr lang="en-US" altLang="ja-JP" smtClean="0"/>
               <a:t>3 </a:t>
             </a:r>
             <a:r>
-              <a:rPr kumimoji="1" lang="ja-JP" altLang="en-US" smtClean="0"/>
+              <a:rPr lang="ja-JP" altLang="en-US" smtClean="0"/>
               <a:t>レベル</a:t>
             </a:r>
           </a:p>
           <a:p>
             <a:pPr lvl="3"/>
             <a:r>
-              <a:rPr kumimoji="1" lang="ja-JP" altLang="en-US" smtClean="0"/>
+              <a:rPr lang="ja-JP" altLang="en-US" smtClean="0"/>
               <a:t>第 </a:t>
             </a:r>
             <a:r>
-              <a:rPr kumimoji="1" lang="en-US" altLang="ja-JP" smtClean="0"/>
+              <a:rPr lang="en-US" altLang="ja-JP" smtClean="0"/>
               <a:t>4 </a:t>
             </a:r>
             <a:r>
-              <a:rPr kumimoji="1" lang="ja-JP" altLang="en-US" smtClean="0"/>
+              <a:rPr lang="ja-JP" altLang="en-US" smtClean="0"/>
               <a:t>レベル</a:t>
             </a:r>
           </a:p>
           <a:p>
             <a:pPr lvl="4"/>
             <a:r>
-              <a:rPr kumimoji="1" lang="ja-JP" altLang="en-US" smtClean="0"/>
+              <a:rPr lang="ja-JP" altLang="en-US" smtClean="0"/>
               <a:t>第 </a:t>
             </a:r>
             <a:r>
-              <a:rPr kumimoji="1" lang="en-US" altLang="ja-JP" smtClean="0"/>
+              <a:rPr lang="en-US" altLang="ja-JP" smtClean="0"/>
               <a:t>5 </a:t>
             </a:r>
             <a:r>
-              <a:rPr kumimoji="1" lang="ja-JP" altLang="en-US" smtClean="0"/>
+              <a:rPr lang="ja-JP" altLang="en-US" smtClean="0"/>
               <a:t>レベル</a:t>
             </a:r>
-            <a:endParaRPr kumimoji="1" lang="ja-JP" altLang="en-US"/>
-          </a:p>
-        </p:txBody>
-      </p:sp>
-      <p:sp>
-        <p:nvSpPr>
-          <p:cNvPr id="4" name="日付プレースホルダー 3"/>
+            <a:endParaRPr lang="en-US" dirty="0"/>
+          </a:p>
+        </p:txBody>
+      </p:sp>
+      <p:sp>
+        <p:nvSpPr>
+          <p:cNvPr id="4" name="Date Placeholder 3"/>
           <p:cNvSpPr>
             <a:spLocks noGrp="1"/>
           </p:cNvSpPr>
@@ -2828,8 +7427,8 @@
         </p:nvSpPr>
         <p:spPr>
           <a:xfrm>
-            <a:off x="838200" y="6356350"/>
-            <a:ext cx="2743200" cy="365125"/>
+            <a:off x="10361612" y="6130437"/>
+            <a:ext cx="1146283" cy="370396"/>
           </a:xfrm>
           <a:prstGeom prst="rect">
             <a:avLst/>
@@ -2838,8 +7437,8 @@
         <p:txBody>
           <a:bodyPr vert="horz" lIns="91440" tIns="45720" rIns="91440" bIns="45720" rtlCol="0" anchor="ctr"/>
           <a:lstStyle>
-            <a:lvl1pPr algn="l">
-              <a:defRPr sz="1200">
+            <a:lvl1pPr algn="r">
+              <a:defRPr sz="900">
                 <a:solidFill>
                   <a:schemeClr val="tx1">
                     <a:tint val="75000"/>
@@ -2851,7 +7450,7 @@
           <a:p>
             <a:fld id="{DD28D536-2A54-40F7-88B2-40A02AE714D2}" type="datetimeFigureOut">
               <a:rPr kumimoji="1" lang="ja-JP" altLang="en-US" smtClean="0"/>
-              <a:t>2015/12/23</a:t>
+              <a:t>2016/1/5</a:t>
             </a:fld>
             <a:endParaRPr kumimoji="1" lang="ja-JP" altLang="en-US"/>
           </a:p>
@@ -2859,7 +7458,7 @@
       </p:sp>
       <p:sp>
         <p:nvSpPr>
-          <p:cNvPr id="5" name="フッター プレースホルダー 4"/>
+          <p:cNvPr id="5" name="Footer Placeholder 4"/>
           <p:cNvSpPr>
             <a:spLocks noGrp="1"/>
           </p:cNvSpPr>
@@ -2869,8 +7468,8 @@
         </p:nvSpPr>
         <p:spPr>
           <a:xfrm>
-            <a:off x="4038600" y="6356350"/>
-            <a:ext cx="4114800" cy="365125"/>
+            <a:off x="2589212" y="6135808"/>
+            <a:ext cx="7619999" cy="365125"/>
           </a:xfrm>
           <a:prstGeom prst="rect">
             <a:avLst/>
@@ -2879,8 +7478,8 @@
         <p:txBody>
           <a:bodyPr vert="horz" lIns="91440" tIns="45720" rIns="91440" bIns="45720" rtlCol="0" anchor="ctr"/>
           <a:lstStyle>
-            <a:lvl1pPr algn="ctr">
-              <a:defRPr sz="1200">
+            <a:lvl1pPr algn="l">
+              <a:defRPr sz="900">
                 <a:solidFill>
                   <a:schemeClr val="tx1">
                     <a:tint val="75000"/>
@@ -2896,7 +7495,7 @@
       </p:sp>
       <p:sp>
         <p:nvSpPr>
-          <p:cNvPr id="6" name="スライド番号プレースホルダー 5"/>
+          <p:cNvPr id="6" name="Slide Number Placeholder 5"/>
           <p:cNvSpPr>
             <a:spLocks noGrp="1"/>
           </p:cNvSpPr>
@@ -2904,10 +7503,10 @@
             <p:ph type="sldNum" sz="quarter" idx="4"/>
           </p:nvPr>
         </p:nvSpPr>
-        <p:spPr>
+        <p:spPr bwMode="gray">
           <a:xfrm>
-            <a:off x="8610600" y="6356350"/>
-            <a:ext cx="2743200" cy="365125"/>
+            <a:off x="531812" y="787782"/>
+            <a:ext cx="779767" cy="365125"/>
           </a:xfrm>
           <a:prstGeom prst="rect">
             <a:avLst/>
@@ -2917,11 +7516,9 @@
           <a:bodyPr vert="horz" lIns="91440" tIns="45720" rIns="91440" bIns="45720" rtlCol="0" anchor="ctr"/>
           <a:lstStyle>
             <a:lvl1pPr algn="r">
-              <a:defRPr sz="1200">
+              <a:defRPr sz="2000">
                 <a:solidFill>
-                  <a:schemeClr val="tx1">
-                    <a:tint val="75000"/>
-                  </a:schemeClr>
+                  <a:srgbClr val="FEFFFF"/>
                 </a:solidFill>
               </a:defRPr>
             </a:lvl1pPr>
@@ -2938,55 +7535,329 @@
     </p:spTree>
     <p:extLst>
       <p:ext uri="{BB962C8B-B14F-4D97-AF65-F5344CB8AC3E}">
-        <p14:creationId xmlns:p14="http://schemas.microsoft.com/office/powerpoint/2010/main" val="1095348661"/>
+        <p14:creationId xmlns:p14="http://schemas.microsoft.com/office/powerpoint/2010/main" val="543865030"/>
       </p:ext>
     </p:extLst>
   </p:cSld>
   <p:clrMap bg1="lt1" tx1="dk1" bg2="lt2" tx2="dk2" accent1="accent1" accent2="accent2" accent3="accent3" accent4="accent4" accent5="accent5" accent6="accent6" hlink="hlink" folHlink="folHlink"/>
   <p:sldLayoutIdLst>
-    <p:sldLayoutId id="2147483649" r:id="rId1"/>
-    <p:sldLayoutId id="2147483650" r:id="rId2"/>
-    <p:sldLayoutId id="2147483651" r:id="rId3"/>
-    <p:sldLayoutId id="2147483652" r:id="rId4"/>
-    <p:sldLayoutId id="2147483653" r:id="rId5"/>
-    <p:sldLayoutId id="2147483654" r:id="rId6"/>
-    <p:sldLayoutId id="2147483655" r:id="rId7"/>
-    <p:sldLayoutId id="2147483656" r:id="rId8"/>
-    <p:sldLayoutId id="2147483657" r:id="rId9"/>
-    <p:sldLayoutId id="2147483658" r:id="rId10"/>
-    <p:sldLayoutId id="2147483659" r:id="rId11"/>
+    <p:sldLayoutId id="2147483661" r:id="rId1"/>
+    <p:sldLayoutId id="2147483662" r:id="rId2"/>
+    <p:sldLayoutId id="2147483663" r:id="rId3"/>
+    <p:sldLayoutId id="2147483664" r:id="rId4"/>
+    <p:sldLayoutId id="2147483665" r:id="rId5"/>
+    <p:sldLayoutId id="2147483666" r:id="rId6"/>
+    <p:sldLayoutId id="2147483667" r:id="rId7"/>
+    <p:sldLayoutId id="2147483668" r:id="rId8"/>
+    <p:sldLayoutId id="2147483669" r:id="rId9"/>
+    <p:sldLayoutId id="2147483670" r:id="rId10"/>
+    <p:sldLayoutId id="2147483671" r:id="rId11"/>
+    <p:sldLayoutId id="2147483672" r:id="rId12"/>
+    <p:sldLayoutId id="2147483673" r:id="rId13"/>
+    <p:sldLayoutId id="2147483674" r:id="rId14"/>
+    <p:sldLayoutId id="2147483675" r:id="rId15"/>
+    <p:sldLayoutId id="2147483676" r:id="rId16"/>
   </p:sldLayoutIdLst>
   <p:txStyles>
     <p:titleStyle>
-      <a:lvl1pPr algn="l" defTabSz="914400" rtl="0" eaLnBrk="1" latinLnBrk="0" hangingPunct="1">
-        <a:lnSpc>
-          <a:spcPct val="90000"/>
-        </a:lnSpc>
+      <a:lvl1pPr algn="l" defTabSz="457200" rtl="0" eaLnBrk="1" latinLnBrk="0" hangingPunct="1">
         <a:spcBef>
           <a:spcPct val="0"/>
         </a:spcBef>
         <a:buNone/>
-        <a:defRPr kumimoji="1" sz="4400" kern="1200">
+        <a:defRPr kumimoji="1" sz="3600" kern="1200">
           <a:solidFill>
-            <a:schemeClr val="tx1"/>
+            <a:schemeClr val="tx1">
+              <a:lumMod val="85000"/>
+              <a:lumOff val="15000"/>
+            </a:schemeClr>
           </a:solidFill>
           <a:latin typeface="+mj-lt"/>
           <a:ea typeface="+mj-ea"/>
           <a:cs typeface="+mj-cs"/>
         </a:defRPr>
       </a:lvl1pPr>
+      <a:lvl2pPr eaLnBrk="1" hangingPunct="1">
+        <a:defRPr kumimoji="1">
+          <a:solidFill>
+            <a:schemeClr val="tx2"/>
+          </a:solidFill>
+        </a:defRPr>
+      </a:lvl2pPr>
+      <a:lvl3pPr eaLnBrk="1" hangingPunct="1">
+        <a:defRPr kumimoji="1">
+          <a:solidFill>
+            <a:schemeClr val="tx2"/>
+          </a:solidFill>
+        </a:defRPr>
+      </a:lvl3pPr>
+      <a:lvl4pPr eaLnBrk="1" hangingPunct="1">
+        <a:defRPr kumimoji="1">
+          <a:solidFill>
+            <a:schemeClr val="tx2"/>
+          </a:solidFill>
+        </a:defRPr>
+      </a:lvl4pPr>
+      <a:lvl5pPr eaLnBrk="1" hangingPunct="1">
+        <a:defRPr kumimoji="1">
+          <a:solidFill>
+            <a:schemeClr val="tx2"/>
+          </a:solidFill>
+        </a:defRPr>
+      </a:lvl5pPr>
+      <a:lvl6pPr eaLnBrk="1" hangingPunct="1">
+        <a:defRPr kumimoji="1">
+          <a:solidFill>
+            <a:schemeClr val="tx2"/>
+          </a:solidFill>
+        </a:defRPr>
+      </a:lvl6pPr>
+      <a:lvl7pPr eaLnBrk="1" hangingPunct="1">
+        <a:defRPr kumimoji="1">
+          <a:solidFill>
+            <a:schemeClr val="tx2"/>
+          </a:solidFill>
+        </a:defRPr>
+      </a:lvl7pPr>
+      <a:lvl8pPr eaLnBrk="1" hangingPunct="1">
+        <a:defRPr kumimoji="1">
+          <a:solidFill>
+            <a:schemeClr val="tx2"/>
+          </a:solidFill>
+        </a:defRPr>
+      </a:lvl8pPr>
+      <a:lvl9pPr eaLnBrk="1" hangingPunct="1">
+        <a:defRPr kumimoji="1">
+          <a:solidFill>
+            <a:schemeClr val="tx2"/>
+          </a:solidFill>
+        </a:defRPr>
+      </a:lvl9pPr>
     </p:titleStyle>
     <p:bodyStyle>
-      <a:lvl1pPr marL="228600" indent="-228600" algn="l" defTabSz="914400" rtl="0" eaLnBrk="1" latinLnBrk="0" hangingPunct="1">
-        <a:lnSpc>
-          <a:spcPct val="90000"/>
-        </a:lnSpc>
+      <a:lvl1pPr marL="342900" indent="-342900" algn="l" defTabSz="457200" rtl="0" eaLnBrk="1" latinLnBrk="0" hangingPunct="1">
         <a:spcBef>
           <a:spcPts val="1000"/>
         </a:spcBef>
-        <a:buFont typeface="Arial" panose="020B0604020202020204" pitchFamily="34" charset="0"/>
-        <a:buChar char="•"/>
-        <a:defRPr kumimoji="1" sz="2800" kern="1200">
+        <a:spcAft>
+          <a:spcPts val="0"/>
+        </a:spcAft>
+        <a:buClr>
+          <a:schemeClr val="accent1"/>
+        </a:buClr>
+        <a:buFont typeface="Wingdings 3" charset="2"/>
+        <a:buChar char=""/>
+        <a:defRPr kumimoji="1" sz="1800" kern="1200">
+          <a:solidFill>
+            <a:schemeClr val="tx1">
+              <a:lumMod val="75000"/>
+              <a:lumOff val="25000"/>
+            </a:schemeClr>
+          </a:solidFill>
+          <a:latin typeface="+mn-lt"/>
+          <a:ea typeface="+mn-ea"/>
+          <a:cs typeface="+mn-cs"/>
+        </a:defRPr>
+      </a:lvl1pPr>
+      <a:lvl2pPr marL="742950" indent="-285750" algn="l" defTabSz="457200" rtl="0" eaLnBrk="1" latinLnBrk="0" hangingPunct="1">
+        <a:spcBef>
+          <a:spcPts val="1000"/>
+        </a:spcBef>
+        <a:spcAft>
+          <a:spcPts val="0"/>
+        </a:spcAft>
+        <a:buClr>
+          <a:schemeClr val="accent1"/>
+        </a:buClr>
+        <a:buFont typeface="Wingdings 3" charset="2"/>
+        <a:buChar char=""/>
+        <a:defRPr kumimoji="1" sz="1600" kern="1200">
+          <a:solidFill>
+            <a:schemeClr val="tx1">
+              <a:lumMod val="75000"/>
+              <a:lumOff val="25000"/>
+            </a:schemeClr>
+          </a:solidFill>
+          <a:latin typeface="+mn-lt"/>
+          <a:ea typeface="+mn-ea"/>
+          <a:cs typeface="+mn-cs"/>
+        </a:defRPr>
+      </a:lvl2pPr>
+      <a:lvl3pPr marL="1143000" indent="-228600" algn="l" defTabSz="457200" rtl="0" eaLnBrk="1" latinLnBrk="0" hangingPunct="1">
+        <a:spcBef>
+          <a:spcPts val="1000"/>
+        </a:spcBef>
+        <a:spcAft>
+          <a:spcPts val="0"/>
+        </a:spcAft>
+        <a:buClr>
+          <a:schemeClr val="accent1"/>
+        </a:buClr>
+        <a:buFont typeface="Wingdings 3" charset="2"/>
+        <a:buChar char=""/>
+        <a:defRPr kumimoji="1" sz="1400" kern="1200">
+          <a:solidFill>
+            <a:schemeClr val="tx1">
+              <a:lumMod val="75000"/>
+              <a:lumOff val="25000"/>
+            </a:schemeClr>
+          </a:solidFill>
+          <a:latin typeface="+mn-lt"/>
+          <a:ea typeface="+mn-ea"/>
+          <a:cs typeface="+mn-cs"/>
+        </a:defRPr>
+      </a:lvl3pPr>
+      <a:lvl4pPr marL="1600200" indent="-228600" algn="l" defTabSz="457200" rtl="0" eaLnBrk="1" latinLnBrk="0" hangingPunct="1">
+        <a:spcBef>
+          <a:spcPts val="1000"/>
+        </a:spcBef>
+        <a:spcAft>
+          <a:spcPts val="0"/>
+        </a:spcAft>
+        <a:buClr>
+          <a:schemeClr val="accent1"/>
+        </a:buClr>
+        <a:buFont typeface="Wingdings 3" charset="2"/>
+        <a:buChar char=""/>
+        <a:defRPr kumimoji="1" sz="1200" kern="1200">
+          <a:solidFill>
+            <a:schemeClr val="tx1">
+              <a:lumMod val="75000"/>
+              <a:lumOff val="25000"/>
+            </a:schemeClr>
+          </a:solidFill>
+          <a:latin typeface="+mn-lt"/>
+          <a:ea typeface="+mn-ea"/>
+          <a:cs typeface="+mn-cs"/>
+        </a:defRPr>
+      </a:lvl4pPr>
+      <a:lvl5pPr marL="2057400" indent="-228600" algn="l" defTabSz="457200" rtl="0" eaLnBrk="1" latinLnBrk="0" hangingPunct="1">
+        <a:spcBef>
+          <a:spcPts val="1000"/>
+        </a:spcBef>
+        <a:spcAft>
+          <a:spcPts val="0"/>
+        </a:spcAft>
+        <a:buClr>
+          <a:schemeClr val="accent1"/>
+        </a:buClr>
+        <a:buFont typeface="Wingdings 3" charset="2"/>
+        <a:buChar char=""/>
+        <a:defRPr kumimoji="1" sz="1200" kern="1200">
+          <a:solidFill>
+            <a:schemeClr val="tx1">
+              <a:lumMod val="75000"/>
+              <a:lumOff val="25000"/>
+            </a:schemeClr>
+          </a:solidFill>
+          <a:latin typeface="+mn-lt"/>
+          <a:ea typeface="+mn-ea"/>
+          <a:cs typeface="+mn-cs"/>
+        </a:defRPr>
+      </a:lvl5pPr>
+      <a:lvl6pPr marL="2514600" indent="-228600" algn="l" defTabSz="457200" rtl="0" eaLnBrk="1" latinLnBrk="0" hangingPunct="1">
+        <a:spcBef>
+          <a:spcPts val="1000"/>
+        </a:spcBef>
+        <a:spcAft>
+          <a:spcPts val="0"/>
+        </a:spcAft>
+        <a:buClr>
+          <a:schemeClr val="accent1"/>
+        </a:buClr>
+        <a:buFont typeface="Wingdings 3" charset="2"/>
+        <a:buChar char=""/>
+        <a:defRPr kumimoji="1" sz="1200" kern="1200">
+          <a:solidFill>
+            <a:schemeClr val="tx1">
+              <a:lumMod val="75000"/>
+              <a:lumOff val="25000"/>
+            </a:schemeClr>
+          </a:solidFill>
+          <a:latin typeface="+mn-lt"/>
+          <a:ea typeface="+mn-ea"/>
+          <a:cs typeface="+mn-cs"/>
+        </a:defRPr>
+      </a:lvl6pPr>
+      <a:lvl7pPr marL="2971800" indent="-228600" algn="l" defTabSz="457200" rtl="0" eaLnBrk="1" latinLnBrk="0" hangingPunct="1">
+        <a:spcBef>
+          <a:spcPts val="1000"/>
+        </a:spcBef>
+        <a:spcAft>
+          <a:spcPts val="0"/>
+        </a:spcAft>
+        <a:buClr>
+          <a:schemeClr val="accent1"/>
+        </a:buClr>
+        <a:buFont typeface="Wingdings 3" charset="2"/>
+        <a:buChar char=""/>
+        <a:defRPr kumimoji="1" sz="1200" kern="1200">
+          <a:solidFill>
+            <a:schemeClr val="tx1">
+              <a:lumMod val="75000"/>
+              <a:lumOff val="25000"/>
+            </a:schemeClr>
+          </a:solidFill>
+          <a:latin typeface="+mn-lt"/>
+          <a:ea typeface="+mn-ea"/>
+          <a:cs typeface="+mn-cs"/>
+        </a:defRPr>
+      </a:lvl7pPr>
+      <a:lvl8pPr marL="3429000" indent="-228600" algn="l" defTabSz="457200" rtl="0" eaLnBrk="1" latinLnBrk="0" hangingPunct="1">
+        <a:spcBef>
+          <a:spcPts val="1000"/>
+        </a:spcBef>
+        <a:spcAft>
+          <a:spcPts val="0"/>
+        </a:spcAft>
+        <a:buClr>
+          <a:schemeClr val="accent1"/>
+        </a:buClr>
+        <a:buFont typeface="Wingdings 3" charset="2"/>
+        <a:buChar char=""/>
+        <a:defRPr kumimoji="1" sz="1200" kern="1200">
+          <a:solidFill>
+            <a:schemeClr val="tx1">
+              <a:lumMod val="75000"/>
+              <a:lumOff val="25000"/>
+            </a:schemeClr>
+          </a:solidFill>
+          <a:latin typeface="+mn-lt"/>
+          <a:ea typeface="+mn-ea"/>
+          <a:cs typeface="+mn-cs"/>
+        </a:defRPr>
+      </a:lvl8pPr>
+      <a:lvl9pPr marL="3886200" indent="-228600" algn="l" defTabSz="457200" rtl="0" eaLnBrk="1" latinLnBrk="0" hangingPunct="1">
+        <a:spcBef>
+          <a:spcPts val="1000"/>
+        </a:spcBef>
+        <a:spcAft>
+          <a:spcPts val="0"/>
+        </a:spcAft>
+        <a:buClr>
+          <a:schemeClr val="accent1"/>
+        </a:buClr>
+        <a:buFont typeface="Wingdings 3" charset="2"/>
+        <a:buChar char=""/>
+        <a:defRPr kumimoji="1" sz="1200" kern="1200">
+          <a:solidFill>
+            <a:schemeClr val="tx1">
+              <a:lumMod val="75000"/>
+              <a:lumOff val="25000"/>
+            </a:schemeClr>
+          </a:solidFill>
+          <a:latin typeface="+mn-lt"/>
+          <a:ea typeface="+mn-ea"/>
+          <a:cs typeface="+mn-cs"/>
+        </a:defRPr>
+      </a:lvl9pPr>
+    </p:bodyStyle>
+    <p:otherStyle>
+      <a:defPPr>
+        <a:defRPr lang="en-US"/>
+      </a:defPPr>
+      <a:lvl1pPr marL="0" algn="l" defTabSz="457200" rtl="0" eaLnBrk="1" latinLnBrk="0" hangingPunct="1">
+        <a:defRPr kumimoji="1" sz="1800" kern="1200">
           <a:solidFill>
             <a:schemeClr val="tx1"/>
           </a:solidFill>
@@ -2995,16 +7866,8 @@
           <a:cs typeface="+mn-cs"/>
         </a:defRPr>
       </a:lvl1pPr>
-      <a:lvl2pPr marL="685800" indent="-228600" algn="l" defTabSz="914400" rtl="0" eaLnBrk="1" latinLnBrk="0" hangingPunct="1">
-        <a:lnSpc>
-          <a:spcPct val="90000"/>
-        </a:lnSpc>
-        <a:spcBef>
-          <a:spcPts val="500"/>
-        </a:spcBef>
-        <a:buFont typeface="Arial" panose="020B0604020202020204" pitchFamily="34" charset="0"/>
-        <a:buChar char="•"/>
-        <a:defRPr kumimoji="1" sz="2400" kern="1200">
+      <a:lvl2pPr marL="457200" algn="l" defTabSz="457200" rtl="0" eaLnBrk="1" latinLnBrk="0" hangingPunct="1">
+        <a:defRPr kumimoji="1" sz="1800" kern="1200">
           <a:solidFill>
             <a:schemeClr val="tx1"/>
           </a:solidFill>
@@ -3013,16 +7876,8 @@
           <a:cs typeface="+mn-cs"/>
         </a:defRPr>
       </a:lvl2pPr>
-      <a:lvl3pPr marL="1143000" indent="-228600" algn="l" defTabSz="914400" rtl="0" eaLnBrk="1" latinLnBrk="0" hangingPunct="1">
-        <a:lnSpc>
-          <a:spcPct val="90000"/>
-        </a:lnSpc>
-        <a:spcBef>
-          <a:spcPts val="500"/>
-        </a:spcBef>
-        <a:buFont typeface="Arial" panose="020B0604020202020204" pitchFamily="34" charset="0"/>
-        <a:buChar char="•"/>
-        <a:defRPr kumimoji="1" sz="2000" kern="1200">
+      <a:lvl3pPr marL="914400" algn="l" defTabSz="457200" rtl="0" eaLnBrk="1" latinLnBrk="0" hangingPunct="1">
+        <a:defRPr kumimoji="1" sz="1800" kern="1200">
           <a:solidFill>
             <a:schemeClr val="tx1"/>
           </a:solidFill>
@@ -3031,15 +7886,7 @@
           <a:cs typeface="+mn-cs"/>
         </a:defRPr>
       </a:lvl3pPr>
-      <a:lvl4pPr marL="1600200" indent="-228600" algn="l" defTabSz="914400" rtl="0" eaLnBrk="1" latinLnBrk="0" hangingPunct="1">
-        <a:lnSpc>
-          <a:spcPct val="90000"/>
-        </a:lnSpc>
-        <a:spcBef>
-          <a:spcPts val="500"/>
-        </a:spcBef>
-        <a:buFont typeface="Arial" panose="020B0604020202020204" pitchFamily="34" charset="0"/>
-        <a:buChar char="•"/>
+      <a:lvl4pPr marL="1371600" algn="l" defTabSz="457200" rtl="0" eaLnBrk="1" latinLnBrk="0" hangingPunct="1">
         <a:defRPr kumimoji="1" sz="1800" kern="1200">
           <a:solidFill>
             <a:schemeClr val="tx1"/>
@@ -3049,15 +7896,7 @@
           <a:cs typeface="+mn-cs"/>
         </a:defRPr>
       </a:lvl4pPr>
-      <a:lvl5pPr marL="2057400" indent="-228600" algn="l" defTabSz="914400" rtl="0" eaLnBrk="1" latinLnBrk="0" hangingPunct="1">
-        <a:lnSpc>
-          <a:spcPct val="90000"/>
-        </a:lnSpc>
-        <a:spcBef>
-          <a:spcPts val="500"/>
-        </a:spcBef>
-        <a:buFont typeface="Arial" panose="020B0604020202020204" pitchFamily="34" charset="0"/>
-        <a:buChar char="•"/>
+      <a:lvl5pPr marL="1828800" algn="l" defTabSz="457200" rtl="0" eaLnBrk="1" latinLnBrk="0" hangingPunct="1">
         <a:defRPr kumimoji="1" sz="1800" kern="1200">
           <a:solidFill>
             <a:schemeClr val="tx1"/>
@@ -3067,15 +7906,7 @@
           <a:cs typeface="+mn-cs"/>
         </a:defRPr>
       </a:lvl5pPr>
-      <a:lvl6pPr marL="2514600" indent="-228600" algn="l" defTabSz="914400" rtl="0" eaLnBrk="1" latinLnBrk="0" hangingPunct="1">
-        <a:lnSpc>
-          <a:spcPct val="90000"/>
-        </a:lnSpc>
-        <a:spcBef>
-          <a:spcPts val="500"/>
-        </a:spcBef>
-        <a:buFont typeface="Arial" panose="020B0604020202020204" pitchFamily="34" charset="0"/>
-        <a:buChar char="•"/>
+      <a:lvl6pPr marL="2286000" algn="l" defTabSz="457200" rtl="0" eaLnBrk="1" latinLnBrk="0" hangingPunct="1">
         <a:defRPr kumimoji="1" sz="1800" kern="1200">
           <a:solidFill>
             <a:schemeClr val="tx1"/>
@@ -3085,15 +7916,7 @@
           <a:cs typeface="+mn-cs"/>
         </a:defRPr>
       </a:lvl6pPr>
-      <a:lvl7pPr marL="2971800" indent="-228600" algn="l" defTabSz="914400" rtl="0" eaLnBrk="1" latinLnBrk="0" hangingPunct="1">
-        <a:lnSpc>
-          <a:spcPct val="90000"/>
-        </a:lnSpc>
-        <a:spcBef>
-          <a:spcPts val="500"/>
-        </a:spcBef>
-        <a:buFont typeface="Arial" panose="020B0604020202020204" pitchFamily="34" charset="0"/>
-        <a:buChar char="•"/>
+      <a:lvl7pPr marL="2743200" algn="l" defTabSz="457200" rtl="0" eaLnBrk="1" latinLnBrk="0" hangingPunct="1">
         <a:defRPr kumimoji="1" sz="1800" kern="1200">
           <a:solidFill>
             <a:schemeClr val="tx1"/>
@@ -3103,15 +7926,7 @@
           <a:cs typeface="+mn-cs"/>
         </a:defRPr>
       </a:lvl7pPr>
-      <a:lvl8pPr marL="3429000" indent="-228600" algn="l" defTabSz="914400" rtl="0" eaLnBrk="1" latinLnBrk="0" hangingPunct="1">
-        <a:lnSpc>
-          <a:spcPct val="90000"/>
-        </a:lnSpc>
-        <a:spcBef>
-          <a:spcPts val="500"/>
-        </a:spcBef>
-        <a:buFont typeface="Arial" panose="020B0604020202020204" pitchFamily="34" charset="0"/>
-        <a:buChar char="•"/>
+      <a:lvl8pPr marL="3200400" algn="l" defTabSz="457200" rtl="0" eaLnBrk="1" latinLnBrk="0" hangingPunct="1">
         <a:defRPr kumimoji="1" sz="1800" kern="1200">
           <a:solidFill>
             <a:schemeClr val="tx1"/>
@@ -3121,110 +7936,7 @@
           <a:cs typeface="+mn-cs"/>
         </a:defRPr>
       </a:lvl8pPr>
-      <a:lvl9pPr marL="3886200" indent="-228600" algn="l" defTabSz="914400" rtl="0" eaLnBrk="1" latinLnBrk="0" hangingPunct="1">
-        <a:lnSpc>
-          <a:spcPct val="90000"/>
-        </a:lnSpc>
-        <a:spcBef>
-          <a:spcPts val="500"/>
-        </a:spcBef>
-        <a:buFont typeface="Arial" panose="020B0604020202020204" pitchFamily="34" charset="0"/>
-        <a:buChar char="•"/>
-        <a:defRPr kumimoji="1" sz="1800" kern="1200">
-          <a:solidFill>
-            <a:schemeClr val="tx1"/>
-          </a:solidFill>
-          <a:latin typeface="+mn-lt"/>
-          <a:ea typeface="+mn-ea"/>
-          <a:cs typeface="+mn-cs"/>
-        </a:defRPr>
-      </a:lvl9pPr>
-    </p:bodyStyle>
-    <p:otherStyle>
-      <a:defPPr>
-        <a:defRPr lang="ja-JP"/>
-      </a:defPPr>
-      <a:lvl1pPr marL="0" algn="l" defTabSz="914400" rtl="0" eaLnBrk="1" latinLnBrk="0" hangingPunct="1">
-        <a:defRPr kumimoji="1" sz="1800" kern="1200">
-          <a:solidFill>
-            <a:schemeClr val="tx1"/>
-          </a:solidFill>
-          <a:latin typeface="+mn-lt"/>
-          <a:ea typeface="+mn-ea"/>
-          <a:cs typeface="+mn-cs"/>
-        </a:defRPr>
-      </a:lvl1pPr>
-      <a:lvl2pPr marL="457200" algn="l" defTabSz="914400" rtl="0" eaLnBrk="1" latinLnBrk="0" hangingPunct="1">
-        <a:defRPr kumimoji="1" sz="1800" kern="1200">
-          <a:solidFill>
-            <a:schemeClr val="tx1"/>
-          </a:solidFill>
-          <a:latin typeface="+mn-lt"/>
-          <a:ea typeface="+mn-ea"/>
-          <a:cs typeface="+mn-cs"/>
-        </a:defRPr>
-      </a:lvl2pPr>
-      <a:lvl3pPr marL="914400" algn="l" defTabSz="914400" rtl="0" eaLnBrk="1" latinLnBrk="0" hangingPunct="1">
-        <a:defRPr kumimoji="1" sz="1800" kern="1200">
-          <a:solidFill>
-            <a:schemeClr val="tx1"/>
-          </a:solidFill>
-          <a:latin typeface="+mn-lt"/>
-          <a:ea typeface="+mn-ea"/>
-          <a:cs typeface="+mn-cs"/>
-        </a:defRPr>
-      </a:lvl3pPr>
-      <a:lvl4pPr marL="1371600" algn="l" defTabSz="914400" rtl="0" eaLnBrk="1" latinLnBrk="0" hangingPunct="1">
-        <a:defRPr kumimoji="1" sz="1800" kern="1200">
-          <a:solidFill>
-            <a:schemeClr val="tx1"/>
-          </a:solidFill>
-          <a:latin typeface="+mn-lt"/>
-          <a:ea typeface="+mn-ea"/>
-          <a:cs typeface="+mn-cs"/>
-        </a:defRPr>
-      </a:lvl4pPr>
-      <a:lvl5pPr marL="1828800" algn="l" defTabSz="914400" rtl="0" eaLnBrk="1" latinLnBrk="0" hangingPunct="1">
-        <a:defRPr kumimoji="1" sz="1800" kern="1200">
-          <a:solidFill>
-            <a:schemeClr val="tx1"/>
-          </a:solidFill>
-          <a:latin typeface="+mn-lt"/>
-          <a:ea typeface="+mn-ea"/>
-          <a:cs typeface="+mn-cs"/>
-        </a:defRPr>
-      </a:lvl5pPr>
-      <a:lvl6pPr marL="2286000" algn="l" defTabSz="914400" rtl="0" eaLnBrk="1" latinLnBrk="0" hangingPunct="1">
-        <a:defRPr kumimoji="1" sz="1800" kern="1200">
-          <a:solidFill>
-            <a:schemeClr val="tx1"/>
-          </a:solidFill>
-          <a:latin typeface="+mn-lt"/>
-          <a:ea typeface="+mn-ea"/>
-          <a:cs typeface="+mn-cs"/>
-        </a:defRPr>
-      </a:lvl6pPr>
-      <a:lvl7pPr marL="2743200" algn="l" defTabSz="914400" rtl="0" eaLnBrk="1" latinLnBrk="0" hangingPunct="1">
-        <a:defRPr kumimoji="1" sz="1800" kern="1200">
-          <a:solidFill>
-            <a:schemeClr val="tx1"/>
-          </a:solidFill>
-          <a:latin typeface="+mn-lt"/>
-          <a:ea typeface="+mn-ea"/>
-          <a:cs typeface="+mn-cs"/>
-        </a:defRPr>
-      </a:lvl7pPr>
-      <a:lvl8pPr marL="3200400" algn="l" defTabSz="914400" rtl="0" eaLnBrk="1" latinLnBrk="0" hangingPunct="1">
-        <a:defRPr kumimoji="1" sz="1800" kern="1200">
-          <a:solidFill>
-            <a:schemeClr val="tx1"/>
-          </a:solidFill>
-          <a:latin typeface="+mn-lt"/>
-          <a:ea typeface="+mn-ea"/>
-          <a:cs typeface="+mn-cs"/>
-        </a:defRPr>
-      </a:lvl8pPr>
-      <a:lvl9pPr marL="3657600" algn="l" defTabSz="914400" rtl="0" eaLnBrk="1" latinLnBrk="0" hangingPunct="1">
+      <a:lvl9pPr marL="3657600" algn="l" defTabSz="457200" rtl="0" eaLnBrk="1" latinLnBrk="0" hangingPunct="1">
         <a:defRPr kumimoji="1" sz="1800" kern="1200">
           <a:solidFill>
             <a:schemeClr val="tx1"/>
@@ -3291,10 +8003,20 @@
         </p:nvSpPr>
         <p:spPr/>
         <p:txBody>
-          <a:bodyPr/>
+          <a:bodyPr>
+            <a:normAutofit/>
+          </a:bodyPr>
           <a:lstStyle/>
           <a:p>
-            <a:endParaRPr kumimoji="1" lang="ja-JP" altLang="en-US"/>
+            <a:r>
+              <a:rPr lang="en-US" altLang="ja-JP" sz="3200" dirty="0" smtClean="0"/>
+              <a:t>Team </a:t>
+            </a:r>
+            <a:r>
+              <a:rPr lang="en-US" altLang="ja-JP" sz="3200" dirty="0" smtClean="0"/>
+              <a:t>katuyou215</a:t>
+            </a:r>
+            <a:endParaRPr kumimoji="1" lang="ja-JP" altLang="en-US" sz="3200" dirty="0"/>
           </a:p>
         </p:txBody>
       </p:sp>
@@ -3308,6 +8030,13 @@
   <p:clrMapOvr>
     <a:masterClrMapping/>
   </p:clrMapOvr>
+  <p:timing>
+    <p:tnLst>
+      <p:par>
+        <p:cTn id="1" dur="indefinite" restart="never" nodeType="tmRoot"/>
+      </p:par>
+    </p:tnLst>
+  </p:timing>
 </p:sld>
 </file>
 
@@ -3371,35 +8100,35 @@
           <a:lstStyle/>
           <a:p>
             <a:r>
-              <a:rPr kumimoji="1" lang="en-US" altLang="ja-JP" dirty="0" smtClean="0"/>
+              <a:rPr kumimoji="1" lang="en-US" altLang="ja-JP" sz="2800" dirty="0" smtClean="0"/>
               <a:t>GPS</a:t>
             </a:r>
             <a:r>
-              <a:rPr kumimoji="1" lang="ja-JP" altLang="en-US" dirty="0" smtClean="0"/>
+              <a:rPr kumimoji="1" lang="ja-JP" altLang="en-US" sz="2800" dirty="0" smtClean="0"/>
               <a:t>を使って簡単に自分だけの観光を作る</a:t>
             </a:r>
-            <a:endParaRPr kumimoji="1" lang="en-US" altLang="ja-JP" dirty="0" smtClean="0"/>
-          </a:p>
-          <a:p>
-            <a:r>
-              <a:rPr kumimoji="1" lang="ja-JP" altLang="en-US" dirty="0" smtClean="0"/>
+            <a:endParaRPr kumimoji="1" lang="en-US" altLang="ja-JP" sz="2800" dirty="0" smtClean="0"/>
+          </a:p>
+          <a:p>
+            <a:r>
+              <a:rPr kumimoji="1" lang="ja-JP" altLang="en-US" sz="2800" dirty="0" smtClean="0"/>
               <a:t>自分がいる県内で人気のグルメや観光スポットを見つけ出す</a:t>
             </a:r>
-            <a:endParaRPr kumimoji="1" lang="en-US" altLang="ja-JP" dirty="0" smtClean="0"/>
-          </a:p>
-          <a:p>
-            <a:r>
-              <a:rPr kumimoji="1" lang="ja-JP" altLang="en-US" dirty="0" smtClean="0"/>
+            <a:endParaRPr kumimoji="1" lang="en-US" altLang="ja-JP" sz="2800" dirty="0" smtClean="0"/>
+          </a:p>
+          <a:p>
+            <a:r>
+              <a:rPr kumimoji="1" lang="ja-JP" altLang="en-US" sz="2800" dirty="0" smtClean="0"/>
               <a:t>いろいろなジャンル検索ができる</a:t>
             </a:r>
-            <a:endParaRPr kumimoji="1" lang="en-US" altLang="ja-JP" dirty="0" smtClean="0"/>
-          </a:p>
-          <a:p>
-            <a:r>
-              <a:rPr lang="ja-JP" altLang="en-US" dirty="0" smtClean="0"/>
+            <a:endParaRPr kumimoji="1" lang="en-US" altLang="ja-JP" sz="2800" dirty="0" smtClean="0"/>
+          </a:p>
+          <a:p>
+            <a:r>
+              <a:rPr lang="ja-JP" altLang="en-US" sz="2800" dirty="0" smtClean="0"/>
               <a:t>自分でいいスポットがあれば登録できる</a:t>
             </a:r>
-            <a:endParaRPr kumimoji="1" lang="en-US" altLang="ja-JP" dirty="0" smtClean="0"/>
+            <a:endParaRPr kumimoji="1" lang="en-US" altLang="ja-JP" sz="2800" dirty="0" smtClean="0"/>
           </a:p>
           <a:p>
             <a:endParaRPr kumimoji="1" lang="ja-JP" altLang="en-US" dirty="0"/>
@@ -3416,6 +8145,13 @@
   <p:clrMapOvr>
     <a:masterClrMapping/>
   </p:clrMapOvr>
+  <p:timing>
+    <p:tnLst>
+      <p:par>
+        <p:cTn id="1" dur="indefinite" restart="never" nodeType="tmRoot"/>
+      </p:par>
+    </p:tnLst>
+  </p:timing>
 </p:sld>
 </file>
 
@@ -3475,25 +8211,25 @@
           <a:lstStyle/>
           <a:p>
             <a:r>
-              <a:rPr kumimoji="1" lang="ja-JP" altLang="en-US" dirty="0" smtClean="0"/>
+              <a:rPr kumimoji="1" lang="ja-JP" altLang="en-US" sz="2800" dirty="0" smtClean="0"/>
               <a:t>休日にどこかに行きたいひとや</a:t>
             </a:r>
             <a:r>
-              <a:rPr lang="ja-JP" altLang="en-US" dirty="0" smtClean="0"/>
+              <a:rPr lang="ja-JP" altLang="en-US" sz="2800" dirty="0" smtClean="0"/>
               <a:t>何かしようと考えている時に子のアプリを使い自分の行きたい場所を見つける</a:t>
             </a:r>
-            <a:endParaRPr lang="en-US" altLang="ja-JP" dirty="0" smtClean="0"/>
-          </a:p>
-          <a:p>
-            <a:r>
-              <a:rPr lang="ja-JP" altLang="en-US" dirty="0"/>
+            <a:endParaRPr lang="en-US" altLang="ja-JP" sz="2800" dirty="0" smtClean="0"/>
+          </a:p>
+          <a:p>
+            <a:r>
+              <a:rPr lang="ja-JP" altLang="en-US" sz="2800" dirty="0"/>
               <a:t>紹介</a:t>
             </a:r>
             <a:r>
-              <a:rPr lang="ja-JP" altLang="en-US" dirty="0" smtClean="0"/>
+              <a:rPr lang="ja-JP" altLang="en-US" sz="2800" dirty="0" smtClean="0"/>
               <a:t>したいお店や観光スポットを自分自身で伝えることができる。</a:t>
             </a:r>
-            <a:endParaRPr lang="en-US" altLang="ja-JP" dirty="0" smtClean="0"/>
+            <a:endParaRPr lang="en-US" altLang="ja-JP" sz="2800" dirty="0" smtClean="0"/>
           </a:p>
           <a:p>
             <a:endParaRPr kumimoji="1" lang="en-US" altLang="ja-JP" dirty="0" smtClean="0"/>
@@ -3510,6 +8246,13 @@
   <p:clrMapOvr>
     <a:masterClrMapping/>
   </p:clrMapOvr>
+  <p:timing>
+    <p:tnLst>
+      <p:par>
+        <p:cTn id="1" dur="indefinite" restart="never" nodeType="tmRoot"/>
+      </p:par>
+    </p:tnLst>
+  </p:timing>
 </p:sld>
 </file>
 
@@ -3565,86 +8308,92 @@
         </p:nvSpPr>
         <p:spPr/>
         <p:txBody>
-          <a:bodyPr/>
+          <a:bodyPr>
+            <a:normAutofit/>
+          </a:bodyPr>
           <a:lstStyle/>
           <a:p>
             <a:r>
-              <a:rPr kumimoji="1" lang="ja-JP" altLang="en-US" dirty="0" smtClean="0"/>
+              <a:rPr kumimoji="1" lang="ja-JP" altLang="en-US" sz="2800" dirty="0" smtClean="0"/>
               <a:t>資金は　　　             </a:t>
             </a:r>
             <a:r>
-              <a:rPr kumimoji="1" lang="en-US" altLang="ja-JP" dirty="0" smtClean="0"/>
+              <a:rPr kumimoji="1" lang="en-US" altLang="ja-JP" sz="2800" dirty="0" smtClean="0"/>
               <a:t>1,000,000</a:t>
             </a:r>
             <a:r>
-              <a:rPr kumimoji="1" lang="ja-JP" altLang="en-US" dirty="0" smtClean="0"/>
+              <a:rPr kumimoji="1" lang="ja-JP" altLang="en-US" sz="2800" dirty="0" smtClean="0"/>
               <a:t>円</a:t>
             </a:r>
-            <a:endParaRPr kumimoji="1" lang="en-US" altLang="ja-JP" dirty="0" smtClean="0"/>
+            <a:endParaRPr kumimoji="1" lang="en-US" altLang="ja-JP" sz="2800" dirty="0" smtClean="0"/>
           </a:p>
           <a:p>
             <a:pPr marL="0" indent="0">
               <a:buNone/>
             </a:pPr>
             <a:r>
-              <a:rPr lang="ja-JP" altLang="en-US" dirty="0" smtClean="0"/>
+              <a:rPr lang="ja-JP" altLang="en-US" sz="2800" dirty="0" smtClean="0"/>
               <a:t>サーバー代</a:t>
             </a:r>
             <a:r>
-              <a:rPr kumimoji="1" lang="ja-JP" altLang="en-US" dirty="0" smtClean="0"/>
+              <a:rPr kumimoji="1" lang="ja-JP" altLang="en-US" sz="2800" dirty="0" smtClean="0"/>
               <a:t>　　</a:t>
             </a:r>
             <a:r>
-              <a:rPr kumimoji="1" lang="en-US" altLang="ja-JP" dirty="0" smtClean="0"/>
+              <a:rPr kumimoji="1" lang="en-US" altLang="ja-JP" sz="2800" dirty="0" smtClean="0"/>
               <a:t>              200,000</a:t>
             </a:r>
             <a:r>
-              <a:rPr kumimoji="1" lang="ja-JP" altLang="en-US" dirty="0" smtClean="0"/>
+              <a:rPr kumimoji="1" lang="ja-JP" altLang="en-US" sz="2800" dirty="0" smtClean="0"/>
               <a:t>円</a:t>
             </a:r>
-            <a:endParaRPr kumimoji="1" lang="en-US" altLang="ja-JP" dirty="0" smtClean="0"/>
+            <a:endParaRPr kumimoji="1" lang="en-US" altLang="ja-JP" sz="2800" dirty="0" smtClean="0"/>
           </a:p>
           <a:p>
             <a:pPr marL="0" indent="0">
               <a:buNone/>
             </a:pPr>
             <a:r>
-              <a:rPr kumimoji="1" lang="ja-JP" altLang="en-US" dirty="0" smtClean="0"/>
+              <a:rPr kumimoji="1" lang="ja-JP" altLang="en-US" sz="2800" dirty="0" smtClean="0"/>
               <a:t>地図作成費　　　　　　  </a:t>
             </a:r>
             <a:r>
-              <a:rPr kumimoji="1" lang="en-US" altLang="ja-JP" dirty="0" smtClean="0"/>
+              <a:rPr kumimoji="1" lang="en-US" altLang="ja-JP" sz="2800" dirty="0" smtClean="0"/>
               <a:t>500,000</a:t>
             </a:r>
             <a:r>
-              <a:rPr kumimoji="1" lang="ja-JP" altLang="en-US" dirty="0" smtClean="0"/>
+              <a:rPr kumimoji="1" lang="ja-JP" altLang="en-US" sz="2800" dirty="0" smtClean="0"/>
               <a:t>円</a:t>
             </a:r>
-            <a:endParaRPr kumimoji="1" lang="en-US" altLang="ja-JP" dirty="0" smtClean="0"/>
+            <a:endParaRPr kumimoji="1" lang="en-US" altLang="ja-JP" sz="2800" dirty="0" smtClean="0"/>
           </a:p>
           <a:p>
             <a:pPr marL="0" indent="0">
               <a:buNone/>
             </a:pPr>
             <a:r>
-              <a:rPr lang="ja-JP" altLang="en-US" dirty="0" smtClean="0"/>
-              <a:t>ホームページ作成費　</a:t>
-            </a:r>
-            <a:r>
-              <a:rPr lang="en-US" altLang="ja-JP" dirty="0" smtClean="0"/>
+              <a:rPr lang="ja-JP" altLang="en-US" sz="2800" dirty="0" smtClean="0"/>
+              <a:t>ホームページ・広告作成費</a:t>
+            </a:r>
+            <a:r>
+              <a:rPr lang="ja-JP" altLang="en-US" sz="2800" dirty="0" smtClean="0"/>
+              <a:t>　</a:t>
+            </a:r>
+            <a:r>
+              <a:rPr lang="en-US" altLang="ja-JP" sz="2800" dirty="0" smtClean="0"/>
               <a:t>300,000</a:t>
             </a:r>
             <a:r>
-              <a:rPr lang="ja-JP" altLang="en-US" dirty="0" smtClean="0"/>
+              <a:rPr lang="ja-JP" altLang="en-US" sz="2800" dirty="0" smtClean="0"/>
               <a:t>円</a:t>
             </a:r>
-            <a:endParaRPr kumimoji="1" lang="en-US" altLang="ja-JP" dirty="0" smtClean="0"/>
+            <a:endParaRPr kumimoji="1" lang="en-US" altLang="ja-JP" sz="2800" dirty="0" smtClean="0"/>
           </a:p>
           <a:p>
             <a:pPr marL="0" indent="0">
               <a:buNone/>
             </a:pPr>
-            <a:endParaRPr kumimoji="1" lang="ja-JP" altLang="en-US" dirty="0"/>
+            <a:endParaRPr kumimoji="1" lang="ja-JP" altLang="en-US" sz="2800" dirty="0"/>
           </a:p>
         </p:txBody>
       </p:sp>
@@ -3658,6 +8407,13 @@
   <p:clrMapOvr>
     <a:masterClrMapping/>
   </p:clrMapOvr>
+  <p:timing>
+    <p:tnLst>
+      <p:par>
+        <p:cTn id="1" dur="indefinite" restart="never" nodeType="tmRoot"/>
+      </p:par>
+    </p:tnLst>
+  </p:timing>
 </p:sld>
 </file>
 
@@ -3694,8 +8450,8 @@
           <a:lstStyle/>
           <a:p>
             <a:r>
-              <a:rPr kumimoji="1" lang="ja-JP" altLang="en-US" dirty="0" smtClean="0"/>
-              <a:t>リワートプログラム</a:t>
+              <a:rPr kumimoji="1" lang="ja-JP" altLang="en-US" smtClean="0"/>
+              <a:t>リワードプログラム</a:t>
             </a:r>
             <a:endParaRPr kumimoji="1" lang="ja-JP" altLang="en-US" dirty="0"/>
           </a:p>
@@ -3713,46 +8469,72 @@
         </p:nvSpPr>
         <p:spPr/>
         <p:txBody>
-          <a:bodyPr/>
+          <a:bodyPr>
+            <a:normAutofit/>
+          </a:bodyPr>
           <a:lstStyle/>
           <a:p>
             <a:r>
-              <a:rPr kumimoji="1" lang="en-US" altLang="ja-JP" dirty="0" smtClean="0"/>
+              <a:rPr kumimoji="1" lang="en-US" altLang="ja-JP" sz="2800" dirty="0" smtClean="0"/>
               <a:t>1000</a:t>
             </a:r>
             <a:r>
-              <a:rPr kumimoji="1" lang="ja-JP" altLang="en-US" dirty="0" smtClean="0"/>
+              <a:rPr kumimoji="1" lang="ja-JP" altLang="en-US" sz="2800" dirty="0" smtClean="0"/>
               <a:t>円分　</a:t>
             </a:r>
-            <a:endParaRPr kumimoji="1" lang="en-US" altLang="ja-JP" dirty="0" smtClean="0"/>
-          </a:p>
-          <a:p>
-            <a:endParaRPr lang="en-US" altLang="ja-JP" dirty="0"/>
-          </a:p>
-          <a:p>
-            <a:r>
-              <a:rPr kumimoji="1" lang="en-US" altLang="ja-JP" dirty="0" smtClean="0"/>
+            <a:r>
+              <a:rPr lang="ja-JP" altLang="en-US" sz="2800" dirty="0"/>
+              <a:t>観光名所のパンプレット</a:t>
+            </a:r>
+            <a:endParaRPr kumimoji="1" lang="en-US" altLang="ja-JP" sz="2800" dirty="0" smtClean="0"/>
+          </a:p>
+          <a:p>
+            <a:endParaRPr lang="en-US" altLang="ja-JP" sz="2800" dirty="0"/>
+          </a:p>
+          <a:p>
+            <a:r>
+              <a:rPr kumimoji="1" lang="en-US" altLang="ja-JP" sz="2800" dirty="0" smtClean="0"/>
               <a:t>2000</a:t>
             </a:r>
             <a:r>
-              <a:rPr kumimoji="1" lang="ja-JP" altLang="en-US" dirty="0" smtClean="0"/>
+              <a:rPr kumimoji="1" lang="ja-JP" altLang="en-US" sz="2800" dirty="0" smtClean="0"/>
               <a:t>円分　</a:t>
             </a:r>
-            <a:endParaRPr kumimoji="1" lang="en-US" altLang="ja-JP" dirty="0" smtClean="0"/>
-          </a:p>
-          <a:p>
-            <a:endParaRPr lang="en-US" altLang="ja-JP" dirty="0"/>
-          </a:p>
-          <a:p>
-            <a:r>
-              <a:rPr kumimoji="1" lang="en-US" altLang="ja-JP" dirty="0" smtClean="0"/>
+            <a:r>
+              <a:rPr kumimoji="1" lang="en-US" altLang="ja-JP" sz="2800" dirty="0" smtClean="0"/>
               <a:t>5000</a:t>
             </a:r>
             <a:r>
-              <a:rPr kumimoji="1" lang="ja-JP" altLang="en-US" dirty="0" smtClean="0"/>
-              <a:t>円分</a:t>
-            </a:r>
-            <a:endParaRPr kumimoji="1" lang="ja-JP" altLang="en-US" dirty="0"/>
+              <a:rPr kumimoji="1" lang="ja-JP" altLang="en-US" sz="2800" dirty="0" smtClean="0"/>
+              <a:t>円グルメカー</a:t>
+            </a:r>
+            <a:r>
+              <a:rPr lang="ja-JP" altLang="en-US" sz="2800" dirty="0" smtClean="0"/>
+              <a:t>ド</a:t>
+            </a:r>
+            <a:endParaRPr kumimoji="1" lang="en-US" altLang="ja-JP" sz="2800" dirty="0" smtClean="0"/>
+          </a:p>
+          <a:p>
+            <a:endParaRPr lang="en-US" altLang="ja-JP" sz="2800" dirty="0"/>
+          </a:p>
+          <a:p>
+            <a:r>
+              <a:rPr kumimoji="1" lang="en-US" altLang="ja-JP" sz="2800" dirty="0" smtClean="0"/>
+              <a:t>5000</a:t>
+            </a:r>
+            <a:r>
+              <a:rPr kumimoji="1" lang="ja-JP" altLang="en-US" sz="2800" dirty="0" smtClean="0"/>
+              <a:t>円分　</a:t>
+            </a:r>
+            <a:r>
+              <a:rPr kumimoji="1" lang="en-US" altLang="ja-JP" sz="2800" dirty="0" smtClean="0"/>
+              <a:t>10000</a:t>
+            </a:r>
+            <a:r>
+              <a:rPr kumimoji="1" lang="ja-JP" altLang="en-US" sz="2800" dirty="0" smtClean="0"/>
+              <a:t>円グルメカード</a:t>
+            </a:r>
+            <a:endParaRPr kumimoji="1" lang="ja-JP" altLang="en-US" sz="2800" dirty="0"/>
           </a:p>
         </p:txBody>
       </p:sp>
@@ -3766,13 +8548,20 @@
   <p:clrMapOvr>
     <a:masterClrMapping/>
   </p:clrMapOvr>
+  <p:timing>
+    <p:tnLst>
+      <p:par>
+        <p:cTn id="1" dur="indefinite" restart="never" nodeType="tmRoot"/>
+      </p:par>
+    </p:tnLst>
+  </p:timing>
 </p:sld>
 </file>
 
 <file path=ppt/theme/theme1.xml><?xml version="1.0" encoding="utf-8"?>
-<a:theme xmlns:a="http://schemas.openxmlformats.org/drawingml/2006/main" name="Office テーマ">
+<a:theme xmlns:a="http://schemas.openxmlformats.org/drawingml/2006/main" name="ウィスプ">
   <a:themeElements>
-    <a:clrScheme name="Office">
+    <a:clrScheme name="ウィスプ">
       <a:dk1>
         <a:sysClr val="windowText" lastClr="000000"/>
       </a:dk1>
@@ -3780,83 +8569,48 @@
         <a:sysClr val="window" lastClr="FFFFFF"/>
       </a:lt1>
       <a:dk2>
-        <a:srgbClr val="44546A"/>
+        <a:srgbClr val="766F54"/>
       </a:dk2>
       <a:lt2>
-        <a:srgbClr val="E7E6E6"/>
+        <a:srgbClr val="E3EACF"/>
       </a:lt2>
       <a:accent1>
-        <a:srgbClr val="5B9BD5"/>
+        <a:srgbClr val="A53010"/>
       </a:accent1>
       <a:accent2>
-        <a:srgbClr val="ED7D31"/>
+        <a:srgbClr val="DE7E18"/>
       </a:accent2>
       <a:accent3>
-        <a:srgbClr val="A5A5A5"/>
+        <a:srgbClr val="9F8351"/>
       </a:accent3>
       <a:accent4>
-        <a:srgbClr val="FFC000"/>
+        <a:srgbClr val="728653"/>
       </a:accent4>
       <a:accent5>
-        <a:srgbClr val="4472C4"/>
+        <a:srgbClr val="92AA4C"/>
       </a:accent5>
       <a:accent6>
-        <a:srgbClr val="70AD47"/>
+        <a:srgbClr val="6AAC91"/>
       </a:accent6>
       <a:hlink>
-        <a:srgbClr val="0563C1"/>
+        <a:srgbClr val="FB4A18"/>
       </a:hlink>
       <a:folHlink>
-        <a:srgbClr val="954F72"/>
+        <a:srgbClr val="FB9318"/>
       </a:folHlink>
     </a:clrScheme>
-    <a:fontScheme name="Office">
+    <a:fontScheme name="ウィスプ">
       <a:majorFont>
-        <a:latin typeface="Calibri Light" panose="020F0302020204030204"/>
+        <a:latin typeface="Century Gothic" panose="020B0502020202020204"/>
         <a:ea typeface=""/>
         <a:cs typeface=""/>
-        <a:font script="Jpan" typeface="ＭＳ Ｐゴシック"/>
-        <a:font script="Hang" typeface="맑은 고딕"/>
-        <a:font script="Hans" typeface="宋体"/>
-        <a:font script="Hant" typeface="新細明體"/>
-        <a:font script="Arab" typeface="Times New Roman"/>
-        <a:font script="Hebr" typeface="Times New Roman"/>
-        <a:font script="Thai" typeface="Angsana New"/>
-        <a:font script="Ethi" typeface="Nyala"/>
-        <a:font script="Beng" typeface="Vrinda"/>
-        <a:font script="Gujr" typeface="Shruti"/>
-        <a:font script="Khmr" typeface="MoolBoran"/>
-        <a:font script="Knda" typeface="Tunga"/>
-        <a:font script="Guru" typeface="Raavi"/>
-        <a:font script="Cans" typeface="Euphemia"/>
-        <a:font script="Cher" typeface="Plantagenet Cherokee"/>
-        <a:font script="Yiii" typeface="Microsoft Yi Baiti"/>
-        <a:font script="Tibt" typeface="Microsoft Himalaya"/>
-        <a:font script="Thaa" typeface="MV Boli"/>
-        <a:font script="Deva" typeface="Mangal"/>
-        <a:font script="Telu" typeface="Gautami"/>
-        <a:font script="Taml" typeface="Latha"/>
-        <a:font script="Syrc" typeface="Estrangelo Edessa"/>
-        <a:font script="Orya" typeface="Kalinga"/>
-        <a:font script="Mlym" typeface="Kartika"/>
-        <a:font script="Laoo" typeface="DokChampa"/>
-        <a:font script="Sinh" typeface="Iskoola Pota"/>
-        <a:font script="Mong" typeface="Mongolian Baiti"/>
-        <a:font script="Viet" typeface="Times New Roman"/>
-        <a:font script="Uigh" typeface="Microsoft Uighur"/>
-        <a:font script="Geor" typeface="Sylfaen"/>
-      </a:majorFont>
-      <a:minorFont>
-        <a:latin typeface="Calibri" panose="020F0502020204030204"/>
-        <a:ea typeface=""/>
-        <a:cs typeface=""/>
-        <a:font script="Jpan" typeface="ＭＳ Ｐゴシック"/>
-        <a:font script="Hang" typeface="맑은 고딕"/>
-        <a:font script="Hans" typeface="宋体"/>
-        <a:font script="Hant" typeface="新細明體"/>
-        <a:font script="Arab" typeface="Arial"/>
-        <a:font script="Hebr" typeface="Arial"/>
-        <a:font script="Thai" typeface="Cordia New"/>
+        <a:font script="Jpan" typeface="メイリオ"/>
+        <a:font script="Hang" typeface="HY중고딕"/>
+        <a:font script="Hans" typeface="幼圆"/>
+        <a:font script="Hant" typeface="微軟正黑體"/>
+        <a:font script="Arab" typeface="Tahoma"/>
+        <a:font script="Hebr" typeface="Gisha"/>
+        <a:font script="Thai" typeface="DilleniaUPC"/>
         <a:font script="Ethi" typeface="Nyala"/>
         <a:font script="Beng" typeface="Vrinda"/>
         <a:font script="Gujr" typeface="Shruti"/>
@@ -3877,13 +8631,121 @@
         <a:font script="Laoo" typeface="DokChampa"/>
         <a:font script="Sinh" typeface="Iskoola Pota"/>
         <a:font script="Mong" typeface="Mongolian Baiti"/>
-        <a:font script="Viet" typeface="Arial"/>
+        <a:font script="Viet" typeface="Tahoma"/>
+        <a:font script="Uigh" typeface="Microsoft Uighur"/>
+        <a:font script="Geor" typeface="Sylfaen"/>
+      </a:majorFont>
+      <a:minorFont>
+        <a:latin typeface="Century Gothic" panose="020B0502020202020204"/>
+        <a:ea typeface=""/>
+        <a:cs typeface=""/>
+        <a:font script="Jpan" typeface="メイリオ"/>
+        <a:font script="Hang" typeface="HY중고딕"/>
+        <a:font script="Hans" typeface="幼圆"/>
+        <a:font script="Hant" typeface="微軟正黑體"/>
+        <a:font script="Arab" typeface="Tahoma"/>
+        <a:font script="Hebr" typeface="Gisha"/>
+        <a:font script="Thai" typeface="DilleniaUPC"/>
+        <a:font script="Ethi" typeface="Nyala"/>
+        <a:font script="Beng" typeface="Vrinda"/>
+        <a:font script="Gujr" typeface="Shruti"/>
+        <a:font script="Khmr" typeface="DaunPenh"/>
+        <a:font script="Knda" typeface="Tunga"/>
+        <a:font script="Guru" typeface="Raavi"/>
+        <a:font script="Cans" typeface="Euphemia"/>
+        <a:font script="Cher" typeface="Plantagenet Cherokee"/>
+        <a:font script="Yiii" typeface="Microsoft Yi Baiti"/>
+        <a:font script="Tibt" typeface="Microsoft Himalaya"/>
+        <a:font script="Thaa" typeface="MV Boli"/>
+        <a:font script="Deva" typeface="Mangal"/>
+        <a:font script="Telu" typeface="Gautami"/>
+        <a:font script="Taml" typeface="Latha"/>
+        <a:font script="Syrc" typeface="Estrangelo Edessa"/>
+        <a:font script="Orya" typeface="Kalinga"/>
+        <a:font script="Mlym" typeface="Kartika"/>
+        <a:font script="Laoo" typeface="DokChampa"/>
+        <a:font script="Sinh" typeface="Iskoola Pota"/>
+        <a:font script="Mong" typeface="Mongolian Baiti"/>
+        <a:font script="Viet" typeface="Tahoma"/>
         <a:font script="Uigh" typeface="Microsoft Uighur"/>
         <a:font script="Geor" typeface="Sylfaen"/>
       </a:minorFont>
     </a:fontScheme>
-    <a:fmtScheme name="Office">
+    <a:fmtScheme name="ウィスプ">
       <a:fillStyleLst>
+        <a:solidFill>
+          <a:schemeClr val="phClr"/>
+        </a:solidFill>
+        <a:solidFill>
+          <a:schemeClr val="phClr">
+            <a:tint val="70000"/>
+            <a:lumMod val="104000"/>
+          </a:schemeClr>
+        </a:solidFill>
+        <a:gradFill rotWithShape="1">
+          <a:gsLst>
+            <a:gs pos="0">
+              <a:schemeClr val="phClr">
+                <a:tint val="96000"/>
+                <a:lumMod val="104000"/>
+              </a:schemeClr>
+            </a:gs>
+            <a:gs pos="100000">
+              <a:schemeClr val="phClr">
+                <a:shade val="98000"/>
+                <a:lumMod val="94000"/>
+              </a:schemeClr>
+            </a:gs>
+          </a:gsLst>
+          <a:lin ang="5400000" scaled="0"/>
+        </a:gradFill>
+      </a:fillStyleLst>
+      <a:lnStyleLst>
+        <a:ln w="9525" cap="rnd" cmpd="sng" algn="ctr">
+          <a:solidFill>
+            <a:schemeClr val="phClr">
+              <a:shade val="90000"/>
+            </a:schemeClr>
+          </a:solidFill>
+          <a:prstDash val="solid"/>
+        </a:ln>
+        <a:ln w="15875" cap="rnd" cmpd="sng" algn="ctr">
+          <a:solidFill>
+            <a:schemeClr val="phClr"/>
+          </a:solidFill>
+          <a:prstDash val="solid"/>
+        </a:ln>
+        <a:ln w="22225" cap="rnd" cmpd="sng" algn="ctr">
+          <a:solidFill>
+            <a:schemeClr val="phClr"/>
+          </a:solidFill>
+          <a:prstDash val="solid"/>
+        </a:ln>
+      </a:lnStyleLst>
+      <a:effectStyleLst>
+        <a:effectStyle>
+          <a:effectLst/>
+        </a:effectStyle>
+        <a:effectStyle>
+          <a:effectLst>
+            <a:outerShdw blurRad="38100" dist="25400" dir="5400000" rotWithShape="0">
+              <a:srgbClr val="000000">
+                <a:alpha val="25000"/>
+              </a:srgbClr>
+            </a:outerShdw>
+          </a:effectLst>
+        </a:effectStyle>
+        <a:effectStyle>
+          <a:effectLst>
+            <a:outerShdw blurRad="50800" dist="38100" dir="5400000" rotWithShape="0">
+              <a:srgbClr val="000000">
+                <a:alpha val="60000"/>
+              </a:srgbClr>
+            </a:outerShdw>
+          </a:effectLst>
+        </a:effectStyle>
+      </a:effectStyleLst>
+      <a:bgFillStyleLst>
         <a:solidFill>
           <a:schemeClr val="phClr"/>
         </a:solidFill>
@@ -3891,23 +8753,15 @@
           <a:gsLst>
             <a:gs pos="0">
               <a:schemeClr val="phClr">
-                <a:lumMod val="110000"/>
-                <a:satMod val="105000"/>
-                <a:tint val="67000"/>
-              </a:schemeClr>
-            </a:gs>
-            <a:gs pos="50000">
-              <a:schemeClr val="phClr">
-                <a:lumMod val="105000"/>
-                <a:satMod val="103000"/>
-                <a:tint val="73000"/>
+                <a:tint val="90000"/>
+                <a:lumMod val="120000"/>
               </a:schemeClr>
             </a:gs>
             <a:gs pos="100000">
               <a:schemeClr val="phClr">
-                <a:lumMod val="105000"/>
-                <a:satMod val="109000"/>
-                <a:tint val="81000"/>
+                <a:shade val="98000"/>
+                <a:satMod val="120000"/>
+                <a:lumMod val="98000"/>
               </a:schemeClr>
             </a:gs>
           </a:gsLst>
@@ -3917,105 +8771,22 @@
           <a:gsLst>
             <a:gs pos="0">
               <a:schemeClr val="phClr">
-                <a:satMod val="103000"/>
-                <a:lumMod val="102000"/>
-                <a:tint val="94000"/>
-              </a:schemeClr>
-            </a:gs>
-            <a:gs pos="50000">
-              <a:schemeClr val="phClr">
-                <a:satMod val="110000"/>
-                <a:lumMod val="100000"/>
-                <a:shade val="100000"/>
+                <a:tint val="90000"/>
+                <a:satMod val="92000"/>
+                <a:lumMod val="120000"/>
               </a:schemeClr>
             </a:gs>
             <a:gs pos="100000">
               <a:schemeClr val="phClr">
-                <a:lumMod val="99000"/>
+                <a:shade val="98000"/>
                 <a:satMod val="120000"/>
-                <a:shade val="78000"/>
+                <a:lumMod val="98000"/>
               </a:schemeClr>
             </a:gs>
           </a:gsLst>
-          <a:lin ang="5400000" scaled="0"/>
-        </a:gradFill>
-      </a:fillStyleLst>
-      <a:lnStyleLst>
-        <a:ln w="6350" cap="flat" cmpd="sng" algn="ctr">
-          <a:solidFill>
-            <a:schemeClr val="phClr"/>
-          </a:solidFill>
-          <a:prstDash val="solid"/>
-          <a:miter lim="800000"/>
-        </a:ln>
-        <a:ln w="12700" cap="flat" cmpd="sng" algn="ctr">
-          <a:solidFill>
-            <a:schemeClr val="phClr"/>
-          </a:solidFill>
-          <a:prstDash val="solid"/>
-          <a:miter lim="800000"/>
-        </a:ln>
-        <a:ln w="19050" cap="flat" cmpd="sng" algn="ctr">
-          <a:solidFill>
-            <a:schemeClr val="phClr"/>
-          </a:solidFill>
-          <a:prstDash val="solid"/>
-          <a:miter lim="800000"/>
-        </a:ln>
-      </a:lnStyleLst>
-      <a:effectStyleLst>
-        <a:effectStyle>
-          <a:effectLst/>
-        </a:effectStyle>
-        <a:effectStyle>
-          <a:effectLst/>
-        </a:effectStyle>
-        <a:effectStyle>
-          <a:effectLst>
-            <a:outerShdw blurRad="57150" dist="19050" dir="5400000" algn="ctr" rotWithShape="0">
-              <a:srgbClr val="000000">
-                <a:alpha val="63000"/>
-              </a:srgbClr>
-            </a:outerShdw>
-          </a:effectLst>
-        </a:effectStyle>
-      </a:effectStyleLst>
-      <a:bgFillStyleLst>
-        <a:solidFill>
-          <a:schemeClr val="phClr"/>
-        </a:solidFill>
-        <a:solidFill>
-          <a:schemeClr val="phClr">
-            <a:tint val="95000"/>
-            <a:satMod val="170000"/>
-          </a:schemeClr>
-        </a:solidFill>
-        <a:gradFill rotWithShape="1">
-          <a:gsLst>
-            <a:gs pos="0">
-              <a:schemeClr val="phClr">
-                <a:tint val="93000"/>
-                <a:satMod val="150000"/>
-                <a:shade val="98000"/>
-                <a:lumMod val="102000"/>
-              </a:schemeClr>
-            </a:gs>
-            <a:gs pos="50000">
-              <a:schemeClr val="phClr">
-                <a:tint val="98000"/>
-                <a:satMod val="130000"/>
-                <a:shade val="90000"/>
-                <a:lumMod val="103000"/>
-              </a:schemeClr>
-            </a:gs>
-            <a:gs pos="100000">
-              <a:schemeClr val="phClr">
-                <a:shade val="63000"/>
-                <a:satMod val="120000"/>
-              </a:schemeClr>
-            </a:gs>
-          </a:gsLst>
-          <a:lin ang="5400000" scaled="0"/>
+          <a:path path="circle">
+            <a:fillToRect l="50000" t="50000" r="100000" b="100000"/>
+          </a:path>
         </a:gradFill>
       </a:bgFillStyleLst>
     </a:fmtScheme>
@@ -4024,7 +8795,7 @@
   <a:extraClrSchemeLst/>
   <a:extLst>
     <a:ext uri="{05A4C25C-085E-4340-85A3-A5531E510DB2}">
-      <thm15:themeFamily xmlns:thm15="http://schemas.microsoft.com/office/thememl/2012/main" name="Office Theme" id="{62F939B6-93AF-4DB8-9C6B-D6C7DFDC589F}" vid="{4A3C46E8-61CC-4603-A589-7422A47A8E4A}"/>
+      <thm15:themeFamily xmlns:thm15="http://schemas.microsoft.com/office/thememl/2012/main" name="Wisp" id="{7CB32D59-10C0-40DD-B7BD-2E94284A981C}" vid="{24B1A44C-C006-48B2-A4D7-E5549B3D8CD4}"/>
     </a:ext>
   </a:extLst>
 </a:theme>
